--- a/PPTS/Modern JavaScript Tutorial-14-12-2022.pptx
+++ b/PPTS/Modern JavaScript Tutorial-14-12-2022.pptx
@@ -5,48 +5,40 @@
     <p:sldMasterId id="2147483684" r:id="rId4"/>
   </p:sldMasterIdLst>
   <p:notesMasterIdLst>
-    <p:notesMasterId r:id="rId41"/>
+    <p:notesMasterId r:id="rId33"/>
   </p:notesMasterIdLst>
   <p:handoutMasterIdLst>
-    <p:handoutMasterId r:id="rId42"/>
+    <p:handoutMasterId r:id="rId34"/>
   </p:handoutMasterIdLst>
   <p:sldIdLst>
     <p:sldId id="256" r:id="rId5"/>
-    <p:sldId id="257" r:id="rId6"/>
-    <p:sldId id="330" r:id="rId7"/>
-    <p:sldId id="305" r:id="rId8"/>
-    <p:sldId id="338" r:id="rId9"/>
-    <p:sldId id="343" r:id="rId10"/>
-    <p:sldId id="346" r:id="rId11"/>
-    <p:sldId id="347" r:id="rId12"/>
-    <p:sldId id="345" r:id="rId13"/>
-    <p:sldId id="348" r:id="rId14"/>
-    <p:sldId id="344" r:id="rId15"/>
-    <p:sldId id="349" r:id="rId16"/>
-    <p:sldId id="350" r:id="rId17"/>
-    <p:sldId id="351" r:id="rId18"/>
-    <p:sldId id="352" r:id="rId19"/>
-    <p:sldId id="365" r:id="rId20"/>
-    <p:sldId id="366" r:id="rId21"/>
-    <p:sldId id="367" r:id="rId22"/>
-    <p:sldId id="368" r:id="rId23"/>
-    <p:sldId id="353" r:id="rId24"/>
-    <p:sldId id="356" r:id="rId25"/>
-    <p:sldId id="357" r:id="rId26"/>
-    <p:sldId id="358" r:id="rId27"/>
-    <p:sldId id="359" r:id="rId28"/>
-    <p:sldId id="360" r:id="rId29"/>
-    <p:sldId id="361" r:id="rId30"/>
-    <p:sldId id="363" r:id="rId31"/>
-    <p:sldId id="364" r:id="rId32"/>
-    <p:sldId id="362" r:id="rId33"/>
-    <p:sldId id="369" r:id="rId34"/>
-    <p:sldId id="370" r:id="rId35"/>
-    <p:sldId id="372" r:id="rId36"/>
-    <p:sldId id="371" r:id="rId37"/>
-    <p:sldId id="355" r:id="rId38"/>
-    <p:sldId id="354" r:id="rId39"/>
-    <p:sldId id="332" r:id="rId40"/>
+    <p:sldId id="305" r:id="rId6"/>
+    <p:sldId id="338" r:id="rId7"/>
+    <p:sldId id="343" r:id="rId8"/>
+    <p:sldId id="346" r:id="rId9"/>
+    <p:sldId id="347" r:id="rId10"/>
+    <p:sldId id="345" r:id="rId11"/>
+    <p:sldId id="348" r:id="rId12"/>
+    <p:sldId id="344" r:id="rId13"/>
+    <p:sldId id="349" r:id="rId14"/>
+    <p:sldId id="350" r:id="rId15"/>
+    <p:sldId id="351" r:id="rId16"/>
+    <p:sldId id="352" r:id="rId17"/>
+    <p:sldId id="365" r:id="rId18"/>
+    <p:sldId id="366" r:id="rId19"/>
+    <p:sldId id="367" r:id="rId20"/>
+    <p:sldId id="368" r:id="rId21"/>
+    <p:sldId id="353" r:id="rId22"/>
+    <p:sldId id="356" r:id="rId23"/>
+    <p:sldId id="357" r:id="rId24"/>
+    <p:sldId id="358" r:id="rId25"/>
+    <p:sldId id="359" r:id="rId26"/>
+    <p:sldId id="360" r:id="rId27"/>
+    <p:sldId id="361" r:id="rId28"/>
+    <p:sldId id="363" r:id="rId29"/>
+    <p:sldId id="364" r:id="rId30"/>
+    <p:sldId id="362" r:id="rId31"/>
+    <p:sldId id="332" r:id="rId32"/>
   </p:sldIdLst>
   <p:sldSz cx="12192000" cy="6858000"/>
   <p:notesSz cx="6858000" cy="9144000"/>
@@ -165,3647 +157,6 @@
     </p:ext>
   </p:extLst>
 </p:presentation>
-</file>
-
-<file path=ppt/diagrams/colors1.xml><?xml version="1.0" encoding="utf-8"?>
-<dgm:colorsDef xmlns:dgm="http://schemas.openxmlformats.org/drawingml/2006/diagram" xmlns:a="http://schemas.openxmlformats.org/drawingml/2006/main" uniqueId="urn:microsoft.com/office/officeart/2005/8/colors/accent1_2">
-  <dgm:title val=""/>
-  <dgm:desc val=""/>
-  <dgm:catLst>
-    <dgm:cat type="accent1" pri="11200"/>
-  </dgm:catLst>
-  <dgm:styleLbl name="node0">
-    <dgm:fillClrLst meth="repeat">
-      <a:schemeClr val="accent1"/>
-    </dgm:fillClrLst>
-    <dgm:linClrLst meth="repeat">
-      <a:schemeClr val="lt1"/>
-    </dgm:linClrLst>
-    <dgm:effectClrLst/>
-    <dgm:txLinClrLst/>
-    <dgm:txFillClrLst/>
-    <dgm:txEffectClrLst/>
-  </dgm:styleLbl>
-  <dgm:styleLbl name="alignNode1">
-    <dgm:fillClrLst meth="repeat">
-      <a:schemeClr val="accent1"/>
-    </dgm:fillClrLst>
-    <dgm:linClrLst meth="repeat">
-      <a:schemeClr val="accent1"/>
-    </dgm:linClrLst>
-    <dgm:effectClrLst/>
-    <dgm:txLinClrLst/>
-    <dgm:txFillClrLst/>
-    <dgm:txEffectClrLst/>
-  </dgm:styleLbl>
-  <dgm:styleLbl name="node1">
-    <dgm:fillClrLst meth="repeat">
-      <a:schemeClr val="accent1"/>
-    </dgm:fillClrLst>
-    <dgm:linClrLst meth="repeat">
-      <a:schemeClr val="lt1"/>
-    </dgm:linClrLst>
-    <dgm:effectClrLst/>
-    <dgm:txLinClrLst/>
-    <dgm:txFillClrLst/>
-    <dgm:txEffectClrLst/>
-  </dgm:styleLbl>
-  <dgm:styleLbl name="lnNode1">
-    <dgm:fillClrLst meth="repeat">
-      <a:schemeClr val="accent1"/>
-    </dgm:fillClrLst>
-    <dgm:linClrLst meth="repeat">
-      <a:schemeClr val="lt1"/>
-    </dgm:linClrLst>
-    <dgm:effectClrLst/>
-    <dgm:txLinClrLst/>
-    <dgm:txFillClrLst/>
-    <dgm:txEffectClrLst/>
-  </dgm:styleLbl>
-  <dgm:styleLbl name="vennNode1">
-    <dgm:fillClrLst meth="repeat">
-      <a:schemeClr val="accent1">
-        <a:alpha val="50000"/>
-      </a:schemeClr>
-    </dgm:fillClrLst>
-    <dgm:linClrLst meth="repeat">
-      <a:schemeClr val="lt1"/>
-    </dgm:linClrLst>
-    <dgm:effectClrLst/>
-    <dgm:txLinClrLst/>
-    <dgm:txFillClrLst/>
-    <dgm:txEffectClrLst/>
-  </dgm:styleLbl>
-  <dgm:styleLbl name="node2">
-    <dgm:fillClrLst meth="repeat">
-      <a:schemeClr val="accent1"/>
-    </dgm:fillClrLst>
-    <dgm:linClrLst meth="repeat">
-      <a:schemeClr val="lt1"/>
-    </dgm:linClrLst>
-    <dgm:effectClrLst/>
-    <dgm:txLinClrLst/>
-    <dgm:txFillClrLst/>
-    <dgm:txEffectClrLst/>
-  </dgm:styleLbl>
-  <dgm:styleLbl name="node3">
-    <dgm:fillClrLst meth="repeat">
-      <a:schemeClr val="accent1"/>
-    </dgm:fillClrLst>
-    <dgm:linClrLst meth="repeat">
-      <a:schemeClr val="lt1"/>
-    </dgm:linClrLst>
-    <dgm:effectClrLst/>
-    <dgm:txLinClrLst/>
-    <dgm:txFillClrLst/>
-    <dgm:txEffectClrLst/>
-  </dgm:styleLbl>
-  <dgm:styleLbl name="node4">
-    <dgm:fillClrLst meth="repeat">
-      <a:schemeClr val="accent1"/>
-    </dgm:fillClrLst>
-    <dgm:linClrLst meth="repeat">
-      <a:schemeClr val="lt1"/>
-    </dgm:linClrLst>
-    <dgm:effectClrLst/>
-    <dgm:txLinClrLst/>
-    <dgm:txFillClrLst/>
-    <dgm:txEffectClrLst/>
-  </dgm:styleLbl>
-  <dgm:styleLbl name="fgImgPlace1">
-    <dgm:fillClrLst meth="repeat">
-      <a:schemeClr val="accent1">
-        <a:tint val="50000"/>
-      </a:schemeClr>
-    </dgm:fillClrLst>
-    <dgm:linClrLst meth="repeat">
-      <a:schemeClr val="lt1"/>
-    </dgm:linClrLst>
-    <dgm:effectClrLst/>
-    <dgm:txLinClrLst/>
-    <dgm:txFillClrLst meth="repeat">
-      <a:schemeClr val="lt1"/>
-    </dgm:txFillClrLst>
-    <dgm:txEffectClrLst/>
-  </dgm:styleLbl>
-  <dgm:styleLbl name="alignImgPlace1">
-    <dgm:fillClrLst meth="repeat">
-      <a:schemeClr val="accent1">
-        <a:tint val="50000"/>
-      </a:schemeClr>
-    </dgm:fillClrLst>
-    <dgm:linClrLst meth="repeat">
-      <a:schemeClr val="lt1"/>
-    </dgm:linClrLst>
-    <dgm:effectClrLst/>
-    <dgm:txLinClrLst/>
-    <dgm:txFillClrLst meth="repeat">
-      <a:schemeClr val="lt1"/>
-    </dgm:txFillClrLst>
-    <dgm:txEffectClrLst/>
-  </dgm:styleLbl>
-  <dgm:styleLbl name="bgImgPlace1">
-    <dgm:fillClrLst meth="repeat">
-      <a:schemeClr val="accent1">
-        <a:tint val="50000"/>
-      </a:schemeClr>
-    </dgm:fillClrLst>
-    <dgm:linClrLst meth="repeat">
-      <a:schemeClr val="lt1"/>
-    </dgm:linClrLst>
-    <dgm:effectClrLst/>
-    <dgm:txLinClrLst/>
-    <dgm:txFillClrLst meth="repeat">
-      <a:schemeClr val="lt1"/>
-    </dgm:txFillClrLst>
-    <dgm:txEffectClrLst/>
-  </dgm:styleLbl>
-  <dgm:styleLbl name="sibTrans2D1">
-    <dgm:fillClrLst meth="repeat">
-      <a:schemeClr val="accent1">
-        <a:tint val="60000"/>
-      </a:schemeClr>
-    </dgm:fillClrLst>
-    <dgm:linClrLst meth="repeat">
-      <a:schemeClr val="accent1">
-        <a:tint val="60000"/>
-      </a:schemeClr>
-    </dgm:linClrLst>
-    <dgm:effectClrLst/>
-    <dgm:txLinClrLst/>
-    <dgm:txFillClrLst/>
-    <dgm:txEffectClrLst/>
-  </dgm:styleLbl>
-  <dgm:styleLbl name="fgSibTrans2D1">
-    <dgm:fillClrLst meth="repeat">
-      <a:schemeClr val="accent1">
-        <a:tint val="60000"/>
-      </a:schemeClr>
-    </dgm:fillClrLst>
-    <dgm:linClrLst meth="repeat">
-      <a:schemeClr val="accent1">
-        <a:tint val="60000"/>
-      </a:schemeClr>
-    </dgm:linClrLst>
-    <dgm:effectClrLst/>
-    <dgm:txLinClrLst/>
-    <dgm:txFillClrLst/>
-    <dgm:txEffectClrLst/>
-  </dgm:styleLbl>
-  <dgm:styleLbl name="bgSibTrans2D1">
-    <dgm:fillClrLst meth="repeat">
-      <a:schemeClr val="accent1">
-        <a:tint val="60000"/>
-      </a:schemeClr>
-    </dgm:fillClrLst>
-    <dgm:linClrLst meth="repeat">
-      <a:schemeClr val="accent1">
-        <a:tint val="60000"/>
-      </a:schemeClr>
-    </dgm:linClrLst>
-    <dgm:effectClrLst/>
-    <dgm:txLinClrLst/>
-    <dgm:txFillClrLst/>
-    <dgm:txEffectClrLst/>
-  </dgm:styleLbl>
-  <dgm:styleLbl name="sibTrans1D1">
-    <dgm:fillClrLst meth="repeat">
-      <a:schemeClr val="accent1"/>
-    </dgm:fillClrLst>
-    <dgm:linClrLst meth="repeat">
-      <a:schemeClr val="accent1"/>
-    </dgm:linClrLst>
-    <dgm:effectClrLst/>
-    <dgm:txLinClrLst/>
-    <dgm:txFillClrLst meth="repeat">
-      <a:schemeClr val="tx1"/>
-    </dgm:txFillClrLst>
-    <dgm:txEffectClrLst/>
-  </dgm:styleLbl>
-  <dgm:styleLbl name="callout">
-    <dgm:fillClrLst meth="repeat">
-      <a:schemeClr val="accent1"/>
-    </dgm:fillClrLst>
-    <dgm:linClrLst meth="repeat">
-      <a:schemeClr val="accent1">
-        <a:tint val="50000"/>
-      </a:schemeClr>
-    </dgm:linClrLst>
-    <dgm:effectClrLst/>
-    <dgm:txLinClrLst/>
-    <dgm:txFillClrLst meth="repeat">
-      <a:schemeClr val="tx1"/>
-    </dgm:txFillClrLst>
-    <dgm:txEffectClrLst/>
-  </dgm:styleLbl>
-  <dgm:styleLbl name="asst0">
-    <dgm:fillClrLst meth="repeat">
-      <a:schemeClr val="accent1"/>
-    </dgm:fillClrLst>
-    <dgm:linClrLst meth="repeat">
-      <a:schemeClr val="lt1"/>
-    </dgm:linClrLst>
-    <dgm:effectClrLst/>
-    <dgm:txLinClrLst/>
-    <dgm:txFillClrLst/>
-    <dgm:txEffectClrLst/>
-  </dgm:styleLbl>
-  <dgm:styleLbl name="asst1">
-    <dgm:fillClrLst meth="repeat">
-      <a:schemeClr val="accent1"/>
-    </dgm:fillClrLst>
-    <dgm:linClrLst meth="repeat">
-      <a:schemeClr val="lt1"/>
-    </dgm:linClrLst>
-    <dgm:effectClrLst/>
-    <dgm:txLinClrLst/>
-    <dgm:txFillClrLst/>
-    <dgm:txEffectClrLst/>
-  </dgm:styleLbl>
-  <dgm:styleLbl name="asst2">
-    <dgm:fillClrLst meth="repeat">
-      <a:schemeClr val="accent1"/>
-    </dgm:fillClrLst>
-    <dgm:linClrLst meth="repeat">
-      <a:schemeClr val="lt1"/>
-    </dgm:linClrLst>
-    <dgm:effectClrLst/>
-    <dgm:txLinClrLst/>
-    <dgm:txFillClrLst/>
-    <dgm:txEffectClrLst/>
-  </dgm:styleLbl>
-  <dgm:styleLbl name="asst3">
-    <dgm:fillClrLst meth="repeat">
-      <a:schemeClr val="accent1"/>
-    </dgm:fillClrLst>
-    <dgm:linClrLst meth="repeat">
-      <a:schemeClr val="lt1"/>
-    </dgm:linClrLst>
-    <dgm:effectClrLst/>
-    <dgm:txLinClrLst/>
-    <dgm:txFillClrLst/>
-    <dgm:txEffectClrLst/>
-  </dgm:styleLbl>
-  <dgm:styleLbl name="asst4">
-    <dgm:fillClrLst meth="repeat">
-      <a:schemeClr val="accent1"/>
-    </dgm:fillClrLst>
-    <dgm:linClrLst meth="repeat">
-      <a:schemeClr val="lt1"/>
-    </dgm:linClrLst>
-    <dgm:effectClrLst/>
-    <dgm:txLinClrLst/>
-    <dgm:txFillClrLst/>
-    <dgm:txEffectClrLst/>
-  </dgm:styleLbl>
-  <dgm:styleLbl name="parChTrans2D1">
-    <dgm:fillClrLst meth="repeat">
-      <a:schemeClr val="accent1">
-        <a:tint val="60000"/>
-      </a:schemeClr>
-    </dgm:fillClrLst>
-    <dgm:linClrLst meth="repeat">
-      <a:schemeClr val="accent1">
-        <a:tint val="60000"/>
-      </a:schemeClr>
-    </dgm:linClrLst>
-    <dgm:effectClrLst/>
-    <dgm:txLinClrLst/>
-    <dgm:txFillClrLst meth="repeat">
-      <a:schemeClr val="lt1"/>
-    </dgm:txFillClrLst>
-    <dgm:txEffectClrLst/>
-  </dgm:styleLbl>
-  <dgm:styleLbl name="parChTrans2D2">
-    <dgm:fillClrLst meth="repeat">
-      <a:schemeClr val="accent1"/>
-    </dgm:fillClrLst>
-    <dgm:linClrLst meth="repeat">
-      <a:schemeClr val="accent1"/>
-    </dgm:linClrLst>
-    <dgm:effectClrLst/>
-    <dgm:txLinClrLst/>
-    <dgm:txFillClrLst meth="repeat">
-      <a:schemeClr val="lt1"/>
-    </dgm:txFillClrLst>
-    <dgm:txEffectClrLst/>
-  </dgm:styleLbl>
-  <dgm:styleLbl name="parChTrans2D3">
-    <dgm:fillClrLst meth="repeat">
-      <a:schemeClr val="accent1"/>
-    </dgm:fillClrLst>
-    <dgm:linClrLst meth="repeat">
-      <a:schemeClr val="accent1"/>
-    </dgm:linClrLst>
-    <dgm:effectClrLst/>
-    <dgm:txLinClrLst/>
-    <dgm:txFillClrLst meth="repeat">
-      <a:schemeClr val="lt1"/>
-    </dgm:txFillClrLst>
-    <dgm:txEffectClrLst/>
-  </dgm:styleLbl>
-  <dgm:styleLbl name="parChTrans2D4">
-    <dgm:fillClrLst meth="repeat">
-      <a:schemeClr val="accent1"/>
-    </dgm:fillClrLst>
-    <dgm:linClrLst meth="repeat">
-      <a:schemeClr val="accent1"/>
-    </dgm:linClrLst>
-    <dgm:effectClrLst/>
-    <dgm:txLinClrLst/>
-    <dgm:txFillClrLst meth="repeat">
-      <a:schemeClr val="lt1"/>
-    </dgm:txFillClrLst>
-    <dgm:txEffectClrLst/>
-  </dgm:styleLbl>
-  <dgm:styleLbl name="parChTrans1D1">
-    <dgm:fillClrLst meth="repeat">
-      <a:schemeClr val="accent1"/>
-    </dgm:fillClrLst>
-    <dgm:linClrLst meth="repeat">
-      <a:schemeClr val="accent1">
-        <a:shade val="60000"/>
-      </a:schemeClr>
-    </dgm:linClrLst>
-    <dgm:effectClrLst/>
-    <dgm:txLinClrLst/>
-    <dgm:txFillClrLst meth="repeat">
-      <a:schemeClr val="tx1"/>
-    </dgm:txFillClrLst>
-    <dgm:txEffectClrLst/>
-  </dgm:styleLbl>
-  <dgm:styleLbl name="parChTrans1D2">
-    <dgm:fillClrLst meth="repeat">
-      <a:schemeClr val="accent1"/>
-    </dgm:fillClrLst>
-    <dgm:linClrLst meth="repeat">
-      <a:schemeClr val="accent1">
-        <a:shade val="60000"/>
-      </a:schemeClr>
-    </dgm:linClrLst>
-    <dgm:effectClrLst/>
-    <dgm:txLinClrLst/>
-    <dgm:txFillClrLst meth="repeat">
-      <a:schemeClr val="tx1"/>
-    </dgm:txFillClrLst>
-    <dgm:txEffectClrLst/>
-  </dgm:styleLbl>
-  <dgm:styleLbl name="parChTrans1D3">
-    <dgm:fillClrLst meth="repeat">
-      <a:schemeClr val="accent1"/>
-    </dgm:fillClrLst>
-    <dgm:linClrLst meth="repeat">
-      <a:schemeClr val="accent1">
-        <a:shade val="80000"/>
-      </a:schemeClr>
-    </dgm:linClrLst>
-    <dgm:effectClrLst/>
-    <dgm:txLinClrLst/>
-    <dgm:txFillClrLst meth="repeat">
-      <a:schemeClr val="tx1"/>
-    </dgm:txFillClrLst>
-    <dgm:txEffectClrLst/>
-  </dgm:styleLbl>
-  <dgm:styleLbl name="parChTrans1D4">
-    <dgm:fillClrLst meth="repeat">
-      <a:schemeClr val="accent1"/>
-    </dgm:fillClrLst>
-    <dgm:linClrLst meth="repeat">
-      <a:schemeClr val="accent1">
-        <a:shade val="80000"/>
-      </a:schemeClr>
-    </dgm:linClrLst>
-    <dgm:effectClrLst/>
-    <dgm:txLinClrLst/>
-    <dgm:txFillClrLst meth="repeat">
-      <a:schemeClr val="tx1"/>
-    </dgm:txFillClrLst>
-    <dgm:txEffectClrLst/>
-  </dgm:styleLbl>
-  <dgm:styleLbl name="fgAcc1">
-    <dgm:fillClrLst meth="repeat">
-      <a:schemeClr val="lt1">
-        <a:alpha val="90000"/>
-      </a:schemeClr>
-    </dgm:fillClrLst>
-    <dgm:linClrLst meth="repeat">
-      <a:schemeClr val="accent1"/>
-    </dgm:linClrLst>
-    <dgm:effectClrLst/>
-    <dgm:txLinClrLst/>
-    <dgm:txFillClrLst meth="repeat">
-      <a:schemeClr val="dk1"/>
-    </dgm:txFillClrLst>
-    <dgm:txEffectClrLst/>
-  </dgm:styleLbl>
-  <dgm:styleLbl name="conFgAcc1">
-    <dgm:fillClrLst meth="repeat">
-      <a:schemeClr val="lt1">
-        <a:alpha val="90000"/>
-      </a:schemeClr>
-    </dgm:fillClrLst>
-    <dgm:linClrLst meth="repeat">
-      <a:schemeClr val="accent1"/>
-    </dgm:linClrLst>
-    <dgm:effectClrLst/>
-    <dgm:txLinClrLst/>
-    <dgm:txFillClrLst meth="repeat">
-      <a:schemeClr val="dk1"/>
-    </dgm:txFillClrLst>
-    <dgm:txEffectClrLst/>
-  </dgm:styleLbl>
-  <dgm:styleLbl name="alignAcc1">
-    <dgm:fillClrLst meth="repeat">
-      <a:schemeClr val="lt1">
-        <a:alpha val="90000"/>
-      </a:schemeClr>
-    </dgm:fillClrLst>
-    <dgm:linClrLst meth="repeat">
-      <a:schemeClr val="accent1"/>
-    </dgm:linClrLst>
-    <dgm:effectClrLst/>
-    <dgm:txLinClrLst/>
-    <dgm:txFillClrLst meth="repeat">
-      <a:schemeClr val="dk1"/>
-    </dgm:txFillClrLst>
-    <dgm:txEffectClrLst/>
-  </dgm:styleLbl>
-  <dgm:styleLbl name="trAlignAcc1">
-    <dgm:fillClrLst meth="repeat">
-      <a:schemeClr val="lt1">
-        <a:alpha val="40000"/>
-      </a:schemeClr>
-    </dgm:fillClrLst>
-    <dgm:linClrLst meth="repeat">
-      <a:schemeClr val="accent1"/>
-    </dgm:linClrLst>
-    <dgm:effectClrLst/>
-    <dgm:txLinClrLst/>
-    <dgm:txFillClrLst meth="repeat">
-      <a:schemeClr val="dk1"/>
-    </dgm:txFillClrLst>
-    <dgm:txEffectClrLst/>
-  </dgm:styleLbl>
-  <dgm:styleLbl name="bgAcc1">
-    <dgm:fillClrLst meth="repeat">
-      <a:schemeClr val="lt1">
-        <a:alpha val="90000"/>
-      </a:schemeClr>
-    </dgm:fillClrLst>
-    <dgm:linClrLst meth="repeat">
-      <a:schemeClr val="accent1"/>
-    </dgm:linClrLst>
-    <dgm:effectClrLst/>
-    <dgm:txLinClrLst/>
-    <dgm:txFillClrLst meth="repeat">
-      <a:schemeClr val="dk1"/>
-    </dgm:txFillClrLst>
-    <dgm:txEffectClrLst/>
-  </dgm:styleLbl>
-  <dgm:styleLbl name="solidFgAcc1">
-    <dgm:fillClrLst meth="repeat">
-      <a:schemeClr val="lt1"/>
-    </dgm:fillClrLst>
-    <dgm:linClrLst meth="repeat">
-      <a:schemeClr val="accent1"/>
-    </dgm:linClrLst>
-    <dgm:effectClrLst/>
-    <dgm:txLinClrLst/>
-    <dgm:txFillClrLst meth="repeat">
-      <a:schemeClr val="dk1"/>
-    </dgm:txFillClrLst>
-    <dgm:txEffectClrLst/>
-  </dgm:styleLbl>
-  <dgm:styleLbl name="solidAlignAcc1">
-    <dgm:fillClrLst meth="repeat">
-      <a:schemeClr val="lt1"/>
-    </dgm:fillClrLst>
-    <dgm:linClrLst meth="repeat">
-      <a:schemeClr val="accent1"/>
-    </dgm:linClrLst>
-    <dgm:effectClrLst/>
-    <dgm:txLinClrLst/>
-    <dgm:txFillClrLst meth="repeat">
-      <a:schemeClr val="dk1"/>
-    </dgm:txFillClrLst>
-    <dgm:txEffectClrLst/>
-  </dgm:styleLbl>
-  <dgm:styleLbl name="solidBgAcc1">
-    <dgm:fillClrLst meth="repeat">
-      <a:schemeClr val="lt1"/>
-    </dgm:fillClrLst>
-    <dgm:linClrLst meth="repeat">
-      <a:schemeClr val="accent1"/>
-    </dgm:linClrLst>
-    <dgm:effectClrLst/>
-    <dgm:txLinClrLst/>
-    <dgm:txFillClrLst meth="repeat">
-      <a:schemeClr val="dk1"/>
-    </dgm:txFillClrLst>
-    <dgm:txEffectClrLst/>
-  </dgm:styleLbl>
-  <dgm:styleLbl name="fgAccFollowNode1">
-    <dgm:fillClrLst meth="repeat">
-      <a:schemeClr val="accent1">
-        <a:alpha val="90000"/>
-        <a:tint val="40000"/>
-      </a:schemeClr>
-    </dgm:fillClrLst>
-    <dgm:linClrLst meth="repeat">
-      <a:schemeClr val="accent1">
-        <a:alpha val="90000"/>
-        <a:tint val="40000"/>
-      </a:schemeClr>
-    </dgm:linClrLst>
-    <dgm:effectClrLst/>
-    <dgm:txLinClrLst/>
-    <dgm:txFillClrLst meth="repeat">
-      <a:schemeClr val="dk1"/>
-    </dgm:txFillClrLst>
-    <dgm:txEffectClrLst/>
-  </dgm:styleLbl>
-  <dgm:styleLbl name="alignAccFollowNode1">
-    <dgm:fillClrLst meth="repeat">
-      <a:schemeClr val="accent1">
-        <a:alpha val="90000"/>
-        <a:tint val="40000"/>
-      </a:schemeClr>
-    </dgm:fillClrLst>
-    <dgm:linClrLst meth="repeat">
-      <a:schemeClr val="accent1">
-        <a:alpha val="90000"/>
-        <a:tint val="40000"/>
-      </a:schemeClr>
-    </dgm:linClrLst>
-    <dgm:effectClrLst/>
-    <dgm:txLinClrLst/>
-    <dgm:txFillClrLst meth="repeat">
-      <a:schemeClr val="dk1"/>
-    </dgm:txFillClrLst>
-    <dgm:txEffectClrLst/>
-  </dgm:styleLbl>
-  <dgm:styleLbl name="bgAccFollowNode1">
-    <dgm:fillClrLst meth="repeat">
-      <a:schemeClr val="accent1">
-        <a:alpha val="90000"/>
-        <a:tint val="40000"/>
-      </a:schemeClr>
-    </dgm:fillClrLst>
-    <dgm:linClrLst meth="repeat">
-      <a:schemeClr val="accent1">
-        <a:alpha val="90000"/>
-        <a:tint val="40000"/>
-      </a:schemeClr>
-    </dgm:linClrLst>
-    <dgm:effectClrLst/>
-    <dgm:txLinClrLst/>
-    <dgm:txFillClrLst meth="repeat">
-      <a:schemeClr val="dk1"/>
-    </dgm:txFillClrLst>
-    <dgm:txEffectClrLst/>
-  </dgm:styleLbl>
-  <dgm:styleLbl name="fgAcc0">
-    <dgm:fillClrLst meth="repeat">
-      <a:schemeClr val="lt1">
-        <a:alpha val="90000"/>
-      </a:schemeClr>
-    </dgm:fillClrLst>
-    <dgm:linClrLst meth="repeat">
-      <a:schemeClr val="accent1"/>
-    </dgm:linClrLst>
-    <dgm:effectClrLst/>
-    <dgm:txLinClrLst/>
-    <dgm:txFillClrLst meth="repeat">
-      <a:schemeClr val="dk1"/>
-    </dgm:txFillClrLst>
-    <dgm:txEffectClrLst/>
-  </dgm:styleLbl>
-  <dgm:styleLbl name="fgAcc2">
-    <dgm:fillClrLst meth="repeat">
-      <a:schemeClr val="lt1">
-        <a:alpha val="90000"/>
-      </a:schemeClr>
-    </dgm:fillClrLst>
-    <dgm:linClrLst meth="repeat">
-      <a:schemeClr val="accent1"/>
-    </dgm:linClrLst>
-    <dgm:effectClrLst/>
-    <dgm:txLinClrLst/>
-    <dgm:txFillClrLst meth="repeat">
-      <a:schemeClr val="dk1"/>
-    </dgm:txFillClrLst>
-    <dgm:txEffectClrLst/>
-  </dgm:styleLbl>
-  <dgm:styleLbl name="fgAcc3">
-    <dgm:fillClrLst meth="repeat">
-      <a:schemeClr val="lt1">
-        <a:alpha val="90000"/>
-      </a:schemeClr>
-    </dgm:fillClrLst>
-    <dgm:linClrLst meth="repeat">
-      <a:schemeClr val="accent1"/>
-    </dgm:linClrLst>
-    <dgm:effectClrLst/>
-    <dgm:txLinClrLst/>
-    <dgm:txFillClrLst meth="repeat">
-      <a:schemeClr val="dk1"/>
-    </dgm:txFillClrLst>
-    <dgm:txEffectClrLst/>
-  </dgm:styleLbl>
-  <dgm:styleLbl name="fgAcc4">
-    <dgm:fillClrLst meth="repeat">
-      <a:schemeClr val="lt1">
-        <a:alpha val="90000"/>
-      </a:schemeClr>
-    </dgm:fillClrLst>
-    <dgm:linClrLst meth="repeat">
-      <a:schemeClr val="accent1"/>
-    </dgm:linClrLst>
-    <dgm:effectClrLst/>
-    <dgm:txLinClrLst/>
-    <dgm:txFillClrLst meth="repeat">
-      <a:schemeClr val="dk1"/>
-    </dgm:txFillClrLst>
-    <dgm:txEffectClrLst/>
-  </dgm:styleLbl>
-  <dgm:styleLbl name="bgShp">
-    <dgm:fillClrLst meth="repeat">
-      <a:schemeClr val="accent1">
-        <a:tint val="40000"/>
-      </a:schemeClr>
-    </dgm:fillClrLst>
-    <dgm:linClrLst meth="repeat">
-      <a:schemeClr val="accent1"/>
-    </dgm:linClrLst>
-    <dgm:effectClrLst/>
-    <dgm:txLinClrLst/>
-    <dgm:txFillClrLst meth="repeat">
-      <a:schemeClr val="dk1"/>
-    </dgm:txFillClrLst>
-    <dgm:txEffectClrLst/>
-  </dgm:styleLbl>
-  <dgm:styleLbl name="dkBgShp">
-    <dgm:fillClrLst meth="repeat">
-      <a:schemeClr val="accent1">
-        <a:shade val="80000"/>
-      </a:schemeClr>
-    </dgm:fillClrLst>
-    <dgm:linClrLst meth="repeat">
-      <a:schemeClr val="accent1"/>
-    </dgm:linClrLst>
-    <dgm:effectClrLst/>
-    <dgm:txLinClrLst/>
-    <dgm:txFillClrLst meth="repeat">
-      <a:schemeClr val="lt1"/>
-    </dgm:txFillClrLst>
-    <dgm:txEffectClrLst/>
-  </dgm:styleLbl>
-  <dgm:styleLbl name="trBgShp">
-    <dgm:fillClrLst meth="repeat">
-      <a:schemeClr val="accent1">
-        <a:tint val="50000"/>
-        <a:alpha val="40000"/>
-      </a:schemeClr>
-    </dgm:fillClrLst>
-    <dgm:linClrLst meth="repeat">
-      <a:schemeClr val="accent1"/>
-    </dgm:linClrLst>
-    <dgm:effectClrLst/>
-    <dgm:txLinClrLst/>
-    <dgm:txFillClrLst meth="repeat">
-      <a:schemeClr val="lt1"/>
-    </dgm:txFillClrLst>
-    <dgm:txEffectClrLst/>
-  </dgm:styleLbl>
-  <dgm:styleLbl name="fgShp">
-    <dgm:fillClrLst meth="repeat">
-      <a:schemeClr val="accent1">
-        <a:tint val="60000"/>
-      </a:schemeClr>
-    </dgm:fillClrLst>
-    <dgm:linClrLst meth="repeat">
-      <a:schemeClr val="lt1"/>
-    </dgm:linClrLst>
-    <dgm:effectClrLst/>
-    <dgm:txLinClrLst/>
-    <dgm:txFillClrLst meth="repeat">
-      <a:schemeClr val="dk1"/>
-    </dgm:txFillClrLst>
-    <dgm:txEffectClrLst/>
-  </dgm:styleLbl>
-  <dgm:styleLbl name="revTx">
-    <dgm:fillClrLst meth="repeat">
-      <a:schemeClr val="lt1">
-        <a:alpha val="0"/>
-      </a:schemeClr>
-    </dgm:fillClrLst>
-    <dgm:linClrLst meth="repeat">
-      <a:schemeClr val="dk1">
-        <a:alpha val="0"/>
-      </a:schemeClr>
-    </dgm:linClrLst>
-    <dgm:effectClrLst/>
-    <dgm:txLinClrLst/>
-    <dgm:txFillClrLst meth="repeat">
-      <a:schemeClr val="tx1"/>
-    </dgm:txFillClrLst>
-    <dgm:txEffectClrLst/>
-  </dgm:styleLbl>
-</dgm:colorsDef>
-</file>
-
-<file path=ppt/diagrams/data1.xml><?xml version="1.0" encoding="utf-8"?>
-<dgm:dataModel xmlns:dgm="http://schemas.openxmlformats.org/drawingml/2006/diagram" xmlns:a="http://schemas.openxmlformats.org/drawingml/2006/main">
-  <dgm:ptLst>
-    <dgm:pt modelId="{AFCE68DF-769B-425E-BFA7-30C093AFCFFA}" type="doc">
-      <dgm:prSet loTypeId="urn:microsoft.com/office/officeart/2008/layout/LinedList" loCatId="list" qsTypeId="urn:microsoft.com/office/officeart/2005/8/quickstyle/simple1" qsCatId="simple" csTypeId="urn:microsoft.com/office/officeart/2005/8/colors/accent1_2" csCatId="accent1"/>
-      <dgm:spPr/>
-      <dgm:t>
-        <a:bodyPr/>
-        <a:lstStyle/>
-        <a:p>
-          <a:endParaRPr lang="en-US"/>
-        </a:p>
-      </dgm:t>
-    </dgm:pt>
-    <dgm:pt modelId="{655B3235-FF46-4A2B-BFD5-462C211786F3}">
-      <dgm:prSet/>
-      <dgm:spPr/>
-      <dgm:t>
-        <a:bodyPr/>
-        <a:lstStyle/>
-        <a:p>
-          <a:r>
-            <a:rPr lang="en-US"/>
-            <a:t>What is JavaScript</a:t>
-          </a:r>
-        </a:p>
-      </dgm:t>
-    </dgm:pt>
-    <dgm:pt modelId="{D28BB177-8786-4437-B7E5-2C386A603DC9}" type="parTrans" cxnId="{D023C650-8C95-4EA8-B908-24C1FCB2D4DE}">
-      <dgm:prSet/>
-      <dgm:spPr/>
-      <dgm:t>
-        <a:bodyPr/>
-        <a:lstStyle/>
-        <a:p>
-          <a:endParaRPr lang="en-US"/>
-        </a:p>
-      </dgm:t>
-    </dgm:pt>
-    <dgm:pt modelId="{09D2A010-9D58-465B-BB1D-00B4F85BC755}" type="sibTrans" cxnId="{D023C650-8C95-4EA8-B908-24C1FCB2D4DE}">
-      <dgm:prSet/>
-      <dgm:spPr/>
-      <dgm:t>
-        <a:bodyPr/>
-        <a:lstStyle/>
-        <a:p>
-          <a:endParaRPr lang="en-US"/>
-        </a:p>
-      </dgm:t>
-    </dgm:pt>
-    <dgm:pt modelId="{D236CA0D-C52F-4E49-9AA4-80DFE0C3D95D}">
-      <dgm:prSet/>
-      <dgm:spPr/>
-      <dgm:t>
-        <a:bodyPr/>
-        <a:lstStyle/>
-        <a:p>
-          <a:r>
-            <a:rPr lang="en-US"/>
-            <a:t>Why to Learn JS</a:t>
-          </a:r>
-        </a:p>
-      </dgm:t>
-    </dgm:pt>
-    <dgm:pt modelId="{DDAAD926-1143-491A-8523-EAACEDB7038B}" type="parTrans" cxnId="{EAF27392-8D11-4214-874D-C16CBA72BD2C}">
-      <dgm:prSet/>
-      <dgm:spPr/>
-      <dgm:t>
-        <a:bodyPr/>
-        <a:lstStyle/>
-        <a:p>
-          <a:endParaRPr lang="en-US"/>
-        </a:p>
-      </dgm:t>
-    </dgm:pt>
-    <dgm:pt modelId="{D4CC94E4-F216-4F18-A6F2-DCA56A741E91}" type="sibTrans" cxnId="{EAF27392-8D11-4214-874D-C16CBA72BD2C}">
-      <dgm:prSet/>
-      <dgm:spPr/>
-      <dgm:t>
-        <a:bodyPr/>
-        <a:lstStyle/>
-        <a:p>
-          <a:endParaRPr lang="en-US"/>
-        </a:p>
-      </dgm:t>
-    </dgm:pt>
-    <dgm:pt modelId="{38424056-8136-439C-8818-34B4EF9AC5B7}">
-      <dgm:prSet/>
-      <dgm:spPr/>
-      <dgm:t>
-        <a:bodyPr/>
-        <a:lstStyle/>
-        <a:p>
-          <a:r>
-            <a:rPr lang="en-US"/>
-            <a:t>Advantages of JS</a:t>
-          </a:r>
-        </a:p>
-      </dgm:t>
-    </dgm:pt>
-    <dgm:pt modelId="{78506F8E-16DF-4ABA-9B75-5C57D5C0DDF2}" type="parTrans" cxnId="{902EDDAA-606C-4ADD-919D-B240F1230B40}">
-      <dgm:prSet/>
-      <dgm:spPr/>
-      <dgm:t>
-        <a:bodyPr/>
-        <a:lstStyle/>
-        <a:p>
-          <a:endParaRPr lang="en-US"/>
-        </a:p>
-      </dgm:t>
-    </dgm:pt>
-    <dgm:pt modelId="{F58B2948-2B88-45F6-A7E4-AC50D2E6EA6A}" type="sibTrans" cxnId="{902EDDAA-606C-4ADD-919D-B240F1230B40}">
-      <dgm:prSet/>
-      <dgm:spPr/>
-      <dgm:t>
-        <a:bodyPr/>
-        <a:lstStyle/>
-        <a:p>
-          <a:endParaRPr lang="en-US"/>
-        </a:p>
-      </dgm:t>
-    </dgm:pt>
-    <dgm:pt modelId="{B6E31CA7-9660-4567-8F2B-5AF9D84738D4}">
-      <dgm:prSet/>
-      <dgm:spPr/>
-      <dgm:t>
-        <a:bodyPr/>
-        <a:lstStyle/>
-        <a:p>
-          <a:r>
-            <a:rPr lang="en-US"/>
-            <a:t>JS Syntax</a:t>
-          </a:r>
-        </a:p>
-      </dgm:t>
-    </dgm:pt>
-    <dgm:pt modelId="{C87D2FFF-5015-40EF-B4EA-47CC07F6614B}" type="parTrans" cxnId="{ADFB35D7-BFB0-4862-A682-4D3150B3D6A5}">
-      <dgm:prSet/>
-      <dgm:spPr/>
-      <dgm:t>
-        <a:bodyPr/>
-        <a:lstStyle/>
-        <a:p>
-          <a:endParaRPr lang="en-US"/>
-        </a:p>
-      </dgm:t>
-    </dgm:pt>
-    <dgm:pt modelId="{0D45DE76-8F47-4A98-A974-A479D1BF8998}" type="sibTrans" cxnId="{ADFB35D7-BFB0-4862-A682-4D3150B3D6A5}">
-      <dgm:prSet/>
-      <dgm:spPr/>
-      <dgm:t>
-        <a:bodyPr/>
-        <a:lstStyle/>
-        <a:p>
-          <a:endParaRPr lang="en-US"/>
-        </a:p>
-      </dgm:t>
-    </dgm:pt>
-    <dgm:pt modelId="{22F7EA48-512C-4C05-BDA5-94C87D1CCF50}">
-      <dgm:prSet/>
-      <dgm:spPr/>
-      <dgm:t>
-        <a:bodyPr/>
-        <a:lstStyle/>
-        <a:p>
-          <a:r>
-            <a:rPr lang="en-US"/>
-            <a:t>JS Variables</a:t>
-          </a:r>
-        </a:p>
-      </dgm:t>
-    </dgm:pt>
-    <dgm:pt modelId="{D5B9AFBE-1070-4BF3-B6F4-BBF96AB6E81C}" type="parTrans" cxnId="{1FAE230D-FF9B-42B1-9580-9A14FFF1C5B0}">
-      <dgm:prSet/>
-      <dgm:spPr/>
-      <dgm:t>
-        <a:bodyPr/>
-        <a:lstStyle/>
-        <a:p>
-          <a:endParaRPr lang="en-US"/>
-        </a:p>
-      </dgm:t>
-    </dgm:pt>
-    <dgm:pt modelId="{2E3372B6-DF4B-4768-B0AB-C8E261B4BA23}" type="sibTrans" cxnId="{1FAE230D-FF9B-42B1-9580-9A14FFF1C5B0}">
-      <dgm:prSet/>
-      <dgm:spPr/>
-      <dgm:t>
-        <a:bodyPr/>
-        <a:lstStyle/>
-        <a:p>
-          <a:endParaRPr lang="en-US"/>
-        </a:p>
-      </dgm:t>
-    </dgm:pt>
-    <dgm:pt modelId="{6E1A5657-C493-4454-BF15-8B190446BE4A}">
-      <dgm:prSet/>
-      <dgm:spPr/>
-      <dgm:t>
-        <a:bodyPr/>
-        <a:lstStyle/>
-        <a:p>
-          <a:r>
-            <a:rPr lang="en-US"/>
-            <a:t>JS Operations</a:t>
-          </a:r>
-        </a:p>
-      </dgm:t>
-    </dgm:pt>
-    <dgm:pt modelId="{C61DF92E-9388-4082-A61E-D792D5C8D331}" type="parTrans" cxnId="{552EE1B6-DE89-48D8-816B-5C722338B529}">
-      <dgm:prSet/>
-      <dgm:spPr/>
-      <dgm:t>
-        <a:bodyPr/>
-        <a:lstStyle/>
-        <a:p>
-          <a:endParaRPr lang="en-US"/>
-        </a:p>
-      </dgm:t>
-    </dgm:pt>
-    <dgm:pt modelId="{5F54089C-688E-4194-8908-C9D8ECC88624}" type="sibTrans" cxnId="{552EE1B6-DE89-48D8-816B-5C722338B529}">
-      <dgm:prSet/>
-      <dgm:spPr/>
-      <dgm:t>
-        <a:bodyPr/>
-        <a:lstStyle/>
-        <a:p>
-          <a:endParaRPr lang="en-US"/>
-        </a:p>
-      </dgm:t>
-    </dgm:pt>
-    <dgm:pt modelId="{AC0FDECB-51F8-4717-B5F7-D44BD145B4BF}">
-      <dgm:prSet/>
-      <dgm:spPr/>
-      <dgm:t>
-        <a:bodyPr/>
-        <a:lstStyle/>
-        <a:p>
-          <a:r>
-            <a:rPr lang="en-US"/>
-            <a:t>JS IF/ELSE</a:t>
-          </a:r>
-        </a:p>
-      </dgm:t>
-    </dgm:pt>
-    <dgm:pt modelId="{7508240C-8054-4592-87CA-CE68CA222B79}" type="parTrans" cxnId="{78E66C02-1F54-42F6-B08C-BBA887EAB827}">
-      <dgm:prSet/>
-      <dgm:spPr/>
-      <dgm:t>
-        <a:bodyPr/>
-        <a:lstStyle/>
-        <a:p>
-          <a:endParaRPr lang="en-US"/>
-        </a:p>
-      </dgm:t>
-    </dgm:pt>
-    <dgm:pt modelId="{680C92C2-CE28-4A7F-8EF2-F645B8D70131}" type="sibTrans" cxnId="{78E66C02-1F54-42F6-B08C-BBA887EAB827}">
-      <dgm:prSet/>
-      <dgm:spPr/>
-      <dgm:t>
-        <a:bodyPr/>
-        <a:lstStyle/>
-        <a:p>
-          <a:endParaRPr lang="en-US"/>
-        </a:p>
-      </dgm:t>
-    </dgm:pt>
-    <dgm:pt modelId="{98D386D6-A00E-4C0C-A492-B72CB0E5251B}">
-      <dgm:prSet/>
-      <dgm:spPr/>
-      <dgm:t>
-        <a:bodyPr/>
-        <a:lstStyle/>
-        <a:p>
-          <a:r>
-            <a:rPr lang="en-US"/>
-            <a:t>JS Switch Case</a:t>
-          </a:r>
-        </a:p>
-      </dgm:t>
-    </dgm:pt>
-    <dgm:pt modelId="{EB7495F9-F1EB-44D0-9706-655E7C682670}" type="parTrans" cxnId="{0A556EAE-50BB-434E-9977-ECD8BD45E427}">
-      <dgm:prSet/>
-      <dgm:spPr/>
-      <dgm:t>
-        <a:bodyPr/>
-        <a:lstStyle/>
-        <a:p>
-          <a:endParaRPr lang="en-US"/>
-        </a:p>
-      </dgm:t>
-    </dgm:pt>
-    <dgm:pt modelId="{CE13CEA8-64AD-4E9C-AA58-055CB599D607}" type="sibTrans" cxnId="{0A556EAE-50BB-434E-9977-ECD8BD45E427}">
-      <dgm:prSet/>
-      <dgm:spPr/>
-      <dgm:t>
-        <a:bodyPr/>
-        <a:lstStyle/>
-        <a:p>
-          <a:endParaRPr lang="en-US"/>
-        </a:p>
-      </dgm:t>
-    </dgm:pt>
-    <dgm:pt modelId="{AB44A871-A0C2-457B-869F-C04006F7360D}" type="pres">
-      <dgm:prSet presAssocID="{AFCE68DF-769B-425E-BFA7-30C093AFCFFA}" presName="vert0" presStyleCnt="0">
-        <dgm:presLayoutVars>
-          <dgm:dir/>
-          <dgm:animOne val="branch"/>
-          <dgm:animLvl val="lvl"/>
-        </dgm:presLayoutVars>
-      </dgm:prSet>
-      <dgm:spPr/>
-    </dgm:pt>
-    <dgm:pt modelId="{2FCD202B-6C8A-451E-8790-85ED1712FE8A}" type="pres">
-      <dgm:prSet presAssocID="{655B3235-FF46-4A2B-BFD5-462C211786F3}" presName="thickLine" presStyleLbl="alignNode1" presStyleIdx="0" presStyleCnt="8"/>
-      <dgm:spPr/>
-    </dgm:pt>
-    <dgm:pt modelId="{191A6B38-EFDF-41A6-927E-60CDE91B0F47}" type="pres">
-      <dgm:prSet presAssocID="{655B3235-FF46-4A2B-BFD5-462C211786F3}" presName="horz1" presStyleCnt="0"/>
-      <dgm:spPr/>
-    </dgm:pt>
-    <dgm:pt modelId="{42750ABD-9DFF-4BDD-90B6-44F26717FE36}" type="pres">
-      <dgm:prSet presAssocID="{655B3235-FF46-4A2B-BFD5-462C211786F3}" presName="tx1" presStyleLbl="revTx" presStyleIdx="0" presStyleCnt="8"/>
-      <dgm:spPr/>
-    </dgm:pt>
-    <dgm:pt modelId="{AF7138C5-F0BE-4E43-9CFD-41260EC726F0}" type="pres">
-      <dgm:prSet presAssocID="{655B3235-FF46-4A2B-BFD5-462C211786F3}" presName="vert1" presStyleCnt="0"/>
-      <dgm:spPr/>
-    </dgm:pt>
-    <dgm:pt modelId="{6529DFD1-FA64-490E-8647-FCDE291DA8A2}" type="pres">
-      <dgm:prSet presAssocID="{D236CA0D-C52F-4E49-9AA4-80DFE0C3D95D}" presName="thickLine" presStyleLbl="alignNode1" presStyleIdx="1" presStyleCnt="8"/>
-      <dgm:spPr/>
-    </dgm:pt>
-    <dgm:pt modelId="{2710B26B-410A-474C-B527-2253E28AA680}" type="pres">
-      <dgm:prSet presAssocID="{D236CA0D-C52F-4E49-9AA4-80DFE0C3D95D}" presName="horz1" presStyleCnt="0"/>
-      <dgm:spPr/>
-    </dgm:pt>
-    <dgm:pt modelId="{243D816F-EFFC-42DE-B8B5-78D8CD87355A}" type="pres">
-      <dgm:prSet presAssocID="{D236CA0D-C52F-4E49-9AA4-80DFE0C3D95D}" presName="tx1" presStyleLbl="revTx" presStyleIdx="1" presStyleCnt="8"/>
-      <dgm:spPr/>
-    </dgm:pt>
-    <dgm:pt modelId="{91CA545D-9168-4B2E-A291-D7C61088B12D}" type="pres">
-      <dgm:prSet presAssocID="{D236CA0D-C52F-4E49-9AA4-80DFE0C3D95D}" presName="vert1" presStyleCnt="0"/>
-      <dgm:spPr/>
-    </dgm:pt>
-    <dgm:pt modelId="{17019903-0E9E-4D26-9EFF-9CF2AB6A01F8}" type="pres">
-      <dgm:prSet presAssocID="{38424056-8136-439C-8818-34B4EF9AC5B7}" presName="thickLine" presStyleLbl="alignNode1" presStyleIdx="2" presStyleCnt="8"/>
-      <dgm:spPr/>
-    </dgm:pt>
-    <dgm:pt modelId="{1AAAA541-1C26-4441-AE53-D0B2037F4D79}" type="pres">
-      <dgm:prSet presAssocID="{38424056-8136-439C-8818-34B4EF9AC5B7}" presName="horz1" presStyleCnt="0"/>
-      <dgm:spPr/>
-    </dgm:pt>
-    <dgm:pt modelId="{0BDAE84D-F291-421A-9EFD-241D021FAE1D}" type="pres">
-      <dgm:prSet presAssocID="{38424056-8136-439C-8818-34B4EF9AC5B7}" presName="tx1" presStyleLbl="revTx" presStyleIdx="2" presStyleCnt="8"/>
-      <dgm:spPr/>
-    </dgm:pt>
-    <dgm:pt modelId="{8F4AF5A7-19CE-4014-995F-132C4547A66F}" type="pres">
-      <dgm:prSet presAssocID="{38424056-8136-439C-8818-34B4EF9AC5B7}" presName="vert1" presStyleCnt="0"/>
-      <dgm:spPr/>
-    </dgm:pt>
-    <dgm:pt modelId="{CDC1A9DF-B3B7-4075-88D7-75D57E894130}" type="pres">
-      <dgm:prSet presAssocID="{B6E31CA7-9660-4567-8F2B-5AF9D84738D4}" presName="thickLine" presStyleLbl="alignNode1" presStyleIdx="3" presStyleCnt="8"/>
-      <dgm:spPr/>
-    </dgm:pt>
-    <dgm:pt modelId="{96B5CF02-644A-41E2-91FF-7CCBD526DCE6}" type="pres">
-      <dgm:prSet presAssocID="{B6E31CA7-9660-4567-8F2B-5AF9D84738D4}" presName="horz1" presStyleCnt="0"/>
-      <dgm:spPr/>
-    </dgm:pt>
-    <dgm:pt modelId="{0A4FC9DD-8494-4C69-8A69-CBD4B1A92AF6}" type="pres">
-      <dgm:prSet presAssocID="{B6E31CA7-9660-4567-8F2B-5AF9D84738D4}" presName="tx1" presStyleLbl="revTx" presStyleIdx="3" presStyleCnt="8"/>
-      <dgm:spPr/>
-    </dgm:pt>
-    <dgm:pt modelId="{375D9792-2D3F-4296-B6F7-F1F68D61F10F}" type="pres">
-      <dgm:prSet presAssocID="{B6E31CA7-9660-4567-8F2B-5AF9D84738D4}" presName="vert1" presStyleCnt="0"/>
-      <dgm:spPr/>
-    </dgm:pt>
-    <dgm:pt modelId="{D4A83DD0-5939-4808-8D4E-A8B2B2CD6F33}" type="pres">
-      <dgm:prSet presAssocID="{22F7EA48-512C-4C05-BDA5-94C87D1CCF50}" presName="thickLine" presStyleLbl="alignNode1" presStyleIdx="4" presStyleCnt="8"/>
-      <dgm:spPr/>
-    </dgm:pt>
-    <dgm:pt modelId="{9824443E-6153-4D9B-9F83-C7DF03E7F3AA}" type="pres">
-      <dgm:prSet presAssocID="{22F7EA48-512C-4C05-BDA5-94C87D1CCF50}" presName="horz1" presStyleCnt="0"/>
-      <dgm:spPr/>
-    </dgm:pt>
-    <dgm:pt modelId="{0D73948C-39E2-407F-9EDF-DBD648CCAB86}" type="pres">
-      <dgm:prSet presAssocID="{22F7EA48-512C-4C05-BDA5-94C87D1CCF50}" presName="tx1" presStyleLbl="revTx" presStyleIdx="4" presStyleCnt="8"/>
-      <dgm:spPr/>
-    </dgm:pt>
-    <dgm:pt modelId="{E027F002-34A5-4BF0-AC02-CD05F1766254}" type="pres">
-      <dgm:prSet presAssocID="{22F7EA48-512C-4C05-BDA5-94C87D1CCF50}" presName="vert1" presStyleCnt="0"/>
-      <dgm:spPr/>
-    </dgm:pt>
-    <dgm:pt modelId="{71B80B8E-149A-4F12-BC30-3D199CB2167A}" type="pres">
-      <dgm:prSet presAssocID="{6E1A5657-C493-4454-BF15-8B190446BE4A}" presName="thickLine" presStyleLbl="alignNode1" presStyleIdx="5" presStyleCnt="8"/>
-      <dgm:spPr/>
-    </dgm:pt>
-    <dgm:pt modelId="{9643ECFA-F3E1-40CD-A6E2-AF17DD73BDB6}" type="pres">
-      <dgm:prSet presAssocID="{6E1A5657-C493-4454-BF15-8B190446BE4A}" presName="horz1" presStyleCnt="0"/>
-      <dgm:spPr/>
-    </dgm:pt>
-    <dgm:pt modelId="{27F137FD-DA32-4D49-A20F-33B3BBA9CB67}" type="pres">
-      <dgm:prSet presAssocID="{6E1A5657-C493-4454-BF15-8B190446BE4A}" presName="tx1" presStyleLbl="revTx" presStyleIdx="5" presStyleCnt="8"/>
-      <dgm:spPr/>
-    </dgm:pt>
-    <dgm:pt modelId="{FEDFEC9F-3C5A-4886-9F4E-FD1644EFA380}" type="pres">
-      <dgm:prSet presAssocID="{6E1A5657-C493-4454-BF15-8B190446BE4A}" presName="vert1" presStyleCnt="0"/>
-      <dgm:spPr/>
-    </dgm:pt>
-    <dgm:pt modelId="{1063476A-2B01-4786-B138-5011F05D2C32}" type="pres">
-      <dgm:prSet presAssocID="{AC0FDECB-51F8-4717-B5F7-D44BD145B4BF}" presName="thickLine" presStyleLbl="alignNode1" presStyleIdx="6" presStyleCnt="8"/>
-      <dgm:spPr/>
-    </dgm:pt>
-    <dgm:pt modelId="{CD9E7BAA-1106-475F-A315-CA244AC11151}" type="pres">
-      <dgm:prSet presAssocID="{AC0FDECB-51F8-4717-B5F7-D44BD145B4BF}" presName="horz1" presStyleCnt="0"/>
-      <dgm:spPr/>
-    </dgm:pt>
-    <dgm:pt modelId="{085B45A7-228A-4933-BC8C-D5CF1A496C2F}" type="pres">
-      <dgm:prSet presAssocID="{AC0FDECB-51F8-4717-B5F7-D44BD145B4BF}" presName="tx1" presStyleLbl="revTx" presStyleIdx="6" presStyleCnt="8"/>
-      <dgm:spPr/>
-    </dgm:pt>
-    <dgm:pt modelId="{1DE009B0-FA9F-4C3A-A92C-D34015E9F555}" type="pres">
-      <dgm:prSet presAssocID="{AC0FDECB-51F8-4717-B5F7-D44BD145B4BF}" presName="vert1" presStyleCnt="0"/>
-      <dgm:spPr/>
-    </dgm:pt>
-    <dgm:pt modelId="{8E308720-89B8-4EED-85C0-68C10B0ADFE9}" type="pres">
-      <dgm:prSet presAssocID="{98D386D6-A00E-4C0C-A492-B72CB0E5251B}" presName="thickLine" presStyleLbl="alignNode1" presStyleIdx="7" presStyleCnt="8"/>
-      <dgm:spPr/>
-    </dgm:pt>
-    <dgm:pt modelId="{83A16939-EB1C-4EC7-B139-4FDD5A885B29}" type="pres">
-      <dgm:prSet presAssocID="{98D386D6-A00E-4C0C-A492-B72CB0E5251B}" presName="horz1" presStyleCnt="0"/>
-      <dgm:spPr/>
-    </dgm:pt>
-    <dgm:pt modelId="{A7755305-F38A-4592-A210-0E6B127CB85B}" type="pres">
-      <dgm:prSet presAssocID="{98D386D6-A00E-4C0C-A492-B72CB0E5251B}" presName="tx1" presStyleLbl="revTx" presStyleIdx="7" presStyleCnt="8"/>
-      <dgm:spPr/>
-    </dgm:pt>
-    <dgm:pt modelId="{11E06EBA-AD40-46D6-9107-83602E242786}" type="pres">
-      <dgm:prSet presAssocID="{98D386D6-A00E-4C0C-A492-B72CB0E5251B}" presName="vert1" presStyleCnt="0"/>
-      <dgm:spPr/>
-    </dgm:pt>
-  </dgm:ptLst>
-  <dgm:cxnLst>
-    <dgm:cxn modelId="{83FDD201-BD11-471E-9C68-677B8EA684DD}" type="presOf" srcId="{B6E31CA7-9660-4567-8F2B-5AF9D84738D4}" destId="{0A4FC9DD-8494-4C69-8A69-CBD4B1A92AF6}" srcOrd="0" destOrd="0" presId="urn:microsoft.com/office/officeart/2008/layout/LinedList"/>
-    <dgm:cxn modelId="{78E66C02-1F54-42F6-B08C-BBA887EAB827}" srcId="{AFCE68DF-769B-425E-BFA7-30C093AFCFFA}" destId="{AC0FDECB-51F8-4717-B5F7-D44BD145B4BF}" srcOrd="6" destOrd="0" parTransId="{7508240C-8054-4592-87CA-CE68CA222B79}" sibTransId="{680C92C2-CE28-4A7F-8EF2-F645B8D70131}"/>
-    <dgm:cxn modelId="{1FAE230D-FF9B-42B1-9580-9A14FFF1C5B0}" srcId="{AFCE68DF-769B-425E-BFA7-30C093AFCFFA}" destId="{22F7EA48-512C-4C05-BDA5-94C87D1CCF50}" srcOrd="4" destOrd="0" parTransId="{D5B9AFBE-1070-4BF3-B6F4-BBF96AB6E81C}" sibTransId="{2E3372B6-DF4B-4768-B0AB-C8E261B4BA23}"/>
-    <dgm:cxn modelId="{C8552A2F-6B29-4275-9474-A228A40A28E9}" type="presOf" srcId="{22F7EA48-512C-4C05-BDA5-94C87D1CCF50}" destId="{0D73948C-39E2-407F-9EDF-DBD648CCAB86}" srcOrd="0" destOrd="0" presId="urn:microsoft.com/office/officeart/2008/layout/LinedList"/>
-    <dgm:cxn modelId="{4212C631-6830-42FD-A75B-625CF9BFB01D}" type="presOf" srcId="{38424056-8136-439C-8818-34B4EF9AC5B7}" destId="{0BDAE84D-F291-421A-9EFD-241D021FAE1D}" srcOrd="0" destOrd="0" presId="urn:microsoft.com/office/officeart/2008/layout/LinedList"/>
-    <dgm:cxn modelId="{C1DB0938-3CED-46DF-9670-DED581D6E896}" type="presOf" srcId="{D236CA0D-C52F-4E49-9AA4-80DFE0C3D95D}" destId="{243D816F-EFFC-42DE-B8B5-78D8CD87355A}" srcOrd="0" destOrd="0" presId="urn:microsoft.com/office/officeart/2008/layout/LinedList"/>
-    <dgm:cxn modelId="{B5A7C04B-CF34-4396-9919-4E72AD186908}" type="presOf" srcId="{98D386D6-A00E-4C0C-A492-B72CB0E5251B}" destId="{A7755305-F38A-4592-A210-0E6B127CB85B}" srcOrd="0" destOrd="0" presId="urn:microsoft.com/office/officeart/2008/layout/LinedList"/>
-    <dgm:cxn modelId="{D023C650-8C95-4EA8-B908-24C1FCB2D4DE}" srcId="{AFCE68DF-769B-425E-BFA7-30C093AFCFFA}" destId="{655B3235-FF46-4A2B-BFD5-462C211786F3}" srcOrd="0" destOrd="0" parTransId="{D28BB177-8786-4437-B7E5-2C386A603DC9}" sibTransId="{09D2A010-9D58-465B-BB1D-00B4F85BC755}"/>
-    <dgm:cxn modelId="{2EB10E8C-1231-4687-B407-90B9F2E93F25}" type="presOf" srcId="{AFCE68DF-769B-425E-BFA7-30C093AFCFFA}" destId="{AB44A871-A0C2-457B-869F-C04006F7360D}" srcOrd="0" destOrd="0" presId="urn:microsoft.com/office/officeart/2008/layout/LinedList"/>
-    <dgm:cxn modelId="{EAF27392-8D11-4214-874D-C16CBA72BD2C}" srcId="{AFCE68DF-769B-425E-BFA7-30C093AFCFFA}" destId="{D236CA0D-C52F-4E49-9AA4-80DFE0C3D95D}" srcOrd="1" destOrd="0" parTransId="{DDAAD926-1143-491A-8523-EAACEDB7038B}" sibTransId="{D4CC94E4-F216-4F18-A6F2-DCA56A741E91}"/>
-    <dgm:cxn modelId="{A35FDB9C-660C-490C-909E-3812FC832840}" type="presOf" srcId="{6E1A5657-C493-4454-BF15-8B190446BE4A}" destId="{27F137FD-DA32-4D49-A20F-33B3BBA9CB67}" srcOrd="0" destOrd="0" presId="urn:microsoft.com/office/officeart/2008/layout/LinedList"/>
-    <dgm:cxn modelId="{CA9571A9-8455-400F-80ED-8AF39AE02792}" type="presOf" srcId="{AC0FDECB-51F8-4717-B5F7-D44BD145B4BF}" destId="{085B45A7-228A-4933-BC8C-D5CF1A496C2F}" srcOrd="0" destOrd="0" presId="urn:microsoft.com/office/officeart/2008/layout/LinedList"/>
-    <dgm:cxn modelId="{902EDDAA-606C-4ADD-919D-B240F1230B40}" srcId="{AFCE68DF-769B-425E-BFA7-30C093AFCFFA}" destId="{38424056-8136-439C-8818-34B4EF9AC5B7}" srcOrd="2" destOrd="0" parTransId="{78506F8E-16DF-4ABA-9B75-5C57D5C0DDF2}" sibTransId="{F58B2948-2B88-45F6-A7E4-AC50D2E6EA6A}"/>
-    <dgm:cxn modelId="{0A556EAE-50BB-434E-9977-ECD8BD45E427}" srcId="{AFCE68DF-769B-425E-BFA7-30C093AFCFFA}" destId="{98D386D6-A00E-4C0C-A492-B72CB0E5251B}" srcOrd="7" destOrd="0" parTransId="{EB7495F9-F1EB-44D0-9706-655E7C682670}" sibTransId="{CE13CEA8-64AD-4E9C-AA58-055CB599D607}"/>
-    <dgm:cxn modelId="{552EE1B6-DE89-48D8-816B-5C722338B529}" srcId="{AFCE68DF-769B-425E-BFA7-30C093AFCFFA}" destId="{6E1A5657-C493-4454-BF15-8B190446BE4A}" srcOrd="5" destOrd="0" parTransId="{C61DF92E-9388-4082-A61E-D792D5C8D331}" sibTransId="{5F54089C-688E-4194-8908-C9D8ECC88624}"/>
-    <dgm:cxn modelId="{86F873C0-8615-441E-B244-E6C6F46C4C33}" type="presOf" srcId="{655B3235-FF46-4A2B-BFD5-462C211786F3}" destId="{42750ABD-9DFF-4BDD-90B6-44F26717FE36}" srcOrd="0" destOrd="0" presId="urn:microsoft.com/office/officeart/2008/layout/LinedList"/>
-    <dgm:cxn modelId="{ADFB35D7-BFB0-4862-A682-4D3150B3D6A5}" srcId="{AFCE68DF-769B-425E-BFA7-30C093AFCFFA}" destId="{B6E31CA7-9660-4567-8F2B-5AF9D84738D4}" srcOrd="3" destOrd="0" parTransId="{C87D2FFF-5015-40EF-B4EA-47CC07F6614B}" sibTransId="{0D45DE76-8F47-4A98-A974-A479D1BF8998}"/>
-    <dgm:cxn modelId="{8DCEA78A-B47F-455C-B44F-06CB0005EDD7}" type="presParOf" srcId="{AB44A871-A0C2-457B-869F-C04006F7360D}" destId="{2FCD202B-6C8A-451E-8790-85ED1712FE8A}" srcOrd="0" destOrd="0" presId="urn:microsoft.com/office/officeart/2008/layout/LinedList"/>
-    <dgm:cxn modelId="{4661A9E2-3411-4605-BB7D-E528C513F27C}" type="presParOf" srcId="{AB44A871-A0C2-457B-869F-C04006F7360D}" destId="{191A6B38-EFDF-41A6-927E-60CDE91B0F47}" srcOrd="1" destOrd="0" presId="urn:microsoft.com/office/officeart/2008/layout/LinedList"/>
-    <dgm:cxn modelId="{76ADB7CB-FF1A-4219-B589-800D41ECDCD3}" type="presParOf" srcId="{191A6B38-EFDF-41A6-927E-60CDE91B0F47}" destId="{42750ABD-9DFF-4BDD-90B6-44F26717FE36}" srcOrd="0" destOrd="0" presId="urn:microsoft.com/office/officeart/2008/layout/LinedList"/>
-    <dgm:cxn modelId="{A51DE4FD-9531-4A31-8D69-096E214FE1F2}" type="presParOf" srcId="{191A6B38-EFDF-41A6-927E-60CDE91B0F47}" destId="{AF7138C5-F0BE-4E43-9CFD-41260EC726F0}" srcOrd="1" destOrd="0" presId="urn:microsoft.com/office/officeart/2008/layout/LinedList"/>
-    <dgm:cxn modelId="{3EA85E3A-17E8-4575-B183-939371A32390}" type="presParOf" srcId="{AB44A871-A0C2-457B-869F-C04006F7360D}" destId="{6529DFD1-FA64-490E-8647-FCDE291DA8A2}" srcOrd="2" destOrd="0" presId="urn:microsoft.com/office/officeart/2008/layout/LinedList"/>
-    <dgm:cxn modelId="{B67181BB-F7D4-4EB8-8F1C-2E6F491A79A1}" type="presParOf" srcId="{AB44A871-A0C2-457B-869F-C04006F7360D}" destId="{2710B26B-410A-474C-B527-2253E28AA680}" srcOrd="3" destOrd="0" presId="urn:microsoft.com/office/officeart/2008/layout/LinedList"/>
-    <dgm:cxn modelId="{D6EAD57B-9C05-409B-AD34-D940EA7D5DB3}" type="presParOf" srcId="{2710B26B-410A-474C-B527-2253E28AA680}" destId="{243D816F-EFFC-42DE-B8B5-78D8CD87355A}" srcOrd="0" destOrd="0" presId="urn:microsoft.com/office/officeart/2008/layout/LinedList"/>
-    <dgm:cxn modelId="{98404CB6-6484-4D21-B926-143DD162F41A}" type="presParOf" srcId="{2710B26B-410A-474C-B527-2253E28AA680}" destId="{91CA545D-9168-4B2E-A291-D7C61088B12D}" srcOrd="1" destOrd="0" presId="urn:microsoft.com/office/officeart/2008/layout/LinedList"/>
-    <dgm:cxn modelId="{9BC5B83B-4D0D-4A80-9CB4-9B5E01D2F3EB}" type="presParOf" srcId="{AB44A871-A0C2-457B-869F-C04006F7360D}" destId="{17019903-0E9E-4D26-9EFF-9CF2AB6A01F8}" srcOrd="4" destOrd="0" presId="urn:microsoft.com/office/officeart/2008/layout/LinedList"/>
-    <dgm:cxn modelId="{88E2C919-9DD3-46DA-A192-4F9A104D5DB6}" type="presParOf" srcId="{AB44A871-A0C2-457B-869F-C04006F7360D}" destId="{1AAAA541-1C26-4441-AE53-D0B2037F4D79}" srcOrd="5" destOrd="0" presId="urn:microsoft.com/office/officeart/2008/layout/LinedList"/>
-    <dgm:cxn modelId="{A0BCCDC4-A68C-4089-9C26-816A430EB282}" type="presParOf" srcId="{1AAAA541-1C26-4441-AE53-D0B2037F4D79}" destId="{0BDAE84D-F291-421A-9EFD-241D021FAE1D}" srcOrd="0" destOrd="0" presId="urn:microsoft.com/office/officeart/2008/layout/LinedList"/>
-    <dgm:cxn modelId="{33DE1CEA-9B20-4C46-BD06-285987E2AD7A}" type="presParOf" srcId="{1AAAA541-1C26-4441-AE53-D0B2037F4D79}" destId="{8F4AF5A7-19CE-4014-995F-132C4547A66F}" srcOrd="1" destOrd="0" presId="urn:microsoft.com/office/officeart/2008/layout/LinedList"/>
-    <dgm:cxn modelId="{AE1644E1-F392-4A65-BB03-D4878FAF44DA}" type="presParOf" srcId="{AB44A871-A0C2-457B-869F-C04006F7360D}" destId="{CDC1A9DF-B3B7-4075-88D7-75D57E894130}" srcOrd="6" destOrd="0" presId="urn:microsoft.com/office/officeart/2008/layout/LinedList"/>
-    <dgm:cxn modelId="{879E4CAD-12FC-4FAC-98DA-1D8FB2935464}" type="presParOf" srcId="{AB44A871-A0C2-457B-869F-C04006F7360D}" destId="{96B5CF02-644A-41E2-91FF-7CCBD526DCE6}" srcOrd="7" destOrd="0" presId="urn:microsoft.com/office/officeart/2008/layout/LinedList"/>
-    <dgm:cxn modelId="{9CE77E4D-1E81-43B2-A279-4E1F98E36376}" type="presParOf" srcId="{96B5CF02-644A-41E2-91FF-7CCBD526DCE6}" destId="{0A4FC9DD-8494-4C69-8A69-CBD4B1A92AF6}" srcOrd="0" destOrd="0" presId="urn:microsoft.com/office/officeart/2008/layout/LinedList"/>
-    <dgm:cxn modelId="{6A891AF3-6114-4726-B413-074F0342531A}" type="presParOf" srcId="{96B5CF02-644A-41E2-91FF-7CCBD526DCE6}" destId="{375D9792-2D3F-4296-B6F7-F1F68D61F10F}" srcOrd="1" destOrd="0" presId="urn:microsoft.com/office/officeart/2008/layout/LinedList"/>
-    <dgm:cxn modelId="{2A89E56A-5BFF-4D19-B2C0-61FBC83DC81A}" type="presParOf" srcId="{AB44A871-A0C2-457B-869F-C04006F7360D}" destId="{D4A83DD0-5939-4808-8D4E-A8B2B2CD6F33}" srcOrd="8" destOrd="0" presId="urn:microsoft.com/office/officeart/2008/layout/LinedList"/>
-    <dgm:cxn modelId="{F7135EE9-BFC2-42C6-9292-118F9FAE257F}" type="presParOf" srcId="{AB44A871-A0C2-457B-869F-C04006F7360D}" destId="{9824443E-6153-4D9B-9F83-C7DF03E7F3AA}" srcOrd="9" destOrd="0" presId="urn:microsoft.com/office/officeart/2008/layout/LinedList"/>
-    <dgm:cxn modelId="{AED3A959-AAB9-4AEA-9CDF-330172449C10}" type="presParOf" srcId="{9824443E-6153-4D9B-9F83-C7DF03E7F3AA}" destId="{0D73948C-39E2-407F-9EDF-DBD648CCAB86}" srcOrd="0" destOrd="0" presId="urn:microsoft.com/office/officeart/2008/layout/LinedList"/>
-    <dgm:cxn modelId="{46AE6DEE-2257-4C99-B44F-57CCFB18E8D4}" type="presParOf" srcId="{9824443E-6153-4D9B-9F83-C7DF03E7F3AA}" destId="{E027F002-34A5-4BF0-AC02-CD05F1766254}" srcOrd="1" destOrd="0" presId="urn:microsoft.com/office/officeart/2008/layout/LinedList"/>
-    <dgm:cxn modelId="{2355D790-60D6-44AC-9018-6AE61A6043D2}" type="presParOf" srcId="{AB44A871-A0C2-457B-869F-C04006F7360D}" destId="{71B80B8E-149A-4F12-BC30-3D199CB2167A}" srcOrd="10" destOrd="0" presId="urn:microsoft.com/office/officeart/2008/layout/LinedList"/>
-    <dgm:cxn modelId="{5AE3A0B3-8B7D-423E-92B2-CDC2E3352EEB}" type="presParOf" srcId="{AB44A871-A0C2-457B-869F-C04006F7360D}" destId="{9643ECFA-F3E1-40CD-A6E2-AF17DD73BDB6}" srcOrd="11" destOrd="0" presId="urn:microsoft.com/office/officeart/2008/layout/LinedList"/>
-    <dgm:cxn modelId="{F1E5F20D-3620-47B9-9770-B1AF10FEB6ED}" type="presParOf" srcId="{9643ECFA-F3E1-40CD-A6E2-AF17DD73BDB6}" destId="{27F137FD-DA32-4D49-A20F-33B3BBA9CB67}" srcOrd="0" destOrd="0" presId="urn:microsoft.com/office/officeart/2008/layout/LinedList"/>
-    <dgm:cxn modelId="{775A1E3D-BD7F-4172-AFC0-65D4DA047E98}" type="presParOf" srcId="{9643ECFA-F3E1-40CD-A6E2-AF17DD73BDB6}" destId="{FEDFEC9F-3C5A-4886-9F4E-FD1644EFA380}" srcOrd="1" destOrd="0" presId="urn:microsoft.com/office/officeart/2008/layout/LinedList"/>
-    <dgm:cxn modelId="{784FACDA-D456-4BAE-BC7D-96D80429C5F6}" type="presParOf" srcId="{AB44A871-A0C2-457B-869F-C04006F7360D}" destId="{1063476A-2B01-4786-B138-5011F05D2C32}" srcOrd="12" destOrd="0" presId="urn:microsoft.com/office/officeart/2008/layout/LinedList"/>
-    <dgm:cxn modelId="{7FA71445-54B3-4E98-ABE8-29528EBE471C}" type="presParOf" srcId="{AB44A871-A0C2-457B-869F-C04006F7360D}" destId="{CD9E7BAA-1106-475F-A315-CA244AC11151}" srcOrd="13" destOrd="0" presId="urn:microsoft.com/office/officeart/2008/layout/LinedList"/>
-    <dgm:cxn modelId="{D2B114F7-47E2-4952-A5EA-821C7D950136}" type="presParOf" srcId="{CD9E7BAA-1106-475F-A315-CA244AC11151}" destId="{085B45A7-228A-4933-BC8C-D5CF1A496C2F}" srcOrd="0" destOrd="0" presId="urn:microsoft.com/office/officeart/2008/layout/LinedList"/>
-    <dgm:cxn modelId="{42FCEC52-291C-4E9C-B130-1C3BAB740B10}" type="presParOf" srcId="{CD9E7BAA-1106-475F-A315-CA244AC11151}" destId="{1DE009B0-FA9F-4C3A-A92C-D34015E9F555}" srcOrd="1" destOrd="0" presId="urn:microsoft.com/office/officeart/2008/layout/LinedList"/>
-    <dgm:cxn modelId="{24E4EC63-93B4-4874-8D77-F5C09341B94B}" type="presParOf" srcId="{AB44A871-A0C2-457B-869F-C04006F7360D}" destId="{8E308720-89B8-4EED-85C0-68C10B0ADFE9}" srcOrd="14" destOrd="0" presId="urn:microsoft.com/office/officeart/2008/layout/LinedList"/>
-    <dgm:cxn modelId="{A3D23C03-8D59-41A8-8A10-44F3476EF3E9}" type="presParOf" srcId="{AB44A871-A0C2-457B-869F-C04006F7360D}" destId="{83A16939-EB1C-4EC7-B139-4FDD5A885B29}" srcOrd="15" destOrd="0" presId="urn:microsoft.com/office/officeart/2008/layout/LinedList"/>
-    <dgm:cxn modelId="{8483AF19-69F4-4D60-AB70-35E756125D66}" type="presParOf" srcId="{83A16939-EB1C-4EC7-B139-4FDD5A885B29}" destId="{A7755305-F38A-4592-A210-0E6B127CB85B}" srcOrd="0" destOrd="0" presId="urn:microsoft.com/office/officeart/2008/layout/LinedList"/>
-    <dgm:cxn modelId="{51F82CD1-AA04-4E45-A7CD-F9D4A8CE1D96}" type="presParOf" srcId="{83A16939-EB1C-4EC7-B139-4FDD5A885B29}" destId="{11E06EBA-AD40-46D6-9107-83602E242786}" srcOrd="1" destOrd="0" presId="urn:microsoft.com/office/officeart/2008/layout/LinedList"/>
-  </dgm:cxnLst>
-  <dgm:bg/>
-  <dgm:whole/>
-  <dgm:extLst>
-    <a:ext uri="http://schemas.microsoft.com/office/drawing/2008/diagram">
-      <dsp:dataModelExt xmlns:dsp="http://schemas.microsoft.com/office/drawing/2008/diagram" relId="rId6" minVer="http://schemas.openxmlformats.org/drawingml/2006/diagram"/>
-    </a:ext>
-  </dgm:extLst>
-</dgm:dataModel>
-</file>
-
-<file path=ppt/diagrams/drawing1.xml><?xml version="1.0" encoding="utf-8"?>
-<dsp:drawing xmlns:dgm="http://schemas.openxmlformats.org/drawingml/2006/diagram" xmlns:dsp="http://schemas.microsoft.com/office/drawing/2008/diagram" xmlns:a="http://schemas.openxmlformats.org/drawingml/2006/main">
-  <dsp:spTree>
-    <dsp:nvGrpSpPr>
-      <dsp:cNvPr id="0" name=""/>
-      <dsp:cNvGrpSpPr/>
-    </dsp:nvGrpSpPr>
-    <dsp:grpSpPr/>
-    <dsp:sp modelId="{2FCD202B-6C8A-451E-8790-85ED1712FE8A}">
-      <dsp:nvSpPr>
-        <dsp:cNvPr id="0" name=""/>
-        <dsp:cNvSpPr/>
-      </dsp:nvSpPr>
-      <dsp:spPr>
-        <a:xfrm>
-          <a:off x="0" y="0"/>
-          <a:ext cx="4377714" cy="0"/>
-        </a:xfrm>
-        <a:prstGeom prst="line">
-          <a:avLst/>
-        </a:prstGeom>
-        <a:solidFill>
-          <a:schemeClr val="accent1">
-            <a:hueOff val="0"/>
-            <a:satOff val="0"/>
-            <a:lumOff val="0"/>
-            <a:alphaOff val="0"/>
-          </a:schemeClr>
-        </a:solidFill>
-        <a:ln w="12700" cap="flat" cmpd="sng" algn="ctr">
-          <a:solidFill>
-            <a:schemeClr val="accent1">
-              <a:hueOff val="0"/>
-              <a:satOff val="0"/>
-              <a:lumOff val="0"/>
-              <a:alphaOff val="0"/>
-            </a:schemeClr>
-          </a:solidFill>
-          <a:prstDash val="solid"/>
-          <a:miter lim="800000"/>
-        </a:ln>
-        <a:effectLst/>
-      </dsp:spPr>
-      <dsp:style>
-        <a:lnRef idx="2">
-          <a:scrgbClr r="0" g="0" b="0"/>
-        </a:lnRef>
-        <a:fillRef idx="1">
-          <a:scrgbClr r="0" g="0" b="0"/>
-        </a:fillRef>
-        <a:effectRef idx="0">
-          <a:scrgbClr r="0" g="0" b="0"/>
-        </a:effectRef>
-        <a:fontRef idx="minor">
-          <a:schemeClr val="lt1"/>
-        </a:fontRef>
-      </dsp:style>
-    </dsp:sp>
-    <dsp:sp modelId="{42750ABD-9DFF-4BDD-90B6-44F26717FE36}">
-      <dsp:nvSpPr>
-        <dsp:cNvPr id="0" name=""/>
-        <dsp:cNvSpPr/>
-      </dsp:nvSpPr>
-      <dsp:spPr>
-        <a:xfrm>
-          <a:off x="0" y="0"/>
-          <a:ext cx="4377714" cy="661987"/>
-        </a:xfrm>
-        <a:prstGeom prst="rect">
-          <a:avLst/>
-        </a:prstGeom>
-        <a:noFill/>
-        <a:ln>
-          <a:noFill/>
-        </a:ln>
-        <a:effectLst/>
-      </dsp:spPr>
-      <dsp:style>
-        <a:lnRef idx="0">
-          <a:scrgbClr r="0" g="0" b="0"/>
-        </a:lnRef>
-        <a:fillRef idx="0">
-          <a:scrgbClr r="0" g="0" b="0"/>
-        </a:fillRef>
-        <a:effectRef idx="0">
-          <a:scrgbClr r="0" g="0" b="0"/>
-        </a:effectRef>
-        <a:fontRef idx="minor"/>
-      </dsp:style>
-      <dsp:txBody>
-        <a:bodyPr spcFirstLastPara="0" vert="horz" wrap="square" lIns="114300" tIns="114300" rIns="114300" bIns="114300" numCol="1" spcCol="1270" anchor="t" anchorCtr="0">
-          <a:noAutofit/>
-        </a:bodyPr>
-        <a:lstStyle/>
-        <a:p>
-          <a:pPr marL="0" lvl="0" indent="0" algn="l" defTabSz="1333500">
-            <a:lnSpc>
-              <a:spcPct val="90000"/>
-            </a:lnSpc>
-            <a:spcBef>
-              <a:spcPct val="0"/>
-            </a:spcBef>
-            <a:spcAft>
-              <a:spcPct val="35000"/>
-            </a:spcAft>
-            <a:buNone/>
-          </a:pPr>
-          <a:r>
-            <a:rPr lang="en-US" sz="3000" kern="1200"/>
-            <a:t>What is JavaScript</a:t>
-          </a:r>
-        </a:p>
-      </dsp:txBody>
-      <dsp:txXfrm>
-        <a:off x="0" y="0"/>
-        <a:ext cx="4377714" cy="661987"/>
-      </dsp:txXfrm>
-    </dsp:sp>
-    <dsp:sp modelId="{6529DFD1-FA64-490E-8647-FCDE291DA8A2}">
-      <dsp:nvSpPr>
-        <dsp:cNvPr id="0" name=""/>
-        <dsp:cNvSpPr/>
-      </dsp:nvSpPr>
-      <dsp:spPr>
-        <a:xfrm>
-          <a:off x="0" y="661987"/>
-          <a:ext cx="4377714" cy="0"/>
-        </a:xfrm>
-        <a:prstGeom prst="line">
-          <a:avLst/>
-        </a:prstGeom>
-        <a:solidFill>
-          <a:schemeClr val="accent1">
-            <a:hueOff val="0"/>
-            <a:satOff val="0"/>
-            <a:lumOff val="0"/>
-            <a:alphaOff val="0"/>
-          </a:schemeClr>
-        </a:solidFill>
-        <a:ln w="12700" cap="flat" cmpd="sng" algn="ctr">
-          <a:solidFill>
-            <a:schemeClr val="accent1">
-              <a:hueOff val="0"/>
-              <a:satOff val="0"/>
-              <a:lumOff val="0"/>
-              <a:alphaOff val="0"/>
-            </a:schemeClr>
-          </a:solidFill>
-          <a:prstDash val="solid"/>
-          <a:miter lim="800000"/>
-        </a:ln>
-        <a:effectLst/>
-      </dsp:spPr>
-      <dsp:style>
-        <a:lnRef idx="2">
-          <a:scrgbClr r="0" g="0" b="0"/>
-        </a:lnRef>
-        <a:fillRef idx="1">
-          <a:scrgbClr r="0" g="0" b="0"/>
-        </a:fillRef>
-        <a:effectRef idx="0">
-          <a:scrgbClr r="0" g="0" b="0"/>
-        </a:effectRef>
-        <a:fontRef idx="minor">
-          <a:schemeClr val="lt1"/>
-        </a:fontRef>
-      </dsp:style>
-    </dsp:sp>
-    <dsp:sp modelId="{243D816F-EFFC-42DE-B8B5-78D8CD87355A}">
-      <dsp:nvSpPr>
-        <dsp:cNvPr id="0" name=""/>
-        <dsp:cNvSpPr/>
-      </dsp:nvSpPr>
-      <dsp:spPr>
-        <a:xfrm>
-          <a:off x="0" y="661987"/>
-          <a:ext cx="4377714" cy="661987"/>
-        </a:xfrm>
-        <a:prstGeom prst="rect">
-          <a:avLst/>
-        </a:prstGeom>
-        <a:noFill/>
-        <a:ln>
-          <a:noFill/>
-        </a:ln>
-        <a:effectLst/>
-      </dsp:spPr>
-      <dsp:style>
-        <a:lnRef idx="0">
-          <a:scrgbClr r="0" g="0" b="0"/>
-        </a:lnRef>
-        <a:fillRef idx="0">
-          <a:scrgbClr r="0" g="0" b="0"/>
-        </a:fillRef>
-        <a:effectRef idx="0">
-          <a:scrgbClr r="0" g="0" b="0"/>
-        </a:effectRef>
-        <a:fontRef idx="minor"/>
-      </dsp:style>
-      <dsp:txBody>
-        <a:bodyPr spcFirstLastPara="0" vert="horz" wrap="square" lIns="114300" tIns="114300" rIns="114300" bIns="114300" numCol="1" spcCol="1270" anchor="t" anchorCtr="0">
-          <a:noAutofit/>
-        </a:bodyPr>
-        <a:lstStyle/>
-        <a:p>
-          <a:pPr marL="0" lvl="0" indent="0" algn="l" defTabSz="1333500">
-            <a:lnSpc>
-              <a:spcPct val="90000"/>
-            </a:lnSpc>
-            <a:spcBef>
-              <a:spcPct val="0"/>
-            </a:spcBef>
-            <a:spcAft>
-              <a:spcPct val="35000"/>
-            </a:spcAft>
-            <a:buNone/>
-          </a:pPr>
-          <a:r>
-            <a:rPr lang="en-US" sz="3000" kern="1200"/>
-            <a:t>Why to Learn JS</a:t>
-          </a:r>
-        </a:p>
-      </dsp:txBody>
-      <dsp:txXfrm>
-        <a:off x="0" y="661987"/>
-        <a:ext cx="4377714" cy="661987"/>
-      </dsp:txXfrm>
-    </dsp:sp>
-    <dsp:sp modelId="{17019903-0E9E-4D26-9EFF-9CF2AB6A01F8}">
-      <dsp:nvSpPr>
-        <dsp:cNvPr id="0" name=""/>
-        <dsp:cNvSpPr/>
-      </dsp:nvSpPr>
-      <dsp:spPr>
-        <a:xfrm>
-          <a:off x="0" y="1323975"/>
-          <a:ext cx="4377714" cy="0"/>
-        </a:xfrm>
-        <a:prstGeom prst="line">
-          <a:avLst/>
-        </a:prstGeom>
-        <a:solidFill>
-          <a:schemeClr val="accent1">
-            <a:hueOff val="0"/>
-            <a:satOff val="0"/>
-            <a:lumOff val="0"/>
-            <a:alphaOff val="0"/>
-          </a:schemeClr>
-        </a:solidFill>
-        <a:ln w="12700" cap="flat" cmpd="sng" algn="ctr">
-          <a:solidFill>
-            <a:schemeClr val="accent1">
-              <a:hueOff val="0"/>
-              <a:satOff val="0"/>
-              <a:lumOff val="0"/>
-              <a:alphaOff val="0"/>
-            </a:schemeClr>
-          </a:solidFill>
-          <a:prstDash val="solid"/>
-          <a:miter lim="800000"/>
-        </a:ln>
-        <a:effectLst/>
-      </dsp:spPr>
-      <dsp:style>
-        <a:lnRef idx="2">
-          <a:scrgbClr r="0" g="0" b="0"/>
-        </a:lnRef>
-        <a:fillRef idx="1">
-          <a:scrgbClr r="0" g="0" b="0"/>
-        </a:fillRef>
-        <a:effectRef idx="0">
-          <a:scrgbClr r="0" g="0" b="0"/>
-        </a:effectRef>
-        <a:fontRef idx="minor">
-          <a:schemeClr val="lt1"/>
-        </a:fontRef>
-      </dsp:style>
-    </dsp:sp>
-    <dsp:sp modelId="{0BDAE84D-F291-421A-9EFD-241D021FAE1D}">
-      <dsp:nvSpPr>
-        <dsp:cNvPr id="0" name=""/>
-        <dsp:cNvSpPr/>
-      </dsp:nvSpPr>
-      <dsp:spPr>
-        <a:xfrm>
-          <a:off x="0" y="1323974"/>
-          <a:ext cx="4377714" cy="661987"/>
-        </a:xfrm>
-        <a:prstGeom prst="rect">
-          <a:avLst/>
-        </a:prstGeom>
-        <a:noFill/>
-        <a:ln>
-          <a:noFill/>
-        </a:ln>
-        <a:effectLst/>
-      </dsp:spPr>
-      <dsp:style>
-        <a:lnRef idx="0">
-          <a:scrgbClr r="0" g="0" b="0"/>
-        </a:lnRef>
-        <a:fillRef idx="0">
-          <a:scrgbClr r="0" g="0" b="0"/>
-        </a:fillRef>
-        <a:effectRef idx="0">
-          <a:scrgbClr r="0" g="0" b="0"/>
-        </a:effectRef>
-        <a:fontRef idx="minor"/>
-      </dsp:style>
-      <dsp:txBody>
-        <a:bodyPr spcFirstLastPara="0" vert="horz" wrap="square" lIns="114300" tIns="114300" rIns="114300" bIns="114300" numCol="1" spcCol="1270" anchor="t" anchorCtr="0">
-          <a:noAutofit/>
-        </a:bodyPr>
-        <a:lstStyle/>
-        <a:p>
-          <a:pPr marL="0" lvl="0" indent="0" algn="l" defTabSz="1333500">
-            <a:lnSpc>
-              <a:spcPct val="90000"/>
-            </a:lnSpc>
-            <a:spcBef>
-              <a:spcPct val="0"/>
-            </a:spcBef>
-            <a:spcAft>
-              <a:spcPct val="35000"/>
-            </a:spcAft>
-            <a:buNone/>
-          </a:pPr>
-          <a:r>
-            <a:rPr lang="en-US" sz="3000" kern="1200"/>
-            <a:t>Advantages of JS</a:t>
-          </a:r>
-        </a:p>
-      </dsp:txBody>
-      <dsp:txXfrm>
-        <a:off x="0" y="1323974"/>
-        <a:ext cx="4377714" cy="661987"/>
-      </dsp:txXfrm>
-    </dsp:sp>
-    <dsp:sp modelId="{CDC1A9DF-B3B7-4075-88D7-75D57E894130}">
-      <dsp:nvSpPr>
-        <dsp:cNvPr id="0" name=""/>
-        <dsp:cNvSpPr/>
-      </dsp:nvSpPr>
-      <dsp:spPr>
-        <a:xfrm>
-          <a:off x="0" y="1985962"/>
-          <a:ext cx="4377714" cy="0"/>
-        </a:xfrm>
-        <a:prstGeom prst="line">
-          <a:avLst/>
-        </a:prstGeom>
-        <a:solidFill>
-          <a:schemeClr val="accent1">
-            <a:hueOff val="0"/>
-            <a:satOff val="0"/>
-            <a:lumOff val="0"/>
-            <a:alphaOff val="0"/>
-          </a:schemeClr>
-        </a:solidFill>
-        <a:ln w="12700" cap="flat" cmpd="sng" algn="ctr">
-          <a:solidFill>
-            <a:schemeClr val="accent1">
-              <a:hueOff val="0"/>
-              <a:satOff val="0"/>
-              <a:lumOff val="0"/>
-              <a:alphaOff val="0"/>
-            </a:schemeClr>
-          </a:solidFill>
-          <a:prstDash val="solid"/>
-          <a:miter lim="800000"/>
-        </a:ln>
-        <a:effectLst/>
-      </dsp:spPr>
-      <dsp:style>
-        <a:lnRef idx="2">
-          <a:scrgbClr r="0" g="0" b="0"/>
-        </a:lnRef>
-        <a:fillRef idx="1">
-          <a:scrgbClr r="0" g="0" b="0"/>
-        </a:fillRef>
-        <a:effectRef idx="0">
-          <a:scrgbClr r="0" g="0" b="0"/>
-        </a:effectRef>
-        <a:fontRef idx="minor">
-          <a:schemeClr val="lt1"/>
-        </a:fontRef>
-      </dsp:style>
-    </dsp:sp>
-    <dsp:sp modelId="{0A4FC9DD-8494-4C69-8A69-CBD4B1A92AF6}">
-      <dsp:nvSpPr>
-        <dsp:cNvPr id="0" name=""/>
-        <dsp:cNvSpPr/>
-      </dsp:nvSpPr>
-      <dsp:spPr>
-        <a:xfrm>
-          <a:off x="0" y="1985962"/>
-          <a:ext cx="4377714" cy="661987"/>
-        </a:xfrm>
-        <a:prstGeom prst="rect">
-          <a:avLst/>
-        </a:prstGeom>
-        <a:noFill/>
-        <a:ln>
-          <a:noFill/>
-        </a:ln>
-        <a:effectLst/>
-      </dsp:spPr>
-      <dsp:style>
-        <a:lnRef idx="0">
-          <a:scrgbClr r="0" g="0" b="0"/>
-        </a:lnRef>
-        <a:fillRef idx="0">
-          <a:scrgbClr r="0" g="0" b="0"/>
-        </a:fillRef>
-        <a:effectRef idx="0">
-          <a:scrgbClr r="0" g="0" b="0"/>
-        </a:effectRef>
-        <a:fontRef idx="minor"/>
-      </dsp:style>
-      <dsp:txBody>
-        <a:bodyPr spcFirstLastPara="0" vert="horz" wrap="square" lIns="114300" tIns="114300" rIns="114300" bIns="114300" numCol="1" spcCol="1270" anchor="t" anchorCtr="0">
-          <a:noAutofit/>
-        </a:bodyPr>
-        <a:lstStyle/>
-        <a:p>
-          <a:pPr marL="0" lvl="0" indent="0" algn="l" defTabSz="1333500">
-            <a:lnSpc>
-              <a:spcPct val="90000"/>
-            </a:lnSpc>
-            <a:spcBef>
-              <a:spcPct val="0"/>
-            </a:spcBef>
-            <a:spcAft>
-              <a:spcPct val="35000"/>
-            </a:spcAft>
-            <a:buNone/>
-          </a:pPr>
-          <a:r>
-            <a:rPr lang="en-US" sz="3000" kern="1200"/>
-            <a:t>JS Syntax</a:t>
-          </a:r>
-        </a:p>
-      </dsp:txBody>
-      <dsp:txXfrm>
-        <a:off x="0" y="1985962"/>
-        <a:ext cx="4377714" cy="661987"/>
-      </dsp:txXfrm>
-    </dsp:sp>
-    <dsp:sp modelId="{D4A83DD0-5939-4808-8D4E-A8B2B2CD6F33}">
-      <dsp:nvSpPr>
-        <dsp:cNvPr id="0" name=""/>
-        <dsp:cNvSpPr/>
-      </dsp:nvSpPr>
-      <dsp:spPr>
-        <a:xfrm>
-          <a:off x="0" y="2647950"/>
-          <a:ext cx="4377714" cy="0"/>
-        </a:xfrm>
-        <a:prstGeom prst="line">
-          <a:avLst/>
-        </a:prstGeom>
-        <a:solidFill>
-          <a:schemeClr val="accent1">
-            <a:hueOff val="0"/>
-            <a:satOff val="0"/>
-            <a:lumOff val="0"/>
-            <a:alphaOff val="0"/>
-          </a:schemeClr>
-        </a:solidFill>
-        <a:ln w="12700" cap="flat" cmpd="sng" algn="ctr">
-          <a:solidFill>
-            <a:schemeClr val="accent1">
-              <a:hueOff val="0"/>
-              <a:satOff val="0"/>
-              <a:lumOff val="0"/>
-              <a:alphaOff val="0"/>
-            </a:schemeClr>
-          </a:solidFill>
-          <a:prstDash val="solid"/>
-          <a:miter lim="800000"/>
-        </a:ln>
-        <a:effectLst/>
-      </dsp:spPr>
-      <dsp:style>
-        <a:lnRef idx="2">
-          <a:scrgbClr r="0" g="0" b="0"/>
-        </a:lnRef>
-        <a:fillRef idx="1">
-          <a:scrgbClr r="0" g="0" b="0"/>
-        </a:fillRef>
-        <a:effectRef idx="0">
-          <a:scrgbClr r="0" g="0" b="0"/>
-        </a:effectRef>
-        <a:fontRef idx="minor">
-          <a:schemeClr val="lt1"/>
-        </a:fontRef>
-      </dsp:style>
-    </dsp:sp>
-    <dsp:sp modelId="{0D73948C-39E2-407F-9EDF-DBD648CCAB86}">
-      <dsp:nvSpPr>
-        <dsp:cNvPr id="0" name=""/>
-        <dsp:cNvSpPr/>
-      </dsp:nvSpPr>
-      <dsp:spPr>
-        <a:xfrm>
-          <a:off x="0" y="2647949"/>
-          <a:ext cx="4377714" cy="661987"/>
-        </a:xfrm>
-        <a:prstGeom prst="rect">
-          <a:avLst/>
-        </a:prstGeom>
-        <a:noFill/>
-        <a:ln>
-          <a:noFill/>
-        </a:ln>
-        <a:effectLst/>
-      </dsp:spPr>
-      <dsp:style>
-        <a:lnRef idx="0">
-          <a:scrgbClr r="0" g="0" b="0"/>
-        </a:lnRef>
-        <a:fillRef idx="0">
-          <a:scrgbClr r="0" g="0" b="0"/>
-        </a:fillRef>
-        <a:effectRef idx="0">
-          <a:scrgbClr r="0" g="0" b="0"/>
-        </a:effectRef>
-        <a:fontRef idx="minor"/>
-      </dsp:style>
-      <dsp:txBody>
-        <a:bodyPr spcFirstLastPara="0" vert="horz" wrap="square" lIns="114300" tIns="114300" rIns="114300" bIns="114300" numCol="1" spcCol="1270" anchor="t" anchorCtr="0">
-          <a:noAutofit/>
-        </a:bodyPr>
-        <a:lstStyle/>
-        <a:p>
-          <a:pPr marL="0" lvl="0" indent="0" algn="l" defTabSz="1333500">
-            <a:lnSpc>
-              <a:spcPct val="90000"/>
-            </a:lnSpc>
-            <a:spcBef>
-              <a:spcPct val="0"/>
-            </a:spcBef>
-            <a:spcAft>
-              <a:spcPct val="35000"/>
-            </a:spcAft>
-            <a:buNone/>
-          </a:pPr>
-          <a:r>
-            <a:rPr lang="en-US" sz="3000" kern="1200"/>
-            <a:t>JS Variables</a:t>
-          </a:r>
-        </a:p>
-      </dsp:txBody>
-      <dsp:txXfrm>
-        <a:off x="0" y="2647949"/>
-        <a:ext cx="4377714" cy="661987"/>
-      </dsp:txXfrm>
-    </dsp:sp>
-    <dsp:sp modelId="{71B80B8E-149A-4F12-BC30-3D199CB2167A}">
-      <dsp:nvSpPr>
-        <dsp:cNvPr id="0" name=""/>
-        <dsp:cNvSpPr/>
-      </dsp:nvSpPr>
-      <dsp:spPr>
-        <a:xfrm>
-          <a:off x="0" y="3309937"/>
-          <a:ext cx="4377714" cy="0"/>
-        </a:xfrm>
-        <a:prstGeom prst="line">
-          <a:avLst/>
-        </a:prstGeom>
-        <a:solidFill>
-          <a:schemeClr val="accent1">
-            <a:hueOff val="0"/>
-            <a:satOff val="0"/>
-            <a:lumOff val="0"/>
-            <a:alphaOff val="0"/>
-          </a:schemeClr>
-        </a:solidFill>
-        <a:ln w="12700" cap="flat" cmpd="sng" algn="ctr">
-          <a:solidFill>
-            <a:schemeClr val="accent1">
-              <a:hueOff val="0"/>
-              <a:satOff val="0"/>
-              <a:lumOff val="0"/>
-              <a:alphaOff val="0"/>
-            </a:schemeClr>
-          </a:solidFill>
-          <a:prstDash val="solid"/>
-          <a:miter lim="800000"/>
-        </a:ln>
-        <a:effectLst/>
-      </dsp:spPr>
-      <dsp:style>
-        <a:lnRef idx="2">
-          <a:scrgbClr r="0" g="0" b="0"/>
-        </a:lnRef>
-        <a:fillRef idx="1">
-          <a:scrgbClr r="0" g="0" b="0"/>
-        </a:fillRef>
-        <a:effectRef idx="0">
-          <a:scrgbClr r="0" g="0" b="0"/>
-        </a:effectRef>
-        <a:fontRef idx="minor">
-          <a:schemeClr val="lt1"/>
-        </a:fontRef>
-      </dsp:style>
-    </dsp:sp>
-    <dsp:sp modelId="{27F137FD-DA32-4D49-A20F-33B3BBA9CB67}">
-      <dsp:nvSpPr>
-        <dsp:cNvPr id="0" name=""/>
-        <dsp:cNvSpPr/>
-      </dsp:nvSpPr>
-      <dsp:spPr>
-        <a:xfrm>
-          <a:off x="0" y="3309937"/>
-          <a:ext cx="4377714" cy="661987"/>
-        </a:xfrm>
-        <a:prstGeom prst="rect">
-          <a:avLst/>
-        </a:prstGeom>
-        <a:noFill/>
-        <a:ln>
-          <a:noFill/>
-        </a:ln>
-        <a:effectLst/>
-      </dsp:spPr>
-      <dsp:style>
-        <a:lnRef idx="0">
-          <a:scrgbClr r="0" g="0" b="0"/>
-        </a:lnRef>
-        <a:fillRef idx="0">
-          <a:scrgbClr r="0" g="0" b="0"/>
-        </a:fillRef>
-        <a:effectRef idx="0">
-          <a:scrgbClr r="0" g="0" b="0"/>
-        </a:effectRef>
-        <a:fontRef idx="minor"/>
-      </dsp:style>
-      <dsp:txBody>
-        <a:bodyPr spcFirstLastPara="0" vert="horz" wrap="square" lIns="114300" tIns="114300" rIns="114300" bIns="114300" numCol="1" spcCol="1270" anchor="t" anchorCtr="0">
-          <a:noAutofit/>
-        </a:bodyPr>
-        <a:lstStyle/>
-        <a:p>
-          <a:pPr marL="0" lvl="0" indent="0" algn="l" defTabSz="1333500">
-            <a:lnSpc>
-              <a:spcPct val="90000"/>
-            </a:lnSpc>
-            <a:spcBef>
-              <a:spcPct val="0"/>
-            </a:spcBef>
-            <a:spcAft>
-              <a:spcPct val="35000"/>
-            </a:spcAft>
-            <a:buNone/>
-          </a:pPr>
-          <a:r>
-            <a:rPr lang="en-US" sz="3000" kern="1200"/>
-            <a:t>JS Operations</a:t>
-          </a:r>
-        </a:p>
-      </dsp:txBody>
-      <dsp:txXfrm>
-        <a:off x="0" y="3309937"/>
-        <a:ext cx="4377714" cy="661987"/>
-      </dsp:txXfrm>
-    </dsp:sp>
-    <dsp:sp modelId="{1063476A-2B01-4786-B138-5011F05D2C32}">
-      <dsp:nvSpPr>
-        <dsp:cNvPr id="0" name=""/>
-        <dsp:cNvSpPr/>
-      </dsp:nvSpPr>
-      <dsp:spPr>
-        <a:xfrm>
-          <a:off x="0" y="3971924"/>
-          <a:ext cx="4377714" cy="0"/>
-        </a:xfrm>
-        <a:prstGeom prst="line">
-          <a:avLst/>
-        </a:prstGeom>
-        <a:solidFill>
-          <a:schemeClr val="accent1">
-            <a:hueOff val="0"/>
-            <a:satOff val="0"/>
-            <a:lumOff val="0"/>
-            <a:alphaOff val="0"/>
-          </a:schemeClr>
-        </a:solidFill>
-        <a:ln w="12700" cap="flat" cmpd="sng" algn="ctr">
-          <a:solidFill>
-            <a:schemeClr val="accent1">
-              <a:hueOff val="0"/>
-              <a:satOff val="0"/>
-              <a:lumOff val="0"/>
-              <a:alphaOff val="0"/>
-            </a:schemeClr>
-          </a:solidFill>
-          <a:prstDash val="solid"/>
-          <a:miter lim="800000"/>
-        </a:ln>
-        <a:effectLst/>
-      </dsp:spPr>
-      <dsp:style>
-        <a:lnRef idx="2">
-          <a:scrgbClr r="0" g="0" b="0"/>
-        </a:lnRef>
-        <a:fillRef idx="1">
-          <a:scrgbClr r="0" g="0" b="0"/>
-        </a:fillRef>
-        <a:effectRef idx="0">
-          <a:scrgbClr r="0" g="0" b="0"/>
-        </a:effectRef>
-        <a:fontRef idx="minor">
-          <a:schemeClr val="lt1"/>
-        </a:fontRef>
-      </dsp:style>
-    </dsp:sp>
-    <dsp:sp modelId="{085B45A7-228A-4933-BC8C-D5CF1A496C2F}">
-      <dsp:nvSpPr>
-        <dsp:cNvPr id="0" name=""/>
-        <dsp:cNvSpPr/>
-      </dsp:nvSpPr>
-      <dsp:spPr>
-        <a:xfrm>
-          <a:off x="0" y="3971925"/>
-          <a:ext cx="4377714" cy="661987"/>
-        </a:xfrm>
-        <a:prstGeom prst="rect">
-          <a:avLst/>
-        </a:prstGeom>
-        <a:noFill/>
-        <a:ln>
-          <a:noFill/>
-        </a:ln>
-        <a:effectLst/>
-      </dsp:spPr>
-      <dsp:style>
-        <a:lnRef idx="0">
-          <a:scrgbClr r="0" g="0" b="0"/>
-        </a:lnRef>
-        <a:fillRef idx="0">
-          <a:scrgbClr r="0" g="0" b="0"/>
-        </a:fillRef>
-        <a:effectRef idx="0">
-          <a:scrgbClr r="0" g="0" b="0"/>
-        </a:effectRef>
-        <a:fontRef idx="minor"/>
-      </dsp:style>
-      <dsp:txBody>
-        <a:bodyPr spcFirstLastPara="0" vert="horz" wrap="square" lIns="114300" tIns="114300" rIns="114300" bIns="114300" numCol="1" spcCol="1270" anchor="t" anchorCtr="0">
-          <a:noAutofit/>
-        </a:bodyPr>
-        <a:lstStyle/>
-        <a:p>
-          <a:pPr marL="0" lvl="0" indent="0" algn="l" defTabSz="1333500">
-            <a:lnSpc>
-              <a:spcPct val="90000"/>
-            </a:lnSpc>
-            <a:spcBef>
-              <a:spcPct val="0"/>
-            </a:spcBef>
-            <a:spcAft>
-              <a:spcPct val="35000"/>
-            </a:spcAft>
-            <a:buNone/>
-          </a:pPr>
-          <a:r>
-            <a:rPr lang="en-US" sz="3000" kern="1200"/>
-            <a:t>JS IF/ELSE</a:t>
-          </a:r>
-        </a:p>
-      </dsp:txBody>
-      <dsp:txXfrm>
-        <a:off x="0" y="3971925"/>
-        <a:ext cx="4377714" cy="661987"/>
-      </dsp:txXfrm>
-    </dsp:sp>
-    <dsp:sp modelId="{8E308720-89B8-4EED-85C0-68C10B0ADFE9}">
-      <dsp:nvSpPr>
-        <dsp:cNvPr id="0" name=""/>
-        <dsp:cNvSpPr/>
-      </dsp:nvSpPr>
-      <dsp:spPr>
-        <a:xfrm>
-          <a:off x="0" y="4633912"/>
-          <a:ext cx="4377714" cy="0"/>
-        </a:xfrm>
-        <a:prstGeom prst="line">
-          <a:avLst/>
-        </a:prstGeom>
-        <a:solidFill>
-          <a:schemeClr val="accent1">
-            <a:hueOff val="0"/>
-            <a:satOff val="0"/>
-            <a:lumOff val="0"/>
-            <a:alphaOff val="0"/>
-          </a:schemeClr>
-        </a:solidFill>
-        <a:ln w="12700" cap="flat" cmpd="sng" algn="ctr">
-          <a:solidFill>
-            <a:schemeClr val="accent1">
-              <a:hueOff val="0"/>
-              <a:satOff val="0"/>
-              <a:lumOff val="0"/>
-              <a:alphaOff val="0"/>
-            </a:schemeClr>
-          </a:solidFill>
-          <a:prstDash val="solid"/>
-          <a:miter lim="800000"/>
-        </a:ln>
-        <a:effectLst/>
-      </dsp:spPr>
-      <dsp:style>
-        <a:lnRef idx="2">
-          <a:scrgbClr r="0" g="0" b="0"/>
-        </a:lnRef>
-        <a:fillRef idx="1">
-          <a:scrgbClr r="0" g="0" b="0"/>
-        </a:fillRef>
-        <a:effectRef idx="0">
-          <a:scrgbClr r="0" g="0" b="0"/>
-        </a:effectRef>
-        <a:fontRef idx="minor">
-          <a:schemeClr val="lt1"/>
-        </a:fontRef>
-      </dsp:style>
-    </dsp:sp>
-    <dsp:sp modelId="{A7755305-F38A-4592-A210-0E6B127CB85B}">
-      <dsp:nvSpPr>
-        <dsp:cNvPr id="0" name=""/>
-        <dsp:cNvSpPr/>
-      </dsp:nvSpPr>
-      <dsp:spPr>
-        <a:xfrm>
-          <a:off x="0" y="4633912"/>
-          <a:ext cx="4377714" cy="661987"/>
-        </a:xfrm>
-        <a:prstGeom prst="rect">
-          <a:avLst/>
-        </a:prstGeom>
-        <a:noFill/>
-        <a:ln>
-          <a:noFill/>
-        </a:ln>
-        <a:effectLst/>
-      </dsp:spPr>
-      <dsp:style>
-        <a:lnRef idx="0">
-          <a:scrgbClr r="0" g="0" b="0"/>
-        </a:lnRef>
-        <a:fillRef idx="0">
-          <a:scrgbClr r="0" g="0" b="0"/>
-        </a:fillRef>
-        <a:effectRef idx="0">
-          <a:scrgbClr r="0" g="0" b="0"/>
-        </a:effectRef>
-        <a:fontRef idx="minor"/>
-      </dsp:style>
-      <dsp:txBody>
-        <a:bodyPr spcFirstLastPara="0" vert="horz" wrap="square" lIns="114300" tIns="114300" rIns="114300" bIns="114300" numCol="1" spcCol="1270" anchor="t" anchorCtr="0">
-          <a:noAutofit/>
-        </a:bodyPr>
-        <a:lstStyle/>
-        <a:p>
-          <a:pPr marL="0" lvl="0" indent="0" algn="l" defTabSz="1333500">
-            <a:lnSpc>
-              <a:spcPct val="90000"/>
-            </a:lnSpc>
-            <a:spcBef>
-              <a:spcPct val="0"/>
-            </a:spcBef>
-            <a:spcAft>
-              <a:spcPct val="35000"/>
-            </a:spcAft>
-            <a:buNone/>
-          </a:pPr>
-          <a:r>
-            <a:rPr lang="en-US" sz="3000" kern="1200"/>
-            <a:t>JS Switch Case</a:t>
-          </a:r>
-        </a:p>
-      </dsp:txBody>
-      <dsp:txXfrm>
-        <a:off x="0" y="4633912"/>
-        <a:ext cx="4377714" cy="661987"/>
-      </dsp:txXfrm>
-    </dsp:sp>
-  </dsp:spTree>
-</dsp:drawing>
-</file>
-
-<file path=ppt/diagrams/layout1.xml><?xml version="1.0" encoding="utf-8"?>
-<dgm:layoutDef xmlns:dgm="http://schemas.openxmlformats.org/drawingml/2006/diagram" xmlns:a="http://schemas.openxmlformats.org/drawingml/2006/main" uniqueId="urn:microsoft.com/office/officeart/2008/layout/LinedList">
-  <dgm:title val=""/>
-  <dgm:desc val=""/>
-  <dgm:catLst>
-    <dgm:cat type="hierarchy" pri="8000"/>
-    <dgm:cat type="list" pri="2500"/>
-  </dgm:catLst>
-  <dgm:sampData>
-    <dgm:dataModel>
-      <dgm:ptLst>
-        <dgm:pt modelId="0" type="doc"/>
-        <dgm:pt modelId="1">
-          <dgm:prSet phldr="1"/>
-        </dgm:pt>
-        <dgm:pt modelId="11">
-          <dgm:prSet phldr="1"/>
-        </dgm:pt>
-        <dgm:pt modelId="12">
-          <dgm:prSet phldr="1"/>
-        </dgm:pt>
-        <dgm:pt modelId="13">
-          <dgm:prSet phldr="1"/>
-        </dgm:pt>
-      </dgm:ptLst>
-      <dgm:cxnLst>
-        <dgm:cxn modelId="2" srcId="0" destId="1" srcOrd="0" destOrd="0"/>
-        <dgm:cxn modelId="3" srcId="1" destId="11" srcOrd="0" destOrd="0"/>
-        <dgm:cxn modelId="4" srcId="1" destId="12" srcOrd="1" destOrd="0"/>
-        <dgm:cxn modelId="5" srcId="1" destId="13" srcOrd="2" destOrd="0"/>
-      </dgm:cxnLst>
-      <dgm:bg/>
-      <dgm:whole/>
-    </dgm:dataModel>
-  </dgm:sampData>
-  <dgm:styleData>
-    <dgm:dataModel>
-      <dgm:ptLst>
-        <dgm:pt modelId="0" type="doc"/>
-        <dgm:pt modelId="1">
-          <dgm:prSet phldr="1"/>
-        </dgm:pt>
-        <dgm:pt modelId="11">
-          <dgm:prSet phldr="1"/>
-        </dgm:pt>
-        <dgm:pt modelId="12">
-          <dgm:prSet phldr="1"/>
-        </dgm:pt>
-      </dgm:ptLst>
-      <dgm:cxnLst>
-        <dgm:cxn modelId="2" srcId="0" destId="1" srcOrd="0" destOrd="0"/>
-        <dgm:cxn modelId="3" srcId="1" destId="11" srcOrd="0" destOrd="0"/>
-        <dgm:cxn modelId="4" srcId="1" destId="12" srcOrd="1" destOrd="0"/>
-      </dgm:cxnLst>
-      <dgm:bg/>
-      <dgm:whole/>
-    </dgm:dataModel>
-  </dgm:styleData>
-  <dgm:clrData>
-    <dgm:dataModel>
-      <dgm:ptLst>
-        <dgm:pt modelId="0" type="doc"/>
-        <dgm:pt modelId="1">
-          <dgm:prSet phldr="1"/>
-        </dgm:pt>
-        <dgm:pt modelId="11">
-          <dgm:prSet phldr="1"/>
-        </dgm:pt>
-        <dgm:pt modelId="12">
-          <dgm:prSet phldr="1"/>
-        </dgm:pt>
-      </dgm:ptLst>
-      <dgm:cxnLst>
-        <dgm:cxn modelId="2" srcId="0" destId="1" srcOrd="0" destOrd="0"/>
-        <dgm:cxn modelId="3" srcId="1" destId="11" srcOrd="0" destOrd="0"/>
-        <dgm:cxn modelId="4" srcId="1" destId="12" srcOrd="1" destOrd="0"/>
-      </dgm:cxnLst>
-      <dgm:bg/>
-      <dgm:whole/>
-    </dgm:dataModel>
-  </dgm:clrData>
-  <dgm:layoutNode name="vert0">
-    <dgm:varLst>
-      <dgm:dir/>
-      <dgm:animOne val="branch"/>
-      <dgm:animLvl val="lvl"/>
-    </dgm:varLst>
-    <dgm:choose name="Name0">
-      <dgm:if name="Name1" func="var" arg="dir" op="equ" val="norm">
-        <dgm:alg type="lin">
-          <dgm:param type="linDir" val="fromT"/>
-          <dgm:param type="nodeHorzAlign" val="l"/>
-        </dgm:alg>
-      </dgm:if>
-      <dgm:else name="Name2">
-        <dgm:alg type="lin">
-          <dgm:param type="linDir" val="fromT"/>
-          <dgm:param type="nodeHorzAlign" val="r"/>
-        </dgm:alg>
-      </dgm:else>
-    </dgm:choose>
-    <dgm:shape xmlns:r="http://schemas.openxmlformats.org/officeDocument/2006/relationships" r:blip="">
-      <dgm:adjLst/>
-    </dgm:shape>
-    <dgm:presOf/>
-    <dgm:constrLst>
-      <dgm:constr type="w" for="ch" forName="horz1" refType="w"/>
-      <dgm:constr type="h" for="ch" forName="horz1" refType="h"/>
-      <dgm:constr type="h" for="des" forName="vert1" refType="h"/>
-      <dgm:constr type="h" for="des" forName="tx1" refType="h"/>
-      <dgm:constr type="h" for="des" forName="horz2" refType="h"/>
-      <dgm:constr type="h" for="des" forName="vert2" refType="h"/>
-      <dgm:constr type="h" for="des" forName="horz3" refType="h"/>
-      <dgm:constr type="h" for="des" forName="vert3" refType="h"/>
-      <dgm:constr type="h" for="des" forName="horz4" refType="h"/>
-      <dgm:constr type="h" for="des" ptType="node" refType="h"/>
-      <dgm:constr type="primFontSz" for="des" forName="tx1" op="equ" val="65"/>
-      <dgm:constr type="primFontSz" for="des" forName="tx2" op="equ" val="65"/>
-      <dgm:constr type="primFontSz" for="des" forName="tx3" op="equ" val="65"/>
-      <dgm:constr type="primFontSz" for="des" forName="tx4" op="equ" val="65"/>
-      <dgm:constr type="w" for="des" forName="thickLine" refType="w"/>
-      <dgm:constr type="h" for="des" forName="thickLine"/>
-      <dgm:constr type="h" for="des" forName="thinLine1"/>
-      <dgm:constr type="h" for="des" forName="thinLine2b"/>
-      <dgm:constr type="h" for="des" forName="thinLine3"/>
-      <dgm:constr type="h" for="des" forName="vertSpace2a" refType="h" fact="0.05"/>
-      <dgm:constr type="h" for="des" forName="vertSpace2b" refType="h" refFor="des" refForName="vertSpace2a"/>
-    </dgm:constrLst>
-    <dgm:forEach name="Name3" axis="ch" ptType="node">
-      <dgm:layoutNode name="thickLine" styleLbl="alignNode1">
-        <dgm:alg type="sp"/>
-        <dgm:shape xmlns:r="http://schemas.openxmlformats.org/officeDocument/2006/relationships" type="line" r:blip="">
-          <dgm:adjLst/>
-        </dgm:shape>
-        <dgm:presOf/>
-      </dgm:layoutNode>
-      <dgm:layoutNode name="horz1">
-        <dgm:choose name="Name4">
-          <dgm:if name="Name5" func="var" arg="dir" op="equ" val="norm">
-            <dgm:alg type="lin">
-              <dgm:param type="linDir" val="fromL"/>
-              <dgm:param type="nodeVertAlign" val="t"/>
-            </dgm:alg>
-          </dgm:if>
-          <dgm:else name="Name6">
-            <dgm:alg type="lin">
-              <dgm:param type="linDir" val="fromR"/>
-              <dgm:param type="nodeVertAlign" val="t"/>
-            </dgm:alg>
-          </dgm:else>
-        </dgm:choose>
-        <dgm:shape xmlns:r="http://schemas.openxmlformats.org/officeDocument/2006/relationships" r:blip="">
-          <dgm:adjLst/>
-        </dgm:shape>
-        <dgm:presOf/>
-        <dgm:choose name="Name7">
-          <dgm:if name="Name8" axis="root des" func="maxDepth" op="equ" val="1">
-            <dgm:constrLst>
-              <dgm:constr type="w" for="ch" forName="tx1" refType="w"/>
-            </dgm:constrLst>
-          </dgm:if>
-          <dgm:if name="Name9" axis="root des" func="maxDepth" op="equ" val="2">
-            <dgm:constrLst>
-              <dgm:constr type="w" for="ch" forName="tx1" refType="w" fact="0.2"/>
-              <dgm:constr type="w" for="des" forName="tx2" refType="w" fact="0.785"/>
-              <dgm:constr type="w" for="des" forName="horzSpace2" refType="w" fact="0.015"/>
-              <dgm:constr type="w" for="des" forName="thinLine2b" refType="w" fact="0.8"/>
-            </dgm:constrLst>
-          </dgm:if>
-          <dgm:if name="Name10" axis="root des" func="maxDepth" op="equ" val="3">
-            <dgm:constrLst>
-              <dgm:constr type="w" for="ch" forName="tx1" refType="w" fact="0.2"/>
-              <dgm:constr type="w" for="des" forName="tx2" refType="w" fact="0.385"/>
-              <dgm:constr type="w" for="des" forName="tx3" refType="w" fact="0.385"/>
-              <dgm:constr type="w" for="des" forName="horzSpace2" refType="w" fact="0.015"/>
-              <dgm:constr type="w" for="des" forName="horzSpace3" refType="w" fact="0.015"/>
-              <dgm:constr type="w" for="des" forName="thinLine2b" refType="w" fact="0.8"/>
-              <dgm:constr type="w" for="des" forName="thinLine3" refType="w" fact="0.385"/>
-            </dgm:constrLst>
-          </dgm:if>
-          <dgm:if name="Name11" axis="root des" func="maxDepth" op="gte" val="4">
-            <dgm:constrLst>
-              <dgm:constr type="w" for="ch" forName="tx1" refType="w" fact="0.2"/>
-              <dgm:constr type="w" for="des" forName="tx2" refType="w" fact="0.2516"/>
-              <dgm:constr type="w" for="des" forName="tx3" refType="w" fact="0.2516"/>
-              <dgm:constr type="w" for="des" forName="tx4" refType="w" fact="0.2516"/>
-              <dgm:constr type="w" for="des" forName="horzSpace2" refType="w" fact="0.015"/>
-              <dgm:constr type="w" for="des" forName="horzSpace3" refType="w" fact="0.015"/>
-              <dgm:constr type="w" for="des" forName="horzSpace4" refType="w" fact="0.015"/>
-              <dgm:constr type="w" for="des" forName="thinLine2b" refType="w" fact="0.8"/>
-              <dgm:constr type="w" for="des" forName="thinLine3" refType="w" fact="0.5332"/>
-            </dgm:constrLst>
-          </dgm:if>
-          <dgm:else name="Name12"/>
-        </dgm:choose>
-        <dgm:layoutNode name="tx1" styleLbl="revTx">
-          <dgm:alg type="tx">
-            <dgm:param type="parTxLTRAlign" val="l"/>
-            <dgm:param type="parTxRTLAlign" val="r"/>
-            <dgm:param type="txAnchorVert" val="t"/>
-          </dgm:alg>
-          <dgm:shape xmlns:r="http://schemas.openxmlformats.org/officeDocument/2006/relationships" type="rect" r:blip="">
-            <dgm:adjLst/>
-          </dgm:shape>
-          <dgm:presOf axis="self"/>
-          <dgm:constrLst>
-            <dgm:constr type="tMarg" refType="primFontSz" fact="0.3"/>
-            <dgm:constr type="bMarg" refType="primFontSz" fact="0.3"/>
-            <dgm:constr type="lMarg" refType="primFontSz" fact="0.3"/>
-            <dgm:constr type="rMarg" refType="primFontSz" fact="0.3"/>
-          </dgm:constrLst>
-          <dgm:ruleLst>
-            <dgm:rule type="primFontSz" val="5" fact="NaN" max="NaN"/>
-          </dgm:ruleLst>
-        </dgm:layoutNode>
-        <dgm:layoutNode name="vert1">
-          <dgm:choose name="Name13">
-            <dgm:if name="Name14" func="var" arg="dir" op="equ" val="norm">
-              <dgm:alg type="lin">
-                <dgm:param type="linDir" val="fromT"/>
-                <dgm:param type="nodeHorzAlign" val="l"/>
-              </dgm:alg>
-            </dgm:if>
-            <dgm:else name="Name15">
-              <dgm:alg type="lin">
-                <dgm:param type="linDir" val="fromT"/>
-                <dgm:param type="nodeHorzAlign" val="r"/>
-              </dgm:alg>
-            </dgm:else>
-          </dgm:choose>
-          <dgm:shape xmlns:r="http://schemas.openxmlformats.org/officeDocument/2006/relationships" r:blip="">
-            <dgm:adjLst/>
-          </dgm:shape>
-          <dgm:presOf/>
-          <dgm:forEach name="Name16" axis="ch" ptType="node">
-            <dgm:choose name="Name17">
-              <dgm:if name="Name18" axis="self" ptType="node" func="pos" op="equ" val="1">
-                <dgm:layoutNode name="vertSpace2a">
-                  <dgm:alg type="sp"/>
-                  <dgm:shape xmlns:r="http://schemas.openxmlformats.org/officeDocument/2006/relationships" r:blip="">
-                    <dgm:adjLst/>
-                  </dgm:shape>
-                  <dgm:presOf/>
-                </dgm:layoutNode>
-              </dgm:if>
-              <dgm:else name="Name19"/>
-            </dgm:choose>
-            <dgm:layoutNode name="horz2">
-              <dgm:choose name="Name20">
-                <dgm:if name="Name21" func="var" arg="dir" op="equ" val="norm">
-                  <dgm:alg type="lin">
-                    <dgm:param type="linDir" val="fromL"/>
-                    <dgm:param type="nodeVertAlign" val="t"/>
-                  </dgm:alg>
-                </dgm:if>
-                <dgm:else name="Name22">
-                  <dgm:alg type="lin">
-                    <dgm:param type="linDir" val="fromR"/>
-                    <dgm:param type="nodeVertAlign" val="t"/>
-                  </dgm:alg>
-                </dgm:else>
-              </dgm:choose>
-              <dgm:shape xmlns:r="http://schemas.openxmlformats.org/officeDocument/2006/relationships" r:blip="">
-                <dgm:adjLst/>
-              </dgm:shape>
-              <dgm:presOf/>
-              <dgm:layoutNode name="horzSpace2">
-                <dgm:alg type="sp"/>
-                <dgm:shape xmlns:r="http://schemas.openxmlformats.org/officeDocument/2006/relationships" r:blip="">
-                  <dgm:adjLst/>
-                </dgm:shape>
-                <dgm:presOf/>
-              </dgm:layoutNode>
-              <dgm:layoutNode name="tx2" styleLbl="revTx">
-                <dgm:alg type="tx">
-                  <dgm:param type="parTxLTRAlign" val="l"/>
-                  <dgm:param type="parTxRTLAlign" val="r"/>
-                  <dgm:param type="txAnchorVert" val="t"/>
-                </dgm:alg>
-                <dgm:shape xmlns:r="http://schemas.openxmlformats.org/officeDocument/2006/relationships" type="rect" r:blip="">
-                  <dgm:adjLst/>
-                </dgm:shape>
-                <dgm:presOf axis="self"/>
-                <dgm:constrLst>
-                  <dgm:constr type="tMarg" refType="primFontSz" fact="0.3"/>
-                  <dgm:constr type="bMarg" refType="primFontSz" fact="0.3"/>
-                  <dgm:constr type="lMarg" refType="primFontSz" fact="0.3"/>
-                  <dgm:constr type="rMarg" refType="primFontSz" fact="0.3"/>
-                </dgm:constrLst>
-                <dgm:ruleLst>
-                  <dgm:rule type="primFontSz" val="5" fact="NaN" max="NaN"/>
-                </dgm:ruleLst>
-              </dgm:layoutNode>
-              <dgm:layoutNode name="vert2">
-                <dgm:choose name="Name23">
-                  <dgm:if name="Name24" func="var" arg="dir" op="equ" val="norm">
-                    <dgm:alg type="lin">
-                      <dgm:param type="linDir" val="fromT"/>
-                      <dgm:param type="nodeHorzAlign" val="l"/>
-                    </dgm:alg>
-                  </dgm:if>
-                  <dgm:else name="Name25">
-                    <dgm:alg type="lin">
-                      <dgm:param type="linDir" val="fromT"/>
-                      <dgm:param type="nodeHorzAlign" val="r"/>
-                    </dgm:alg>
-                  </dgm:else>
-                </dgm:choose>
-                <dgm:shape xmlns:r="http://schemas.openxmlformats.org/officeDocument/2006/relationships" r:blip="">
-                  <dgm:adjLst/>
-                </dgm:shape>
-                <dgm:presOf/>
-                <dgm:forEach name="Name26" axis="ch" ptType="node">
-                  <dgm:layoutNode name="horz3">
-                    <dgm:choose name="Name27">
-                      <dgm:if name="Name28" func="var" arg="dir" op="equ" val="norm">
-                        <dgm:alg type="lin">
-                          <dgm:param type="linDir" val="fromL"/>
-                          <dgm:param type="nodeVertAlign" val="t"/>
-                        </dgm:alg>
-                      </dgm:if>
-                      <dgm:else name="Name29">
-                        <dgm:alg type="lin">
-                          <dgm:param type="linDir" val="fromR"/>
-                          <dgm:param type="nodeVertAlign" val="t"/>
-                        </dgm:alg>
-                      </dgm:else>
-                    </dgm:choose>
-                    <dgm:shape xmlns:r="http://schemas.openxmlformats.org/officeDocument/2006/relationships" r:blip="">
-                      <dgm:adjLst/>
-                    </dgm:shape>
-                    <dgm:presOf/>
-                    <dgm:layoutNode name="horzSpace3">
-                      <dgm:alg type="sp"/>
-                      <dgm:shape xmlns:r="http://schemas.openxmlformats.org/officeDocument/2006/relationships" r:blip="">
-                        <dgm:adjLst/>
-                      </dgm:shape>
-                      <dgm:presOf/>
-                    </dgm:layoutNode>
-                    <dgm:layoutNode name="tx3" styleLbl="revTx">
-                      <dgm:alg type="tx">
-                        <dgm:param type="parTxLTRAlign" val="l"/>
-                        <dgm:param type="parTxRTLAlign" val="r"/>
-                        <dgm:param type="txAnchorVert" val="t"/>
-                      </dgm:alg>
-                      <dgm:shape xmlns:r="http://schemas.openxmlformats.org/officeDocument/2006/relationships" type="rect" r:blip="">
-                        <dgm:adjLst/>
-                      </dgm:shape>
-                      <dgm:presOf axis="self"/>
-                      <dgm:constrLst>
-                        <dgm:constr type="tMarg" refType="primFontSz" fact="0.3"/>
-                        <dgm:constr type="bMarg" refType="primFontSz" fact="0.3"/>
-                        <dgm:constr type="lMarg" refType="primFontSz" fact="0.3"/>
-                        <dgm:constr type="rMarg" refType="primFontSz" fact="0.3"/>
-                      </dgm:constrLst>
-                      <dgm:ruleLst>
-                        <dgm:rule type="primFontSz" val="5" fact="NaN" max="NaN"/>
-                      </dgm:ruleLst>
-                    </dgm:layoutNode>
-                    <dgm:layoutNode name="vert3">
-                      <dgm:choose name="Name30">
-                        <dgm:if name="Name31" func="var" arg="dir" op="equ" val="norm">
-                          <dgm:alg type="lin">
-                            <dgm:param type="linDir" val="fromT"/>
-                            <dgm:param type="nodeHorzAlign" val="l"/>
-                          </dgm:alg>
-                        </dgm:if>
-                        <dgm:else name="Name32">
-                          <dgm:alg type="lin">
-                            <dgm:param type="linDir" val="fromT"/>
-                            <dgm:param type="nodeHorzAlign" val="r"/>
-                          </dgm:alg>
-                        </dgm:else>
-                      </dgm:choose>
-                      <dgm:shape xmlns:r="http://schemas.openxmlformats.org/officeDocument/2006/relationships" r:blip="">
-                        <dgm:adjLst/>
-                      </dgm:shape>
-                      <dgm:presOf/>
-                      <dgm:forEach name="Name33" axis="ch" ptType="node">
-                        <dgm:layoutNode name="horz4">
-                          <dgm:choose name="Name34">
-                            <dgm:if name="Name35" func="var" arg="dir" op="equ" val="norm">
-                              <dgm:alg type="lin">
-                                <dgm:param type="linDir" val="fromL"/>
-                                <dgm:param type="nodeVertAlign" val="t"/>
-                              </dgm:alg>
-                            </dgm:if>
-                            <dgm:else name="Name36">
-                              <dgm:alg type="lin">
-                                <dgm:param type="linDir" val="fromR"/>
-                                <dgm:param type="nodeVertAlign" val="t"/>
-                              </dgm:alg>
-                            </dgm:else>
-                          </dgm:choose>
-                          <dgm:shape xmlns:r="http://schemas.openxmlformats.org/officeDocument/2006/relationships" r:blip="">
-                            <dgm:adjLst/>
-                          </dgm:shape>
-                          <dgm:presOf/>
-                          <dgm:layoutNode name="horzSpace4">
-                            <dgm:alg type="sp"/>
-                            <dgm:shape xmlns:r="http://schemas.openxmlformats.org/officeDocument/2006/relationships" r:blip="">
-                              <dgm:adjLst/>
-                            </dgm:shape>
-                            <dgm:presOf/>
-                          </dgm:layoutNode>
-                          <dgm:layoutNode name="tx4" styleLbl="revTx">
-                            <dgm:varLst>
-                              <dgm:bulletEnabled val="1"/>
-                            </dgm:varLst>
-                            <dgm:alg type="tx">
-                              <dgm:param type="parTxLTRAlign" val="l"/>
-                              <dgm:param type="parTxRTLAlign" val="r"/>
-                              <dgm:param type="txAnchorVert" val="t"/>
-                            </dgm:alg>
-                            <dgm:shape xmlns:r="http://schemas.openxmlformats.org/officeDocument/2006/relationships" type="rect" r:blip="">
-                              <dgm:adjLst/>
-                            </dgm:shape>
-                            <dgm:presOf axis="desOrSelf" ptType="node"/>
-                            <dgm:constrLst>
-                              <dgm:constr type="tMarg" refType="primFontSz" fact="0.3"/>
-                              <dgm:constr type="bMarg" refType="primFontSz" fact="0.3"/>
-                              <dgm:constr type="lMarg" refType="primFontSz" fact="0.3"/>
-                              <dgm:constr type="rMarg" refType="primFontSz" fact="0.3"/>
-                            </dgm:constrLst>
-                            <dgm:ruleLst>
-                              <dgm:rule type="primFontSz" val="5" fact="NaN" max="NaN"/>
-                            </dgm:ruleLst>
-                          </dgm:layoutNode>
-                        </dgm:layoutNode>
-                      </dgm:forEach>
-                    </dgm:layoutNode>
-                  </dgm:layoutNode>
-                  <dgm:forEach name="Name37" axis="followSib" ptType="sibTrans" cnt="1">
-                    <dgm:layoutNode name="thinLine3" styleLbl="callout">
-                      <dgm:alg type="sp"/>
-                      <dgm:shape xmlns:r="http://schemas.openxmlformats.org/officeDocument/2006/relationships" type="line" r:blip="">
-                        <dgm:adjLst/>
-                      </dgm:shape>
-                      <dgm:presOf/>
-                    </dgm:layoutNode>
-                  </dgm:forEach>
-                </dgm:forEach>
-              </dgm:layoutNode>
-            </dgm:layoutNode>
-            <dgm:layoutNode name="thinLine2b" styleLbl="callout">
-              <dgm:alg type="sp"/>
-              <dgm:shape xmlns:r="http://schemas.openxmlformats.org/officeDocument/2006/relationships" type="line" r:blip="">
-                <dgm:adjLst/>
-              </dgm:shape>
-              <dgm:presOf/>
-            </dgm:layoutNode>
-            <dgm:layoutNode name="vertSpace2b">
-              <dgm:alg type="sp"/>
-              <dgm:shape xmlns:r="http://schemas.openxmlformats.org/officeDocument/2006/relationships" r:blip="">
-                <dgm:adjLst/>
-              </dgm:shape>
-              <dgm:presOf/>
-            </dgm:layoutNode>
-          </dgm:forEach>
-        </dgm:layoutNode>
-      </dgm:layoutNode>
-    </dgm:forEach>
-  </dgm:layoutNode>
-</dgm:layoutDef>
-</file>
-
-<file path=ppt/diagrams/quickStyle1.xml><?xml version="1.0" encoding="utf-8"?>
-<dgm:styleDef xmlns:dgm="http://schemas.openxmlformats.org/drawingml/2006/diagram" xmlns:a="http://schemas.openxmlformats.org/drawingml/2006/main" uniqueId="urn:microsoft.com/office/officeart/2005/8/quickstyle/simple1">
-  <dgm:title val=""/>
-  <dgm:desc val=""/>
-  <dgm:catLst>
-    <dgm:cat type="simple" pri="10100"/>
-  </dgm:catLst>
-  <dgm:scene3d>
-    <a:camera prst="orthographicFront"/>
-    <a:lightRig rig="threePt" dir="t"/>
-  </dgm:scene3d>
-  <dgm:styleLbl name="node0">
-    <dgm:scene3d>
-      <a:camera prst="orthographicFront"/>
-      <a:lightRig rig="threePt" dir="t"/>
-    </dgm:scene3d>
-    <dgm:sp3d/>
-    <dgm:txPr/>
-    <dgm:style>
-      <a:lnRef idx="2">
-        <a:scrgbClr r="0" g="0" b="0"/>
-      </a:lnRef>
-      <a:fillRef idx="1">
-        <a:scrgbClr r="0" g="0" b="0"/>
-      </a:fillRef>
-      <a:effectRef idx="0">
-        <a:scrgbClr r="0" g="0" b="0"/>
-      </a:effectRef>
-      <a:fontRef idx="minor">
-        <a:schemeClr val="lt1"/>
-      </a:fontRef>
-    </dgm:style>
-  </dgm:styleLbl>
-  <dgm:styleLbl name="lnNode1">
-    <dgm:scene3d>
-      <a:camera prst="orthographicFront"/>
-      <a:lightRig rig="threePt" dir="t"/>
-    </dgm:scene3d>
-    <dgm:sp3d/>
-    <dgm:txPr/>
-    <dgm:style>
-      <a:lnRef idx="2">
-        <a:scrgbClr r="0" g="0" b="0"/>
-      </a:lnRef>
-      <a:fillRef idx="1">
-        <a:scrgbClr r="0" g="0" b="0"/>
-      </a:fillRef>
-      <a:effectRef idx="0">
-        <a:scrgbClr r="0" g="0" b="0"/>
-      </a:effectRef>
-      <a:fontRef idx="minor">
-        <a:schemeClr val="lt1"/>
-      </a:fontRef>
-    </dgm:style>
-  </dgm:styleLbl>
-  <dgm:styleLbl name="vennNode1">
-    <dgm:scene3d>
-      <a:camera prst="orthographicFront"/>
-      <a:lightRig rig="threePt" dir="t"/>
-    </dgm:scene3d>
-    <dgm:sp3d/>
-    <dgm:txPr/>
-    <dgm:style>
-      <a:lnRef idx="2">
-        <a:scrgbClr r="0" g="0" b="0"/>
-      </a:lnRef>
-      <a:fillRef idx="1">
-        <a:scrgbClr r="0" g="0" b="0"/>
-      </a:fillRef>
-      <a:effectRef idx="0">
-        <a:scrgbClr r="0" g="0" b="0"/>
-      </a:effectRef>
-      <a:fontRef idx="minor">
-        <a:schemeClr val="tx1"/>
-      </a:fontRef>
-    </dgm:style>
-  </dgm:styleLbl>
-  <dgm:styleLbl name="alignNode1">
-    <dgm:scene3d>
-      <a:camera prst="orthographicFront"/>
-      <a:lightRig rig="threePt" dir="t"/>
-    </dgm:scene3d>
-    <dgm:sp3d/>
-    <dgm:txPr/>
-    <dgm:style>
-      <a:lnRef idx="2">
-        <a:scrgbClr r="0" g="0" b="0"/>
-      </a:lnRef>
-      <a:fillRef idx="1">
-        <a:scrgbClr r="0" g="0" b="0"/>
-      </a:fillRef>
-      <a:effectRef idx="0">
-        <a:scrgbClr r="0" g="0" b="0"/>
-      </a:effectRef>
-      <a:fontRef idx="minor">
-        <a:schemeClr val="lt1"/>
-      </a:fontRef>
-    </dgm:style>
-  </dgm:styleLbl>
-  <dgm:styleLbl name="node1">
-    <dgm:scene3d>
-      <a:camera prst="orthographicFront"/>
-      <a:lightRig rig="threePt" dir="t"/>
-    </dgm:scene3d>
-    <dgm:sp3d/>
-    <dgm:txPr/>
-    <dgm:style>
-      <a:lnRef idx="2">
-        <a:scrgbClr r="0" g="0" b="0"/>
-      </a:lnRef>
-      <a:fillRef idx="1">
-        <a:scrgbClr r="0" g="0" b="0"/>
-      </a:fillRef>
-      <a:effectRef idx="0">
-        <a:scrgbClr r="0" g="0" b="0"/>
-      </a:effectRef>
-      <a:fontRef idx="minor">
-        <a:schemeClr val="lt1"/>
-      </a:fontRef>
-    </dgm:style>
-  </dgm:styleLbl>
-  <dgm:styleLbl name="node2">
-    <dgm:scene3d>
-      <a:camera prst="orthographicFront"/>
-      <a:lightRig rig="threePt" dir="t"/>
-    </dgm:scene3d>
-    <dgm:sp3d/>
-    <dgm:txPr/>
-    <dgm:style>
-      <a:lnRef idx="2">
-        <a:scrgbClr r="0" g="0" b="0"/>
-      </a:lnRef>
-      <a:fillRef idx="1">
-        <a:scrgbClr r="0" g="0" b="0"/>
-      </a:fillRef>
-      <a:effectRef idx="0">
-        <a:scrgbClr r="0" g="0" b="0"/>
-      </a:effectRef>
-      <a:fontRef idx="minor">
-        <a:schemeClr val="lt1"/>
-      </a:fontRef>
-    </dgm:style>
-  </dgm:styleLbl>
-  <dgm:styleLbl name="node3">
-    <dgm:scene3d>
-      <a:camera prst="orthographicFront"/>
-      <a:lightRig rig="threePt" dir="t"/>
-    </dgm:scene3d>
-    <dgm:sp3d/>
-    <dgm:txPr/>
-    <dgm:style>
-      <a:lnRef idx="2">
-        <a:scrgbClr r="0" g="0" b="0"/>
-      </a:lnRef>
-      <a:fillRef idx="1">
-        <a:scrgbClr r="0" g="0" b="0"/>
-      </a:fillRef>
-      <a:effectRef idx="0">
-        <a:scrgbClr r="0" g="0" b="0"/>
-      </a:effectRef>
-      <a:fontRef idx="minor">
-        <a:schemeClr val="lt1"/>
-      </a:fontRef>
-    </dgm:style>
-  </dgm:styleLbl>
-  <dgm:styleLbl name="node4">
-    <dgm:scene3d>
-      <a:camera prst="orthographicFront"/>
-      <a:lightRig rig="threePt" dir="t"/>
-    </dgm:scene3d>
-    <dgm:sp3d/>
-    <dgm:txPr/>
-    <dgm:style>
-      <a:lnRef idx="2">
-        <a:scrgbClr r="0" g="0" b="0"/>
-      </a:lnRef>
-      <a:fillRef idx="1">
-        <a:scrgbClr r="0" g="0" b="0"/>
-      </a:fillRef>
-      <a:effectRef idx="0">
-        <a:scrgbClr r="0" g="0" b="0"/>
-      </a:effectRef>
-      <a:fontRef idx="minor">
-        <a:schemeClr val="lt1"/>
-      </a:fontRef>
-    </dgm:style>
-  </dgm:styleLbl>
-  <dgm:styleLbl name="fgImgPlace1">
-    <dgm:scene3d>
-      <a:camera prst="orthographicFront"/>
-      <a:lightRig rig="threePt" dir="t"/>
-    </dgm:scene3d>
-    <dgm:sp3d/>
-    <dgm:txPr/>
-    <dgm:style>
-      <a:lnRef idx="2">
-        <a:scrgbClr r="0" g="0" b="0"/>
-      </a:lnRef>
-      <a:fillRef idx="1">
-        <a:scrgbClr r="0" g="0" b="0"/>
-      </a:fillRef>
-      <a:effectRef idx="0">
-        <a:scrgbClr r="0" g="0" b="0"/>
-      </a:effectRef>
-      <a:fontRef idx="minor"/>
-    </dgm:style>
-  </dgm:styleLbl>
-  <dgm:styleLbl name="alignImgPlace1">
-    <dgm:scene3d>
-      <a:camera prst="orthographicFront"/>
-      <a:lightRig rig="threePt" dir="t"/>
-    </dgm:scene3d>
-    <dgm:sp3d/>
-    <dgm:txPr/>
-    <dgm:style>
-      <a:lnRef idx="2">
-        <a:scrgbClr r="0" g="0" b="0"/>
-      </a:lnRef>
-      <a:fillRef idx="1">
-        <a:scrgbClr r="0" g="0" b="0"/>
-      </a:fillRef>
-      <a:effectRef idx="0">
-        <a:scrgbClr r="0" g="0" b="0"/>
-      </a:effectRef>
-      <a:fontRef idx="minor"/>
-    </dgm:style>
-  </dgm:styleLbl>
-  <dgm:styleLbl name="bgImgPlace1">
-    <dgm:scene3d>
-      <a:camera prst="orthographicFront"/>
-      <a:lightRig rig="threePt" dir="t"/>
-    </dgm:scene3d>
-    <dgm:sp3d/>
-    <dgm:txPr/>
-    <dgm:style>
-      <a:lnRef idx="2">
-        <a:scrgbClr r="0" g="0" b="0"/>
-      </a:lnRef>
-      <a:fillRef idx="1">
-        <a:scrgbClr r="0" g="0" b="0"/>
-      </a:fillRef>
-      <a:effectRef idx="0">
-        <a:scrgbClr r="0" g="0" b="0"/>
-      </a:effectRef>
-      <a:fontRef idx="minor"/>
-    </dgm:style>
-  </dgm:styleLbl>
-  <dgm:styleLbl name="sibTrans2D1">
-    <dgm:scene3d>
-      <a:camera prst="orthographicFront"/>
-      <a:lightRig rig="threePt" dir="t"/>
-    </dgm:scene3d>
-    <dgm:sp3d/>
-    <dgm:txPr/>
-    <dgm:style>
-      <a:lnRef idx="0">
-        <a:scrgbClr r="0" g="0" b="0"/>
-      </a:lnRef>
-      <a:fillRef idx="1">
-        <a:scrgbClr r="0" g="0" b="0"/>
-      </a:fillRef>
-      <a:effectRef idx="0">
-        <a:scrgbClr r="0" g="0" b="0"/>
-      </a:effectRef>
-      <a:fontRef idx="minor">
-        <a:schemeClr val="lt1"/>
-      </a:fontRef>
-    </dgm:style>
-  </dgm:styleLbl>
-  <dgm:styleLbl name="fgSibTrans2D1">
-    <dgm:scene3d>
-      <a:camera prst="orthographicFront"/>
-      <a:lightRig rig="threePt" dir="t"/>
-    </dgm:scene3d>
-    <dgm:sp3d/>
-    <dgm:txPr/>
-    <dgm:style>
-      <a:lnRef idx="0">
-        <a:scrgbClr r="0" g="0" b="0"/>
-      </a:lnRef>
-      <a:fillRef idx="1">
-        <a:scrgbClr r="0" g="0" b="0"/>
-      </a:fillRef>
-      <a:effectRef idx="0">
-        <a:scrgbClr r="0" g="0" b="0"/>
-      </a:effectRef>
-      <a:fontRef idx="minor">
-        <a:schemeClr val="lt1"/>
-      </a:fontRef>
-    </dgm:style>
-  </dgm:styleLbl>
-  <dgm:styleLbl name="bgSibTrans2D1">
-    <dgm:scene3d>
-      <a:camera prst="orthographicFront"/>
-      <a:lightRig rig="threePt" dir="t"/>
-    </dgm:scene3d>
-    <dgm:sp3d/>
-    <dgm:txPr/>
-    <dgm:style>
-      <a:lnRef idx="0">
-        <a:scrgbClr r="0" g="0" b="0"/>
-      </a:lnRef>
-      <a:fillRef idx="1">
-        <a:scrgbClr r="0" g="0" b="0"/>
-      </a:fillRef>
-      <a:effectRef idx="0">
-        <a:scrgbClr r="0" g="0" b="0"/>
-      </a:effectRef>
-      <a:fontRef idx="minor">
-        <a:schemeClr val="lt1"/>
-      </a:fontRef>
-    </dgm:style>
-  </dgm:styleLbl>
-  <dgm:styleLbl name="sibTrans1D1">
-    <dgm:scene3d>
-      <a:camera prst="orthographicFront"/>
-      <a:lightRig rig="threePt" dir="t"/>
-    </dgm:scene3d>
-    <dgm:sp3d/>
-    <dgm:txPr/>
-    <dgm:style>
-      <a:lnRef idx="1">
-        <a:scrgbClr r="0" g="0" b="0"/>
-      </a:lnRef>
-      <a:fillRef idx="0">
-        <a:scrgbClr r="0" g="0" b="0"/>
-      </a:fillRef>
-      <a:effectRef idx="0">
-        <a:scrgbClr r="0" g="0" b="0"/>
-      </a:effectRef>
-      <a:fontRef idx="minor"/>
-    </dgm:style>
-  </dgm:styleLbl>
-  <dgm:styleLbl name="callout">
-    <dgm:scene3d>
-      <a:camera prst="orthographicFront"/>
-      <a:lightRig rig="threePt" dir="t"/>
-    </dgm:scene3d>
-    <dgm:sp3d/>
-    <dgm:txPr/>
-    <dgm:style>
-      <a:lnRef idx="2">
-        <a:scrgbClr r="0" g="0" b="0"/>
-      </a:lnRef>
-      <a:fillRef idx="1">
-        <a:scrgbClr r="0" g="0" b="0"/>
-      </a:fillRef>
-      <a:effectRef idx="0">
-        <a:scrgbClr r="0" g="0" b="0"/>
-      </a:effectRef>
-      <a:fontRef idx="minor"/>
-    </dgm:style>
-  </dgm:styleLbl>
-  <dgm:styleLbl name="asst0">
-    <dgm:scene3d>
-      <a:camera prst="orthographicFront"/>
-      <a:lightRig rig="threePt" dir="t"/>
-    </dgm:scene3d>
-    <dgm:sp3d/>
-    <dgm:txPr/>
-    <dgm:style>
-      <a:lnRef idx="2">
-        <a:scrgbClr r="0" g="0" b="0"/>
-      </a:lnRef>
-      <a:fillRef idx="1">
-        <a:scrgbClr r="0" g="0" b="0"/>
-      </a:fillRef>
-      <a:effectRef idx="0">
-        <a:scrgbClr r="0" g="0" b="0"/>
-      </a:effectRef>
-      <a:fontRef idx="minor">
-        <a:schemeClr val="lt1"/>
-      </a:fontRef>
-    </dgm:style>
-  </dgm:styleLbl>
-  <dgm:styleLbl name="asst1">
-    <dgm:scene3d>
-      <a:camera prst="orthographicFront"/>
-      <a:lightRig rig="threePt" dir="t"/>
-    </dgm:scene3d>
-    <dgm:sp3d/>
-    <dgm:txPr/>
-    <dgm:style>
-      <a:lnRef idx="2">
-        <a:scrgbClr r="0" g="0" b="0"/>
-      </a:lnRef>
-      <a:fillRef idx="1">
-        <a:scrgbClr r="0" g="0" b="0"/>
-      </a:fillRef>
-      <a:effectRef idx="0">
-        <a:scrgbClr r="0" g="0" b="0"/>
-      </a:effectRef>
-      <a:fontRef idx="minor">
-        <a:schemeClr val="lt1"/>
-      </a:fontRef>
-    </dgm:style>
-  </dgm:styleLbl>
-  <dgm:styleLbl name="asst2">
-    <dgm:scene3d>
-      <a:camera prst="orthographicFront"/>
-      <a:lightRig rig="threePt" dir="t"/>
-    </dgm:scene3d>
-    <dgm:sp3d/>
-    <dgm:txPr/>
-    <dgm:style>
-      <a:lnRef idx="2">
-        <a:scrgbClr r="0" g="0" b="0"/>
-      </a:lnRef>
-      <a:fillRef idx="1">
-        <a:scrgbClr r="0" g="0" b="0"/>
-      </a:fillRef>
-      <a:effectRef idx="0">
-        <a:scrgbClr r="0" g="0" b="0"/>
-      </a:effectRef>
-      <a:fontRef idx="minor">
-        <a:schemeClr val="lt1"/>
-      </a:fontRef>
-    </dgm:style>
-  </dgm:styleLbl>
-  <dgm:styleLbl name="asst3">
-    <dgm:scene3d>
-      <a:camera prst="orthographicFront"/>
-      <a:lightRig rig="threePt" dir="t"/>
-    </dgm:scene3d>
-    <dgm:sp3d/>
-    <dgm:txPr/>
-    <dgm:style>
-      <a:lnRef idx="2">
-        <a:scrgbClr r="0" g="0" b="0"/>
-      </a:lnRef>
-      <a:fillRef idx="1">
-        <a:scrgbClr r="0" g="0" b="0"/>
-      </a:fillRef>
-      <a:effectRef idx="0">
-        <a:scrgbClr r="0" g="0" b="0"/>
-      </a:effectRef>
-      <a:fontRef idx="minor">
-        <a:schemeClr val="lt1"/>
-      </a:fontRef>
-    </dgm:style>
-  </dgm:styleLbl>
-  <dgm:styleLbl name="asst4">
-    <dgm:scene3d>
-      <a:camera prst="orthographicFront"/>
-      <a:lightRig rig="threePt" dir="t"/>
-    </dgm:scene3d>
-    <dgm:sp3d/>
-    <dgm:txPr/>
-    <dgm:style>
-      <a:lnRef idx="2">
-        <a:scrgbClr r="0" g="0" b="0"/>
-      </a:lnRef>
-      <a:fillRef idx="1">
-        <a:scrgbClr r="0" g="0" b="0"/>
-      </a:fillRef>
-      <a:effectRef idx="0">
-        <a:scrgbClr r="0" g="0" b="0"/>
-      </a:effectRef>
-      <a:fontRef idx="minor">
-        <a:schemeClr val="lt1"/>
-      </a:fontRef>
-    </dgm:style>
-  </dgm:styleLbl>
-  <dgm:styleLbl name="parChTrans2D1">
-    <dgm:scene3d>
-      <a:camera prst="orthographicFront"/>
-      <a:lightRig rig="threePt" dir="t"/>
-    </dgm:scene3d>
-    <dgm:sp3d/>
-    <dgm:txPr/>
-    <dgm:style>
-      <a:lnRef idx="2">
-        <a:scrgbClr r="0" g="0" b="0"/>
-      </a:lnRef>
-      <a:fillRef idx="1">
-        <a:scrgbClr r="0" g="0" b="0"/>
-      </a:fillRef>
-      <a:effectRef idx="0">
-        <a:scrgbClr r="0" g="0" b="0"/>
-      </a:effectRef>
-      <a:fontRef idx="minor">
-        <a:schemeClr val="lt1"/>
-      </a:fontRef>
-    </dgm:style>
-  </dgm:styleLbl>
-  <dgm:styleLbl name="parChTrans2D2">
-    <dgm:scene3d>
-      <a:camera prst="orthographicFront"/>
-      <a:lightRig rig="threePt" dir="t"/>
-    </dgm:scene3d>
-    <dgm:sp3d/>
-    <dgm:txPr/>
-    <dgm:style>
-      <a:lnRef idx="2">
-        <a:scrgbClr r="0" g="0" b="0"/>
-      </a:lnRef>
-      <a:fillRef idx="1">
-        <a:scrgbClr r="0" g="0" b="0"/>
-      </a:fillRef>
-      <a:effectRef idx="0">
-        <a:scrgbClr r="0" g="0" b="0"/>
-      </a:effectRef>
-      <a:fontRef idx="minor">
-        <a:schemeClr val="lt1"/>
-      </a:fontRef>
-    </dgm:style>
-  </dgm:styleLbl>
-  <dgm:styleLbl name="parChTrans2D3">
-    <dgm:scene3d>
-      <a:camera prst="orthographicFront"/>
-      <a:lightRig rig="threePt" dir="t"/>
-    </dgm:scene3d>
-    <dgm:sp3d/>
-    <dgm:txPr/>
-    <dgm:style>
-      <a:lnRef idx="2">
-        <a:scrgbClr r="0" g="0" b="0"/>
-      </a:lnRef>
-      <a:fillRef idx="1">
-        <a:scrgbClr r="0" g="0" b="0"/>
-      </a:fillRef>
-      <a:effectRef idx="0">
-        <a:scrgbClr r="0" g="0" b="0"/>
-      </a:effectRef>
-      <a:fontRef idx="minor">
-        <a:schemeClr val="lt1"/>
-      </a:fontRef>
-    </dgm:style>
-  </dgm:styleLbl>
-  <dgm:styleLbl name="parChTrans2D4">
-    <dgm:scene3d>
-      <a:camera prst="orthographicFront"/>
-      <a:lightRig rig="threePt" dir="t"/>
-    </dgm:scene3d>
-    <dgm:sp3d/>
-    <dgm:txPr/>
-    <dgm:style>
-      <a:lnRef idx="2">
-        <a:scrgbClr r="0" g="0" b="0"/>
-      </a:lnRef>
-      <a:fillRef idx="1">
-        <a:scrgbClr r="0" g="0" b="0"/>
-      </a:fillRef>
-      <a:effectRef idx="0">
-        <a:scrgbClr r="0" g="0" b="0"/>
-      </a:effectRef>
-      <a:fontRef idx="minor">
-        <a:schemeClr val="lt1"/>
-      </a:fontRef>
-    </dgm:style>
-  </dgm:styleLbl>
-  <dgm:styleLbl name="parChTrans1D1">
-    <dgm:scene3d>
-      <a:camera prst="orthographicFront"/>
-      <a:lightRig rig="threePt" dir="t"/>
-    </dgm:scene3d>
-    <dgm:sp3d/>
-    <dgm:txPr/>
-    <dgm:style>
-      <a:lnRef idx="2">
-        <a:scrgbClr r="0" g="0" b="0"/>
-      </a:lnRef>
-      <a:fillRef idx="0">
-        <a:scrgbClr r="0" g="0" b="0"/>
-      </a:fillRef>
-      <a:effectRef idx="0">
-        <a:scrgbClr r="0" g="0" b="0"/>
-      </a:effectRef>
-      <a:fontRef idx="minor"/>
-    </dgm:style>
-  </dgm:styleLbl>
-  <dgm:styleLbl name="parChTrans1D2">
-    <dgm:scene3d>
-      <a:camera prst="orthographicFront"/>
-      <a:lightRig rig="threePt" dir="t"/>
-    </dgm:scene3d>
-    <dgm:sp3d/>
-    <dgm:txPr/>
-    <dgm:style>
-      <a:lnRef idx="2">
-        <a:scrgbClr r="0" g="0" b="0"/>
-      </a:lnRef>
-      <a:fillRef idx="0">
-        <a:scrgbClr r="0" g="0" b="0"/>
-      </a:fillRef>
-      <a:effectRef idx="0">
-        <a:scrgbClr r="0" g="0" b="0"/>
-      </a:effectRef>
-      <a:fontRef idx="minor"/>
-    </dgm:style>
-  </dgm:styleLbl>
-  <dgm:styleLbl name="parChTrans1D3">
-    <dgm:scene3d>
-      <a:camera prst="orthographicFront"/>
-      <a:lightRig rig="threePt" dir="t"/>
-    </dgm:scene3d>
-    <dgm:sp3d/>
-    <dgm:txPr/>
-    <dgm:style>
-      <a:lnRef idx="2">
-        <a:scrgbClr r="0" g="0" b="0"/>
-      </a:lnRef>
-      <a:fillRef idx="0">
-        <a:scrgbClr r="0" g="0" b="0"/>
-      </a:fillRef>
-      <a:effectRef idx="0">
-        <a:scrgbClr r="0" g="0" b="0"/>
-      </a:effectRef>
-      <a:fontRef idx="minor"/>
-    </dgm:style>
-  </dgm:styleLbl>
-  <dgm:styleLbl name="parChTrans1D4">
-    <dgm:scene3d>
-      <a:camera prst="orthographicFront"/>
-      <a:lightRig rig="threePt" dir="t"/>
-    </dgm:scene3d>
-    <dgm:sp3d/>
-    <dgm:txPr/>
-    <dgm:style>
-      <a:lnRef idx="2">
-        <a:scrgbClr r="0" g="0" b="0"/>
-      </a:lnRef>
-      <a:fillRef idx="0">
-        <a:scrgbClr r="0" g="0" b="0"/>
-      </a:fillRef>
-      <a:effectRef idx="0">
-        <a:scrgbClr r="0" g="0" b="0"/>
-      </a:effectRef>
-      <a:fontRef idx="minor"/>
-    </dgm:style>
-  </dgm:styleLbl>
-  <dgm:styleLbl name="fgAcc1">
-    <dgm:scene3d>
-      <a:camera prst="orthographicFront"/>
-      <a:lightRig rig="threePt" dir="t"/>
-    </dgm:scene3d>
-    <dgm:sp3d/>
-    <dgm:txPr/>
-    <dgm:style>
-      <a:lnRef idx="2">
-        <a:scrgbClr r="0" g="0" b="0"/>
-      </a:lnRef>
-      <a:fillRef idx="1">
-        <a:scrgbClr r="0" g="0" b="0"/>
-      </a:fillRef>
-      <a:effectRef idx="0">
-        <a:scrgbClr r="0" g="0" b="0"/>
-      </a:effectRef>
-      <a:fontRef idx="minor"/>
-    </dgm:style>
-  </dgm:styleLbl>
-  <dgm:styleLbl name="conFgAcc1">
-    <dgm:scene3d>
-      <a:camera prst="orthographicFront"/>
-      <a:lightRig rig="threePt" dir="t"/>
-    </dgm:scene3d>
-    <dgm:sp3d/>
-    <dgm:txPr/>
-    <dgm:style>
-      <a:lnRef idx="2">
-        <a:scrgbClr r="0" g="0" b="0"/>
-      </a:lnRef>
-      <a:fillRef idx="1">
-        <a:scrgbClr r="0" g="0" b="0"/>
-      </a:fillRef>
-      <a:effectRef idx="0">
-        <a:scrgbClr r="0" g="0" b="0"/>
-      </a:effectRef>
-      <a:fontRef idx="minor"/>
-    </dgm:style>
-  </dgm:styleLbl>
-  <dgm:styleLbl name="alignAcc1">
-    <dgm:scene3d>
-      <a:camera prst="orthographicFront"/>
-      <a:lightRig rig="threePt" dir="t"/>
-    </dgm:scene3d>
-    <dgm:sp3d/>
-    <dgm:txPr/>
-    <dgm:style>
-      <a:lnRef idx="2">
-        <a:scrgbClr r="0" g="0" b="0"/>
-      </a:lnRef>
-      <a:fillRef idx="1">
-        <a:scrgbClr r="0" g="0" b="0"/>
-      </a:fillRef>
-      <a:effectRef idx="0">
-        <a:scrgbClr r="0" g="0" b="0"/>
-      </a:effectRef>
-      <a:fontRef idx="minor"/>
-    </dgm:style>
-  </dgm:styleLbl>
-  <dgm:styleLbl name="trAlignAcc1">
-    <dgm:scene3d>
-      <a:camera prst="orthographicFront"/>
-      <a:lightRig rig="threePt" dir="t"/>
-    </dgm:scene3d>
-    <dgm:sp3d/>
-    <dgm:txPr/>
-    <dgm:style>
-      <a:lnRef idx="1">
-        <a:scrgbClr r="0" g="0" b="0"/>
-      </a:lnRef>
-      <a:fillRef idx="1">
-        <a:scrgbClr r="0" g="0" b="0"/>
-      </a:fillRef>
-      <a:effectRef idx="0">
-        <a:scrgbClr r="0" g="0" b="0"/>
-      </a:effectRef>
-      <a:fontRef idx="minor"/>
-    </dgm:style>
-  </dgm:styleLbl>
-  <dgm:styleLbl name="bgAcc1">
-    <dgm:scene3d>
-      <a:camera prst="orthographicFront"/>
-      <a:lightRig rig="threePt" dir="t"/>
-    </dgm:scene3d>
-    <dgm:sp3d/>
-    <dgm:txPr/>
-    <dgm:style>
-      <a:lnRef idx="2">
-        <a:scrgbClr r="0" g="0" b="0"/>
-      </a:lnRef>
-      <a:fillRef idx="1">
-        <a:scrgbClr r="0" g="0" b="0"/>
-      </a:fillRef>
-      <a:effectRef idx="0">
-        <a:scrgbClr r="0" g="0" b="0"/>
-      </a:effectRef>
-      <a:fontRef idx="minor"/>
-    </dgm:style>
-  </dgm:styleLbl>
-  <dgm:styleLbl name="solidFgAcc1">
-    <dgm:scene3d>
-      <a:camera prst="orthographicFront"/>
-      <a:lightRig rig="threePt" dir="t"/>
-    </dgm:scene3d>
-    <dgm:sp3d/>
-    <dgm:txPr/>
-    <dgm:style>
-      <a:lnRef idx="2">
-        <a:scrgbClr r="0" g="0" b="0"/>
-      </a:lnRef>
-      <a:fillRef idx="1">
-        <a:scrgbClr r="0" g="0" b="0"/>
-      </a:fillRef>
-      <a:effectRef idx="0">
-        <a:scrgbClr r="0" g="0" b="0"/>
-      </a:effectRef>
-      <a:fontRef idx="minor"/>
-    </dgm:style>
-  </dgm:styleLbl>
-  <dgm:styleLbl name="solidAlignAcc1">
-    <dgm:scene3d>
-      <a:camera prst="orthographicFront"/>
-      <a:lightRig rig="threePt" dir="t"/>
-    </dgm:scene3d>
-    <dgm:sp3d/>
-    <dgm:txPr/>
-    <dgm:style>
-      <a:lnRef idx="2">
-        <a:scrgbClr r="0" g="0" b="0"/>
-      </a:lnRef>
-      <a:fillRef idx="1">
-        <a:scrgbClr r="0" g="0" b="0"/>
-      </a:fillRef>
-      <a:effectRef idx="0">
-        <a:scrgbClr r="0" g="0" b="0"/>
-      </a:effectRef>
-      <a:fontRef idx="minor"/>
-    </dgm:style>
-  </dgm:styleLbl>
-  <dgm:styleLbl name="solidBgAcc1">
-    <dgm:scene3d>
-      <a:camera prst="orthographicFront"/>
-      <a:lightRig rig="threePt" dir="t"/>
-    </dgm:scene3d>
-    <dgm:sp3d/>
-    <dgm:txPr/>
-    <dgm:style>
-      <a:lnRef idx="2">
-        <a:scrgbClr r="0" g="0" b="0"/>
-      </a:lnRef>
-      <a:fillRef idx="1">
-        <a:scrgbClr r="0" g="0" b="0"/>
-      </a:fillRef>
-      <a:effectRef idx="0">
-        <a:scrgbClr r="0" g="0" b="0"/>
-      </a:effectRef>
-      <a:fontRef idx="minor"/>
-    </dgm:style>
-  </dgm:styleLbl>
-  <dgm:styleLbl name="fgAccFollowNode1">
-    <dgm:scene3d>
-      <a:camera prst="orthographicFront"/>
-      <a:lightRig rig="threePt" dir="t"/>
-    </dgm:scene3d>
-    <dgm:sp3d/>
-    <dgm:txPr/>
-    <dgm:style>
-      <a:lnRef idx="2">
-        <a:scrgbClr r="0" g="0" b="0"/>
-      </a:lnRef>
-      <a:fillRef idx="1">
-        <a:scrgbClr r="0" g="0" b="0"/>
-      </a:fillRef>
-      <a:effectRef idx="0">
-        <a:scrgbClr r="0" g="0" b="0"/>
-      </a:effectRef>
-      <a:fontRef idx="minor"/>
-    </dgm:style>
-  </dgm:styleLbl>
-  <dgm:styleLbl name="alignAccFollowNode1">
-    <dgm:scene3d>
-      <a:camera prst="orthographicFront"/>
-      <a:lightRig rig="threePt" dir="t"/>
-    </dgm:scene3d>
-    <dgm:sp3d/>
-    <dgm:txPr/>
-    <dgm:style>
-      <a:lnRef idx="2">
-        <a:scrgbClr r="0" g="0" b="0"/>
-      </a:lnRef>
-      <a:fillRef idx="1">
-        <a:scrgbClr r="0" g="0" b="0"/>
-      </a:fillRef>
-      <a:effectRef idx="0">
-        <a:scrgbClr r="0" g="0" b="0"/>
-      </a:effectRef>
-      <a:fontRef idx="minor"/>
-    </dgm:style>
-  </dgm:styleLbl>
-  <dgm:styleLbl name="bgAccFollowNode1">
-    <dgm:scene3d>
-      <a:camera prst="orthographicFront"/>
-      <a:lightRig rig="threePt" dir="t"/>
-    </dgm:scene3d>
-    <dgm:sp3d/>
-    <dgm:txPr/>
-    <dgm:style>
-      <a:lnRef idx="2">
-        <a:scrgbClr r="0" g="0" b="0"/>
-      </a:lnRef>
-      <a:fillRef idx="1">
-        <a:scrgbClr r="0" g="0" b="0"/>
-      </a:fillRef>
-      <a:effectRef idx="0">
-        <a:scrgbClr r="0" g="0" b="0"/>
-      </a:effectRef>
-      <a:fontRef idx="minor"/>
-    </dgm:style>
-  </dgm:styleLbl>
-  <dgm:styleLbl name="fgAcc0">
-    <dgm:scene3d>
-      <a:camera prst="orthographicFront"/>
-      <a:lightRig rig="threePt" dir="t"/>
-    </dgm:scene3d>
-    <dgm:sp3d/>
-    <dgm:txPr/>
-    <dgm:style>
-      <a:lnRef idx="2">
-        <a:scrgbClr r="0" g="0" b="0"/>
-      </a:lnRef>
-      <a:fillRef idx="1">
-        <a:scrgbClr r="0" g="0" b="0"/>
-      </a:fillRef>
-      <a:effectRef idx="0">
-        <a:scrgbClr r="0" g="0" b="0"/>
-      </a:effectRef>
-      <a:fontRef idx="minor"/>
-    </dgm:style>
-  </dgm:styleLbl>
-  <dgm:styleLbl name="fgAcc2">
-    <dgm:scene3d>
-      <a:camera prst="orthographicFront"/>
-      <a:lightRig rig="threePt" dir="t"/>
-    </dgm:scene3d>
-    <dgm:sp3d/>
-    <dgm:txPr/>
-    <dgm:style>
-      <a:lnRef idx="2">
-        <a:scrgbClr r="0" g="0" b="0"/>
-      </a:lnRef>
-      <a:fillRef idx="1">
-        <a:scrgbClr r="0" g="0" b="0"/>
-      </a:fillRef>
-      <a:effectRef idx="0">
-        <a:scrgbClr r="0" g="0" b="0"/>
-      </a:effectRef>
-      <a:fontRef idx="minor"/>
-    </dgm:style>
-  </dgm:styleLbl>
-  <dgm:styleLbl name="fgAcc3">
-    <dgm:scene3d>
-      <a:camera prst="orthographicFront"/>
-      <a:lightRig rig="threePt" dir="t"/>
-    </dgm:scene3d>
-    <dgm:sp3d/>
-    <dgm:txPr/>
-    <dgm:style>
-      <a:lnRef idx="2">
-        <a:scrgbClr r="0" g="0" b="0"/>
-      </a:lnRef>
-      <a:fillRef idx="1">
-        <a:scrgbClr r="0" g="0" b="0"/>
-      </a:fillRef>
-      <a:effectRef idx="0">
-        <a:scrgbClr r="0" g="0" b="0"/>
-      </a:effectRef>
-      <a:fontRef idx="minor"/>
-    </dgm:style>
-  </dgm:styleLbl>
-  <dgm:styleLbl name="fgAcc4">
-    <dgm:scene3d>
-      <a:camera prst="orthographicFront"/>
-      <a:lightRig rig="threePt" dir="t"/>
-    </dgm:scene3d>
-    <dgm:sp3d/>
-    <dgm:txPr/>
-    <dgm:style>
-      <a:lnRef idx="2">
-        <a:scrgbClr r="0" g="0" b="0"/>
-      </a:lnRef>
-      <a:fillRef idx="1">
-        <a:scrgbClr r="0" g="0" b="0"/>
-      </a:fillRef>
-      <a:effectRef idx="0">
-        <a:scrgbClr r="0" g="0" b="0"/>
-      </a:effectRef>
-      <a:fontRef idx="minor"/>
-    </dgm:style>
-  </dgm:styleLbl>
-  <dgm:styleLbl name="bgShp">
-    <dgm:scene3d>
-      <a:camera prst="orthographicFront"/>
-      <a:lightRig rig="threePt" dir="t"/>
-    </dgm:scene3d>
-    <dgm:sp3d/>
-    <dgm:txPr/>
-    <dgm:style>
-      <a:lnRef idx="0">
-        <a:scrgbClr r="0" g="0" b="0"/>
-      </a:lnRef>
-      <a:fillRef idx="1">
-        <a:scrgbClr r="0" g="0" b="0"/>
-      </a:fillRef>
-      <a:effectRef idx="0">
-        <a:scrgbClr r="0" g="0" b="0"/>
-      </a:effectRef>
-      <a:fontRef idx="minor"/>
-    </dgm:style>
-  </dgm:styleLbl>
-  <dgm:styleLbl name="dkBgShp">
-    <dgm:scene3d>
-      <a:camera prst="orthographicFront"/>
-      <a:lightRig rig="threePt" dir="t"/>
-    </dgm:scene3d>
-    <dgm:sp3d/>
-    <dgm:txPr/>
-    <dgm:style>
-      <a:lnRef idx="0">
-        <a:scrgbClr r="0" g="0" b="0"/>
-      </a:lnRef>
-      <a:fillRef idx="1">
-        <a:scrgbClr r="0" g="0" b="0"/>
-      </a:fillRef>
-      <a:effectRef idx="0">
-        <a:scrgbClr r="0" g="0" b="0"/>
-      </a:effectRef>
-      <a:fontRef idx="minor"/>
-    </dgm:style>
-  </dgm:styleLbl>
-  <dgm:styleLbl name="trBgShp">
-    <dgm:scene3d>
-      <a:camera prst="orthographicFront"/>
-      <a:lightRig rig="threePt" dir="t"/>
-    </dgm:scene3d>
-    <dgm:sp3d/>
-    <dgm:txPr/>
-    <dgm:style>
-      <a:lnRef idx="0">
-        <a:scrgbClr r="0" g="0" b="0"/>
-      </a:lnRef>
-      <a:fillRef idx="1">
-        <a:scrgbClr r="0" g="0" b="0"/>
-      </a:fillRef>
-      <a:effectRef idx="0">
-        <a:scrgbClr r="0" g="0" b="0"/>
-      </a:effectRef>
-      <a:fontRef idx="minor"/>
-    </dgm:style>
-  </dgm:styleLbl>
-  <dgm:styleLbl name="fgShp">
-    <dgm:scene3d>
-      <a:camera prst="orthographicFront"/>
-      <a:lightRig rig="threePt" dir="t"/>
-    </dgm:scene3d>
-    <dgm:sp3d/>
-    <dgm:txPr/>
-    <dgm:style>
-      <a:lnRef idx="2">
-        <a:scrgbClr r="0" g="0" b="0"/>
-      </a:lnRef>
-      <a:fillRef idx="1">
-        <a:scrgbClr r="0" g="0" b="0"/>
-      </a:fillRef>
-      <a:effectRef idx="0">
-        <a:scrgbClr r="0" g="0" b="0"/>
-      </a:effectRef>
-      <a:fontRef idx="minor"/>
-    </dgm:style>
-  </dgm:styleLbl>
-  <dgm:styleLbl name="revTx">
-    <dgm:scene3d>
-      <a:camera prst="orthographicFront"/>
-      <a:lightRig rig="threePt" dir="t"/>
-    </dgm:scene3d>
-    <dgm:sp3d/>
-    <dgm:txPr/>
-    <dgm:style>
-      <a:lnRef idx="0">
-        <a:scrgbClr r="0" g="0" b="0"/>
-      </a:lnRef>
-      <a:fillRef idx="0">
-        <a:scrgbClr r="0" g="0" b="0"/>
-      </a:fillRef>
-      <a:effectRef idx="0">
-        <a:scrgbClr r="0" g="0" b="0"/>
-      </a:effectRef>
-      <a:fontRef idx="minor"/>
-    </dgm:style>
-  </dgm:styleLbl>
-</dgm:styleDef>
 </file>
 
 <file path=ppt/handoutMasters/handoutMaster1.xml><?xml version="1.0" encoding="utf-8"?>
@@ -12404,7 +8755,7 @@
         <p:spPr>
           <a:xfrm>
             <a:off x="1527050" y="1121700"/>
-            <a:ext cx="9144000" cy="2387600"/>
+            <a:ext cx="9144000" cy="1240500"/>
           </a:xfrm>
         </p:spPr>
         <p:txBody>
@@ -12413,7 +8764,7 @@
           <a:p>
             <a:r>
               <a:rPr lang="en-US" dirty="0"/>
-              <a:t>Modern JavaScript Tutorial</a:t>
+              <a:t>Expressions &amp; Operators</a:t>
             </a:r>
           </a:p>
         </p:txBody>
@@ -12584,10 +8935,10 @@
       </p:sp>
       <p:pic>
         <p:nvPicPr>
-          <p:cNvPr id="3" name="Picture 2">
-            <a:extLst>
-              <a:ext uri="{FF2B5EF4-FFF2-40B4-BE49-F238E27FC236}">
-                <a16:creationId xmlns:a16="http://schemas.microsoft.com/office/drawing/2014/main" id="{88B35E80-A91B-4AA9-B6AE-BFB641AA5A8F}"/>
+          <p:cNvPr id="6" name="Picture 5">
+            <a:extLst>
+              <a:ext uri="{FF2B5EF4-FFF2-40B4-BE49-F238E27FC236}">
+                <a16:creationId xmlns:a16="http://schemas.microsoft.com/office/drawing/2014/main" id="{E04540EF-CAC4-4645-8C6F-B0F6375B3246}"/>
               </a:ext>
             </a:extLst>
           </p:cNvPr>
@@ -12604,8 +8955,8 @@
         </p:blipFill>
         <p:spPr>
           <a:xfrm>
-            <a:off x="1966912" y="1057275"/>
-            <a:ext cx="8258175" cy="4743450"/>
+            <a:off x="2243137" y="1014412"/>
+            <a:ext cx="7705725" cy="4829175"/>
           </a:xfrm>
           <a:prstGeom prst="rect">
             <a:avLst/>
@@ -12615,7 +8966,7 @@
     </p:spTree>
     <p:extLst>
       <p:ext uri="{BB962C8B-B14F-4D97-AF65-F5344CB8AC3E}">
-        <p14:creationId xmlns:p14="http://schemas.microsoft.com/office/powerpoint/2010/main" val="1361617540"/>
+        <p14:creationId xmlns:p14="http://schemas.microsoft.com/office/powerpoint/2010/main" val="1847805874"/>
       </p:ext>
     </p:extLst>
   </p:cSld>
@@ -12745,10 +9096,10 @@
       </p:sp>
       <p:pic>
         <p:nvPicPr>
-          <p:cNvPr id="5" name="Picture 4">
-            <a:extLst>
-              <a:ext uri="{FF2B5EF4-FFF2-40B4-BE49-F238E27FC236}">
-                <a16:creationId xmlns:a16="http://schemas.microsoft.com/office/drawing/2014/main" id="{8690B2CB-D91D-4C4F-91D9-1648A89BD403}"/>
+          <p:cNvPr id="6" name="Picture 5">
+            <a:extLst>
+              <a:ext uri="{FF2B5EF4-FFF2-40B4-BE49-F238E27FC236}">
+                <a16:creationId xmlns:a16="http://schemas.microsoft.com/office/drawing/2014/main" id="{D62A5FCF-F822-40BB-9015-AC0592BEE710}"/>
               </a:ext>
             </a:extLst>
           </p:cNvPr>
@@ -12765,8 +9116,8 @@
         </p:blipFill>
         <p:spPr>
           <a:xfrm>
-            <a:off x="1681162" y="1609725"/>
-            <a:ext cx="8829675" cy="3638550"/>
+            <a:off x="2128837" y="523875"/>
+            <a:ext cx="7934325" cy="5810250"/>
           </a:xfrm>
           <a:prstGeom prst="rect">
             <a:avLst/>
@@ -12776,7 +9127,7 @@
     </p:spTree>
     <p:extLst>
       <p:ext uri="{BB962C8B-B14F-4D97-AF65-F5344CB8AC3E}">
-        <p14:creationId xmlns:p14="http://schemas.microsoft.com/office/powerpoint/2010/main" val="787715708"/>
+        <p14:creationId xmlns:p14="http://schemas.microsoft.com/office/powerpoint/2010/main" val="127767160"/>
       </p:ext>
     </p:extLst>
   </p:cSld>
@@ -12906,10 +9257,10 @@
       </p:sp>
       <p:pic>
         <p:nvPicPr>
-          <p:cNvPr id="4" name="Picture 3">
-            <a:extLst>
-              <a:ext uri="{FF2B5EF4-FFF2-40B4-BE49-F238E27FC236}">
-                <a16:creationId xmlns:a16="http://schemas.microsoft.com/office/drawing/2014/main" id="{60A86DAD-C47C-43E2-8E9C-E63C27C8AECD}"/>
+          <p:cNvPr id="13" name="Picture 12">
+            <a:extLst>
+              <a:ext uri="{FF2B5EF4-FFF2-40B4-BE49-F238E27FC236}">
+                <a16:creationId xmlns:a16="http://schemas.microsoft.com/office/drawing/2014/main" id="{39955FFF-EF90-4880-BFF7-2E08B608C132}"/>
               </a:ext>
             </a:extLst>
           </p:cNvPr>
@@ -12926,8 +9277,8 @@
         </p:blipFill>
         <p:spPr>
           <a:xfrm>
-            <a:off x="1714500" y="1776412"/>
-            <a:ext cx="8763000" cy="3305175"/>
+            <a:off x="2152650" y="738187"/>
+            <a:ext cx="7886700" cy="5381625"/>
           </a:xfrm>
           <a:prstGeom prst="rect">
             <a:avLst/>
@@ -12937,7 +9288,7 @@
     </p:spTree>
     <p:extLst>
       <p:ext uri="{BB962C8B-B14F-4D97-AF65-F5344CB8AC3E}">
-        <p14:creationId xmlns:p14="http://schemas.microsoft.com/office/powerpoint/2010/main" val="1847805874"/>
+        <p14:creationId xmlns:p14="http://schemas.microsoft.com/office/powerpoint/2010/main" val="3779860162"/>
       </p:ext>
     </p:extLst>
   </p:cSld>
@@ -13067,10 +9418,10 @@
       </p:sp>
       <p:pic>
         <p:nvPicPr>
-          <p:cNvPr id="4" name="Picture 3">
-            <a:extLst>
-              <a:ext uri="{FF2B5EF4-FFF2-40B4-BE49-F238E27FC236}">
-                <a16:creationId xmlns:a16="http://schemas.microsoft.com/office/drawing/2014/main" id="{11E64AE1-4E08-41FB-A453-6EB949A723DE}"/>
+          <p:cNvPr id="15" name="Picture 14">
+            <a:extLst>
+              <a:ext uri="{FF2B5EF4-FFF2-40B4-BE49-F238E27FC236}">
+                <a16:creationId xmlns:a16="http://schemas.microsoft.com/office/drawing/2014/main" id="{B0447A2E-DB15-43BE-9A7B-F1535CC382AB}"/>
               </a:ext>
             </a:extLst>
           </p:cNvPr>
@@ -13087,8 +9438,8 @@
         </p:blipFill>
         <p:spPr>
           <a:xfrm>
-            <a:off x="1771650" y="919162"/>
-            <a:ext cx="8648700" cy="5019675"/>
+            <a:off x="2236639" y="63500"/>
+            <a:ext cx="7718721" cy="6655352"/>
           </a:xfrm>
           <a:prstGeom prst="rect">
             <a:avLst/>
@@ -13098,7 +9449,7 @@
     </p:spTree>
     <p:extLst>
       <p:ext uri="{BB962C8B-B14F-4D97-AF65-F5344CB8AC3E}">
-        <p14:creationId xmlns:p14="http://schemas.microsoft.com/office/powerpoint/2010/main" val="127767160"/>
+        <p14:creationId xmlns:p14="http://schemas.microsoft.com/office/powerpoint/2010/main" val="3091340210"/>
       </p:ext>
     </p:extLst>
   </p:cSld>
@@ -13228,10 +9579,10 @@
       </p:sp>
       <p:pic>
         <p:nvPicPr>
-          <p:cNvPr id="4" name="Picture 3">
-            <a:extLst>
-              <a:ext uri="{FF2B5EF4-FFF2-40B4-BE49-F238E27FC236}">
-                <a16:creationId xmlns:a16="http://schemas.microsoft.com/office/drawing/2014/main" id="{C27D8ECD-2060-4C4A-BB71-FBBDE14F5B09}"/>
+          <p:cNvPr id="6" name="Picture 5">
+            <a:extLst>
+              <a:ext uri="{FF2B5EF4-FFF2-40B4-BE49-F238E27FC236}">
+                <a16:creationId xmlns:a16="http://schemas.microsoft.com/office/drawing/2014/main" id="{DA8DF043-AF37-4C07-9486-A4CB4B87AE03}"/>
               </a:ext>
             </a:extLst>
           </p:cNvPr>
@@ -13248,8 +9599,8 @@
         </p:blipFill>
         <p:spPr>
           <a:xfrm>
-            <a:off x="666750" y="527367"/>
-            <a:ext cx="8119815" cy="4511993"/>
+            <a:off x="2286000" y="1104900"/>
+            <a:ext cx="7620000" cy="4648200"/>
           </a:xfrm>
           <a:prstGeom prst="rect">
             <a:avLst/>
@@ -13259,7 +9610,7 @@
     </p:spTree>
     <p:extLst>
       <p:ext uri="{BB962C8B-B14F-4D97-AF65-F5344CB8AC3E}">
-        <p14:creationId xmlns:p14="http://schemas.microsoft.com/office/powerpoint/2010/main" val="3779860162"/>
+        <p14:creationId xmlns:p14="http://schemas.microsoft.com/office/powerpoint/2010/main" val="3966344760"/>
       </p:ext>
     </p:extLst>
   </p:cSld>
@@ -13392,7 +9743,7 @@
           <p:cNvPr id="6" name="Picture 5">
             <a:extLst>
               <a:ext uri="{FF2B5EF4-FFF2-40B4-BE49-F238E27FC236}">
-                <a16:creationId xmlns:a16="http://schemas.microsoft.com/office/drawing/2014/main" id="{E6083CBB-6A62-4FD5-8753-77C157C3372D}"/>
+                <a16:creationId xmlns:a16="http://schemas.microsoft.com/office/drawing/2014/main" id="{67F71913-530E-4B7E-ADF8-E3E708F26679}"/>
               </a:ext>
             </a:extLst>
           </p:cNvPr>
@@ -13409,38 +9760,8 @@
         </p:blipFill>
         <p:spPr>
           <a:xfrm>
-            <a:off x="533400" y="566737"/>
-            <a:ext cx="3048000" cy="695325"/>
-          </a:xfrm>
-          <a:prstGeom prst="rect">
-            <a:avLst/>
-          </a:prstGeom>
-        </p:spPr>
-      </p:pic>
-      <p:pic>
-        <p:nvPicPr>
-          <p:cNvPr id="11" name="Picture 10">
-            <a:extLst>
-              <a:ext uri="{FF2B5EF4-FFF2-40B4-BE49-F238E27FC236}">
-                <a16:creationId xmlns:a16="http://schemas.microsoft.com/office/drawing/2014/main" id="{4AB9EB5A-B329-46A8-9E4D-2D30F33877D2}"/>
-              </a:ext>
-            </a:extLst>
-          </p:cNvPr>
-          <p:cNvPicPr>
-            <a:picLocks noChangeAspect="1"/>
-          </p:cNvPicPr>
-          <p:nvPr/>
-        </p:nvPicPr>
-        <p:blipFill>
-          <a:blip r:embed="rId3"/>
-          <a:stretch>
-            <a:fillRect/>
-          </a:stretch>
-        </p:blipFill>
-        <p:spPr>
-          <a:xfrm>
-            <a:off x="533400" y="1262062"/>
-            <a:ext cx="7962900" cy="1638300"/>
+            <a:off x="2257425" y="1047750"/>
+            <a:ext cx="7677150" cy="4762500"/>
           </a:xfrm>
           <a:prstGeom prst="rect">
             <a:avLst/>
@@ -13450,7 +9771,7 @@
     </p:spTree>
     <p:extLst>
       <p:ext uri="{BB962C8B-B14F-4D97-AF65-F5344CB8AC3E}">
-        <p14:creationId xmlns:p14="http://schemas.microsoft.com/office/powerpoint/2010/main" val="3091340210"/>
+        <p14:creationId xmlns:p14="http://schemas.microsoft.com/office/powerpoint/2010/main" val="1828048922"/>
       </p:ext>
     </p:extLst>
   </p:cSld>
@@ -13580,10 +9901,10 @@
       </p:sp>
       <p:pic>
         <p:nvPicPr>
-          <p:cNvPr id="3" name="Picture 2">
-            <a:extLst>
-              <a:ext uri="{FF2B5EF4-FFF2-40B4-BE49-F238E27FC236}">
-                <a16:creationId xmlns:a16="http://schemas.microsoft.com/office/drawing/2014/main" id="{46ED0644-1368-445B-9123-4536AD653703}"/>
+          <p:cNvPr id="6" name="Picture 5">
+            <a:extLst>
+              <a:ext uri="{FF2B5EF4-FFF2-40B4-BE49-F238E27FC236}">
+                <a16:creationId xmlns:a16="http://schemas.microsoft.com/office/drawing/2014/main" id="{83C206B6-CDB0-4F8D-B051-EF89F4A5BAD5}"/>
               </a:ext>
             </a:extLst>
           </p:cNvPr>
@@ -13600,8 +9921,8 @@
         </p:blipFill>
         <p:spPr>
           <a:xfrm>
-            <a:off x="2219325" y="952500"/>
-            <a:ext cx="7753350" cy="4953000"/>
+            <a:off x="2252662" y="1090612"/>
+            <a:ext cx="7686675" cy="4676775"/>
           </a:xfrm>
           <a:prstGeom prst="rect">
             <a:avLst/>
@@ -13611,7 +9932,7 @@
     </p:spTree>
     <p:extLst>
       <p:ext uri="{BB962C8B-B14F-4D97-AF65-F5344CB8AC3E}">
-        <p14:creationId xmlns:p14="http://schemas.microsoft.com/office/powerpoint/2010/main" val="3966344760"/>
+        <p14:creationId xmlns:p14="http://schemas.microsoft.com/office/powerpoint/2010/main" val="35517349"/>
       </p:ext>
     </p:extLst>
   </p:cSld>
@@ -13741,10 +10062,10 @@
       </p:sp>
       <p:pic>
         <p:nvPicPr>
-          <p:cNvPr id="3" name="Picture 2">
-            <a:extLst>
-              <a:ext uri="{FF2B5EF4-FFF2-40B4-BE49-F238E27FC236}">
-                <a16:creationId xmlns:a16="http://schemas.microsoft.com/office/drawing/2014/main" id="{55843F9D-FE1B-4212-8DC5-493C4DBA09B7}"/>
+          <p:cNvPr id="6" name="Picture 5">
+            <a:extLst>
+              <a:ext uri="{FF2B5EF4-FFF2-40B4-BE49-F238E27FC236}">
+                <a16:creationId xmlns:a16="http://schemas.microsoft.com/office/drawing/2014/main" id="{E261DF05-CD30-4D3A-A70C-DCC9EEA18E4E}"/>
               </a:ext>
             </a:extLst>
           </p:cNvPr>
@@ -13761,8 +10082,8 @@
         </p:blipFill>
         <p:spPr>
           <a:xfrm>
-            <a:off x="2943225" y="1747837"/>
-            <a:ext cx="6153150" cy="2352675"/>
+            <a:off x="2286000" y="804862"/>
+            <a:ext cx="7620000" cy="5248275"/>
           </a:xfrm>
           <a:prstGeom prst="rect">
             <a:avLst/>
@@ -13772,7 +10093,7 @@
     </p:spTree>
     <p:extLst>
       <p:ext uri="{BB962C8B-B14F-4D97-AF65-F5344CB8AC3E}">
-        <p14:creationId xmlns:p14="http://schemas.microsoft.com/office/powerpoint/2010/main" val="1828048922"/>
+        <p14:creationId xmlns:p14="http://schemas.microsoft.com/office/powerpoint/2010/main" val="3770025233"/>
       </p:ext>
     </p:extLst>
   </p:cSld>
@@ -13902,10 +10223,10 @@
       </p:sp>
       <p:pic>
         <p:nvPicPr>
-          <p:cNvPr id="3" name="Picture 2">
-            <a:extLst>
-              <a:ext uri="{FF2B5EF4-FFF2-40B4-BE49-F238E27FC236}">
-                <a16:creationId xmlns:a16="http://schemas.microsoft.com/office/drawing/2014/main" id="{0275011C-7FC6-4850-8D92-527D7E1145A9}"/>
+          <p:cNvPr id="15" name="Picture 14">
+            <a:extLst>
+              <a:ext uri="{FF2B5EF4-FFF2-40B4-BE49-F238E27FC236}">
+                <a16:creationId xmlns:a16="http://schemas.microsoft.com/office/drawing/2014/main" id="{E2999A4D-0CDF-4B0A-A3E5-62C634F0C5D0}"/>
               </a:ext>
             </a:extLst>
           </p:cNvPr>
@@ -13922,8 +10243,8 @@
         </p:blipFill>
         <p:spPr>
           <a:xfrm>
-            <a:off x="3281362" y="1543050"/>
-            <a:ext cx="5629275" cy="3771900"/>
+            <a:off x="2228850" y="809625"/>
+            <a:ext cx="7734300" cy="5238750"/>
           </a:xfrm>
           <a:prstGeom prst="rect">
             <a:avLst/>
@@ -13933,7 +10254,7 @@
     </p:spTree>
     <p:extLst>
       <p:ext uri="{BB962C8B-B14F-4D97-AF65-F5344CB8AC3E}">
-        <p14:creationId xmlns:p14="http://schemas.microsoft.com/office/powerpoint/2010/main" val="35517349"/>
+        <p14:creationId xmlns:p14="http://schemas.microsoft.com/office/powerpoint/2010/main" val="2131348166"/>
       </p:ext>
     </p:extLst>
   </p:cSld>
@@ -14063,10 +10384,10 @@
       </p:sp>
       <p:pic>
         <p:nvPicPr>
-          <p:cNvPr id="3" name="Picture 2">
-            <a:extLst>
-              <a:ext uri="{FF2B5EF4-FFF2-40B4-BE49-F238E27FC236}">
-                <a16:creationId xmlns:a16="http://schemas.microsoft.com/office/drawing/2014/main" id="{428E1B73-FE7B-4CA5-BCA8-26FC92D64DAB}"/>
+          <p:cNvPr id="5" name="Picture 4">
+            <a:extLst>
+              <a:ext uri="{FF2B5EF4-FFF2-40B4-BE49-F238E27FC236}">
+                <a16:creationId xmlns:a16="http://schemas.microsoft.com/office/drawing/2014/main" id="{A7FC95AD-9A81-4385-889D-35A54FAB1357}"/>
               </a:ext>
             </a:extLst>
           </p:cNvPr>
@@ -14083,8 +10404,8 @@
         </p:blipFill>
         <p:spPr>
           <a:xfrm>
-            <a:off x="3671887" y="1252537"/>
-            <a:ext cx="4848225" cy="4352925"/>
+            <a:off x="2262187" y="814387"/>
+            <a:ext cx="7667625" cy="5229225"/>
           </a:xfrm>
           <a:prstGeom prst="rect">
             <a:avLst/>
@@ -14094,7 +10415,7 @@
     </p:spTree>
     <p:extLst>
       <p:ext uri="{BB962C8B-B14F-4D97-AF65-F5344CB8AC3E}">
-        <p14:creationId xmlns:p14="http://schemas.microsoft.com/office/powerpoint/2010/main" val="3770025233"/>
+        <p14:creationId xmlns:p14="http://schemas.microsoft.com/office/powerpoint/2010/main" val="590088596"/>
       </p:ext>
     </p:extLst>
   </p:cSld>
@@ -14121,170 +10442,100 @@
           <a:chExt cx="0" cy="0"/>
         </a:xfrm>
       </p:grpSpPr>
-      <p:sp>
-        <p:nvSpPr>
-          <p:cNvPr id="2" name="Title 1">
-            <a:extLst>
-              <a:ext uri="{FF2B5EF4-FFF2-40B4-BE49-F238E27FC236}">
-                <a16:creationId xmlns:a16="http://schemas.microsoft.com/office/drawing/2014/main" id="{07957686-487A-4245-814E-58B1C25C675C}"/>
-              </a:ext>
-            </a:extLst>
-          </p:cNvPr>
-          <p:cNvSpPr>
-            <a:spLocks noGrp="1"/>
-          </p:cNvSpPr>
-          <p:nvPr>
-            <p:ph type="title"/>
-          </p:nvPr>
-        </p:nvSpPr>
-        <p:spPr>
-          <a:xfrm>
-            <a:off x="838200" y="914399"/>
-            <a:ext cx="5992550" cy="2827422"/>
-          </a:xfrm>
-        </p:spPr>
-        <p:txBody>
-          <a:bodyPr/>
-          <a:lstStyle/>
-          <a:p>
-            <a:r>
-              <a:rPr lang="en-US" dirty="0"/>
-              <a:t>Agenda</a:t>
-            </a:r>
-          </a:p>
-        </p:txBody>
-      </p:sp>
-      <p:graphicFrame>
-        <p:nvGraphicFramePr>
-          <p:cNvPr id="20" name="Content Placeholder 2">
-            <a:extLst>
-              <a:ext uri="{FF2B5EF4-FFF2-40B4-BE49-F238E27FC236}">
-                <a16:creationId xmlns:a16="http://schemas.microsoft.com/office/drawing/2014/main" id="{7968A215-B6B7-C3E9-D3EC-BCEC321A6EEE}"/>
-              </a:ext>
-            </a:extLst>
-          </p:cNvPr>
-          <p:cNvGraphicFramePr>
-            <a:graphicFrameLocks noGrp="1"/>
-          </p:cNvGraphicFramePr>
-          <p:nvPr>
-            <p:ph idx="1"/>
-          </p:nvPr>
-        </p:nvGraphicFramePr>
-        <p:xfrm>
-          <a:off x="6976085" y="914400"/>
-          <a:ext cx="4377714" cy="5295900"/>
-        </p:xfrm>
-        <a:graphic>
-          <a:graphicData uri="http://schemas.openxmlformats.org/drawingml/2006/diagram">
-            <dgm:relIds xmlns:dgm="http://schemas.openxmlformats.org/drawingml/2006/diagram" xmlns:r="http://schemas.openxmlformats.org/officeDocument/2006/relationships" r:dm="rId2" r:lo="rId3" r:qs="rId4" r:cs="rId5"/>
-          </a:graphicData>
-        </a:graphic>
-      </p:graphicFrame>
-      <p:sp>
-        <p:nvSpPr>
-          <p:cNvPr id="16" name="Date Placeholder 15">
-            <a:extLst>
-              <a:ext uri="{FF2B5EF4-FFF2-40B4-BE49-F238E27FC236}">
-                <a16:creationId xmlns:a16="http://schemas.microsoft.com/office/drawing/2014/main" id="{7FFBE36B-5CC8-44EE-801B-6159157B5328}"/>
-              </a:ext>
-            </a:extLst>
-          </p:cNvPr>
-          <p:cNvSpPr>
-            <a:spLocks noGrp="1"/>
-          </p:cNvSpPr>
-          <p:nvPr>
-            <p:ph type="dt" sz="half" idx="10"/>
-          </p:nvPr>
-        </p:nvSpPr>
-        <p:spPr>
-          <a:xfrm>
-            <a:off x="838200" y="6429375"/>
-            <a:ext cx="2743200" cy="365125"/>
-          </a:xfrm>
-        </p:spPr>
-        <p:txBody>
-          <a:bodyPr/>
-          <a:lstStyle/>
-          <a:p>
-            <a:r>
-              <a:rPr lang="en-US"/>
-              <a:t>3/1/20XX</a:t>
-            </a:r>
-          </a:p>
-        </p:txBody>
-      </p:sp>
-      <p:sp>
-        <p:nvSpPr>
-          <p:cNvPr id="17" name="Footer Placeholder 16">
-            <a:extLst>
-              <a:ext uri="{FF2B5EF4-FFF2-40B4-BE49-F238E27FC236}">
-                <a16:creationId xmlns:a16="http://schemas.microsoft.com/office/drawing/2014/main" id="{FF014D18-B223-4ED4-BCCA-1E4C38285697}"/>
-              </a:ext>
-            </a:extLst>
-          </p:cNvPr>
-          <p:cNvSpPr>
-            <a:spLocks noGrp="1"/>
-          </p:cNvSpPr>
-          <p:nvPr>
-            <p:ph type="ftr" sz="quarter" idx="11"/>
-          </p:nvPr>
-        </p:nvSpPr>
-        <p:spPr>
-          <a:xfrm>
-            <a:off x="4038600" y="6429375"/>
-            <a:ext cx="4114800" cy="365125"/>
-          </a:xfrm>
-        </p:spPr>
-        <p:txBody>
-          <a:bodyPr/>
-          <a:lstStyle/>
-          <a:p>
-            <a:r>
-              <a:rPr lang="en-US"/>
-              <a:t>SAMPLE FOOTER TEXT</a:t>
-            </a:r>
-          </a:p>
-        </p:txBody>
-      </p:sp>
-      <p:sp>
-        <p:nvSpPr>
-          <p:cNvPr id="18" name="Slide Number Placeholder 17">
-            <a:extLst>
-              <a:ext uri="{FF2B5EF4-FFF2-40B4-BE49-F238E27FC236}">
-                <a16:creationId xmlns:a16="http://schemas.microsoft.com/office/drawing/2014/main" id="{41898C30-E58E-4EC9-8A27-DF1822A9863B}"/>
-              </a:ext>
-            </a:extLst>
-          </p:cNvPr>
-          <p:cNvSpPr>
-            <a:spLocks noGrp="1"/>
-          </p:cNvSpPr>
-          <p:nvPr>
-            <p:ph type="sldNum" sz="quarter" idx="12"/>
-          </p:nvPr>
-        </p:nvSpPr>
-        <p:spPr>
-          <a:xfrm>
-            <a:off x="8610600" y="6429375"/>
-            <a:ext cx="2743200" cy="365125"/>
-          </a:xfrm>
-        </p:spPr>
-        <p:txBody>
-          <a:bodyPr/>
-          <a:lstStyle/>
-          <a:p>
-            <a:fld id="{28844951-7827-47D4-8276-7DDE1FA7D85A}" type="slidenum">
-              <a:rPr lang="en-US" smtClean="0"/>
-              <a:pPr/>
-              <a:t>2</a:t>
-            </a:fld>
-            <a:endParaRPr lang="en-US"/>
-          </a:p>
-        </p:txBody>
-      </p:sp>
+      <p:pic>
+        <p:nvPicPr>
+          <p:cNvPr id="17" name="Picture 16">
+            <a:extLst>
+              <a:ext uri="{FF2B5EF4-FFF2-40B4-BE49-F238E27FC236}">
+                <a16:creationId xmlns:a16="http://schemas.microsoft.com/office/drawing/2014/main" id="{AEF089D2-7E8F-41F6-B0FB-BBFF6C623440}"/>
+              </a:ext>
+            </a:extLst>
+          </p:cNvPr>
+          <p:cNvPicPr>
+            <a:picLocks noChangeAspect="1"/>
+          </p:cNvPicPr>
+          <p:nvPr/>
+        </p:nvPicPr>
+        <p:blipFill>
+          <a:blip r:embed="rId2"/>
+          <a:stretch>
+            <a:fillRect/>
+          </a:stretch>
+        </p:blipFill>
+        <p:spPr>
+          <a:xfrm>
+            <a:off x="1014412" y="947737"/>
+            <a:ext cx="6943725" cy="1285875"/>
+          </a:xfrm>
+          <a:prstGeom prst="rect">
+            <a:avLst/>
+          </a:prstGeom>
+        </p:spPr>
+      </p:pic>
+      <p:pic>
+        <p:nvPicPr>
+          <p:cNvPr id="19" name="Picture 18">
+            <a:extLst>
+              <a:ext uri="{FF2B5EF4-FFF2-40B4-BE49-F238E27FC236}">
+                <a16:creationId xmlns:a16="http://schemas.microsoft.com/office/drawing/2014/main" id="{EABD3323-E8CE-4F41-BFC0-FA9BB9C4CD50}"/>
+              </a:ext>
+            </a:extLst>
+          </p:cNvPr>
+          <p:cNvPicPr>
+            <a:picLocks noChangeAspect="1"/>
+          </p:cNvPicPr>
+          <p:nvPr/>
+        </p:nvPicPr>
+        <p:blipFill>
+          <a:blip r:embed="rId3"/>
+          <a:stretch>
+            <a:fillRect/>
+          </a:stretch>
+        </p:blipFill>
+        <p:spPr>
+          <a:xfrm>
+            <a:off x="2509837" y="2867024"/>
+            <a:ext cx="5262563" cy="3224969"/>
+          </a:xfrm>
+          <a:prstGeom prst="rect">
+            <a:avLst/>
+          </a:prstGeom>
+        </p:spPr>
+      </p:pic>
+      <p:pic>
+        <p:nvPicPr>
+          <p:cNvPr id="21" name="Picture 20">
+            <a:extLst>
+              <a:ext uri="{FF2B5EF4-FFF2-40B4-BE49-F238E27FC236}">
+                <a16:creationId xmlns:a16="http://schemas.microsoft.com/office/drawing/2014/main" id="{4FAF3FA7-4C3F-4499-A6D2-2C8357D0B2B9}"/>
+              </a:ext>
+            </a:extLst>
+          </p:cNvPr>
+          <p:cNvPicPr>
+            <a:picLocks noChangeAspect="1"/>
+          </p:cNvPicPr>
+          <p:nvPr/>
+        </p:nvPicPr>
+        <p:blipFill>
+          <a:blip r:embed="rId4"/>
+          <a:stretch>
+            <a:fillRect/>
+          </a:stretch>
+        </p:blipFill>
+        <p:spPr>
+          <a:xfrm>
+            <a:off x="8677275" y="1057275"/>
+            <a:ext cx="1809750" cy="1524000"/>
+          </a:xfrm>
+          <a:prstGeom prst="rect">
+            <a:avLst/>
+          </a:prstGeom>
+        </p:spPr>
+      </p:pic>
     </p:spTree>
     <p:extLst>
       <p:ext uri="{BB962C8B-B14F-4D97-AF65-F5344CB8AC3E}">
-        <p14:creationId xmlns:p14="http://schemas.microsoft.com/office/powerpoint/2010/main" val="2262346778"/>
+        <p14:creationId xmlns:p14="http://schemas.microsoft.com/office/powerpoint/2010/main" val="2693196608"/>
       </p:ext>
     </p:extLst>
   </p:cSld>
@@ -14414,10 +10665,10 @@
       </p:sp>
       <p:pic>
         <p:nvPicPr>
-          <p:cNvPr id="6" name="Picture 5">
-            <a:extLst>
-              <a:ext uri="{FF2B5EF4-FFF2-40B4-BE49-F238E27FC236}">
-                <a16:creationId xmlns:a16="http://schemas.microsoft.com/office/drawing/2014/main" id="{D2B8A091-8AC9-493C-9E59-1F9740D6BAEB}"/>
+          <p:cNvPr id="5" name="Picture 4">
+            <a:extLst>
+              <a:ext uri="{FF2B5EF4-FFF2-40B4-BE49-F238E27FC236}">
+                <a16:creationId xmlns:a16="http://schemas.microsoft.com/office/drawing/2014/main" id="{7E7894BD-DC87-4D8C-8618-A91DE4808FB4}"/>
               </a:ext>
             </a:extLst>
           </p:cNvPr>
@@ -14434,38 +10685,8 @@
         </p:blipFill>
         <p:spPr>
           <a:xfrm>
-            <a:off x="595312" y="523875"/>
-            <a:ext cx="7381875" cy="1276350"/>
-          </a:xfrm>
-          <a:prstGeom prst="rect">
-            <a:avLst/>
-          </a:prstGeom>
-        </p:spPr>
-      </p:pic>
-      <p:pic>
-        <p:nvPicPr>
-          <p:cNvPr id="13" name="Picture 12">
-            <a:extLst>
-              <a:ext uri="{FF2B5EF4-FFF2-40B4-BE49-F238E27FC236}">
-                <a16:creationId xmlns:a16="http://schemas.microsoft.com/office/drawing/2014/main" id="{9FDF9B32-4C42-4BCA-AC0B-C0D5EC90F818}"/>
-              </a:ext>
-            </a:extLst>
-          </p:cNvPr>
-          <p:cNvPicPr>
-            <a:picLocks noChangeAspect="1"/>
-          </p:cNvPicPr>
-          <p:nvPr/>
-        </p:nvPicPr>
-        <p:blipFill>
-          <a:blip r:embed="rId3"/>
-          <a:stretch>
-            <a:fillRect/>
-          </a:stretch>
-        </p:blipFill>
-        <p:spPr>
-          <a:xfrm>
-            <a:off x="695325" y="1743075"/>
-            <a:ext cx="6496050" cy="3371850"/>
+            <a:off x="2309812" y="723900"/>
+            <a:ext cx="7572375" cy="5410200"/>
           </a:xfrm>
           <a:prstGeom prst="rect">
             <a:avLst/>
@@ -14475,7 +10696,7 @@
     </p:spTree>
     <p:extLst>
       <p:ext uri="{BB962C8B-B14F-4D97-AF65-F5344CB8AC3E}">
-        <p14:creationId xmlns:p14="http://schemas.microsoft.com/office/powerpoint/2010/main" val="2131348166"/>
+        <p14:creationId xmlns:p14="http://schemas.microsoft.com/office/powerpoint/2010/main" val="1327951992"/>
       </p:ext>
     </p:extLst>
   </p:cSld>
@@ -14605,10 +10826,10 @@
       </p:sp>
       <p:pic>
         <p:nvPicPr>
-          <p:cNvPr id="3" name="Picture 2">
-            <a:extLst>
-              <a:ext uri="{FF2B5EF4-FFF2-40B4-BE49-F238E27FC236}">
-                <a16:creationId xmlns:a16="http://schemas.microsoft.com/office/drawing/2014/main" id="{2F7DA502-A7EE-49B6-A25E-2DFCEB0F6F56}"/>
+          <p:cNvPr id="5" name="Picture 4">
+            <a:extLst>
+              <a:ext uri="{FF2B5EF4-FFF2-40B4-BE49-F238E27FC236}">
+                <a16:creationId xmlns:a16="http://schemas.microsoft.com/office/drawing/2014/main" id="{CE160B90-A2B3-4254-98F2-1C9B347C97BE}"/>
               </a:ext>
             </a:extLst>
           </p:cNvPr>
@@ -14625,8 +10846,8 @@
         </p:blipFill>
         <p:spPr>
           <a:xfrm>
-            <a:off x="2214562" y="585787"/>
-            <a:ext cx="7762875" cy="5686425"/>
+            <a:off x="2400300" y="871537"/>
+            <a:ext cx="7391400" cy="5114925"/>
           </a:xfrm>
           <a:prstGeom prst="rect">
             <a:avLst/>
@@ -14636,7 +10857,7 @@
     </p:spTree>
     <p:extLst>
       <p:ext uri="{BB962C8B-B14F-4D97-AF65-F5344CB8AC3E}">
-        <p14:creationId xmlns:p14="http://schemas.microsoft.com/office/powerpoint/2010/main" val="590088596"/>
+        <p14:creationId xmlns:p14="http://schemas.microsoft.com/office/powerpoint/2010/main" val="2382726324"/>
       </p:ext>
     </p:extLst>
   </p:cSld>
@@ -14766,10 +10987,10 @@
       </p:sp>
       <p:pic>
         <p:nvPicPr>
-          <p:cNvPr id="3" name="Picture 2">
-            <a:extLst>
-              <a:ext uri="{FF2B5EF4-FFF2-40B4-BE49-F238E27FC236}">
-                <a16:creationId xmlns:a16="http://schemas.microsoft.com/office/drawing/2014/main" id="{88AFE310-ABAA-4406-ABB0-D9043CA45CDA}"/>
+          <p:cNvPr id="16" name="Picture 15">
+            <a:extLst>
+              <a:ext uri="{FF2B5EF4-FFF2-40B4-BE49-F238E27FC236}">
+                <a16:creationId xmlns:a16="http://schemas.microsoft.com/office/drawing/2014/main" id="{999A2317-A265-435B-A172-A1FCC466005E}"/>
               </a:ext>
             </a:extLst>
           </p:cNvPr>
@@ -14786,8 +11007,8 @@
         </p:blipFill>
         <p:spPr>
           <a:xfrm>
-            <a:off x="1412241" y="280987"/>
-            <a:ext cx="8422322" cy="6296025"/>
+            <a:off x="2276475" y="1300162"/>
+            <a:ext cx="7639050" cy="4257675"/>
           </a:xfrm>
           <a:prstGeom prst="rect">
             <a:avLst/>
@@ -14797,7 +11018,7 @@
     </p:spTree>
     <p:extLst>
       <p:ext uri="{BB962C8B-B14F-4D97-AF65-F5344CB8AC3E}">
-        <p14:creationId xmlns:p14="http://schemas.microsoft.com/office/powerpoint/2010/main" val="1327951992"/>
+        <p14:creationId xmlns:p14="http://schemas.microsoft.com/office/powerpoint/2010/main" val="37772558"/>
       </p:ext>
     </p:extLst>
   </p:cSld>
@@ -14927,10 +11148,10 @@
       </p:sp>
       <p:pic>
         <p:nvPicPr>
-          <p:cNvPr id="3" name="Picture 2">
-            <a:extLst>
-              <a:ext uri="{FF2B5EF4-FFF2-40B4-BE49-F238E27FC236}">
-                <a16:creationId xmlns:a16="http://schemas.microsoft.com/office/drawing/2014/main" id="{8005CE93-3C9F-4C11-A1AA-F13D279F2886}"/>
+          <p:cNvPr id="6" name="Picture 5">
+            <a:extLst>
+              <a:ext uri="{FF2B5EF4-FFF2-40B4-BE49-F238E27FC236}">
+                <a16:creationId xmlns:a16="http://schemas.microsoft.com/office/drawing/2014/main" id="{634FCAB4-C3C4-4B88-AAB7-9B399862FE88}"/>
               </a:ext>
             </a:extLst>
           </p:cNvPr>
@@ -14947,8 +11168,8 @@
         </p:blipFill>
         <p:spPr>
           <a:xfrm>
-            <a:off x="2152650" y="385762"/>
-            <a:ext cx="7886700" cy="6086475"/>
+            <a:off x="1659835" y="457200"/>
+            <a:ext cx="8047748" cy="5972175"/>
           </a:xfrm>
           <a:prstGeom prst="rect">
             <a:avLst/>
@@ -14958,7 +11179,7 @@
     </p:spTree>
     <p:extLst>
       <p:ext uri="{BB962C8B-B14F-4D97-AF65-F5344CB8AC3E}">
-        <p14:creationId xmlns:p14="http://schemas.microsoft.com/office/powerpoint/2010/main" val="2382726324"/>
+        <p14:creationId xmlns:p14="http://schemas.microsoft.com/office/powerpoint/2010/main" val="926710350"/>
       </p:ext>
     </p:extLst>
   </p:cSld>
@@ -15088,10 +11309,10 @@
       </p:sp>
       <p:pic>
         <p:nvPicPr>
-          <p:cNvPr id="3" name="Picture 2">
-            <a:extLst>
-              <a:ext uri="{FF2B5EF4-FFF2-40B4-BE49-F238E27FC236}">
-                <a16:creationId xmlns:a16="http://schemas.microsoft.com/office/drawing/2014/main" id="{194657B9-F7E6-4B72-A020-BA5413D52102}"/>
+          <p:cNvPr id="6" name="Picture 5">
+            <a:extLst>
+              <a:ext uri="{FF2B5EF4-FFF2-40B4-BE49-F238E27FC236}">
+                <a16:creationId xmlns:a16="http://schemas.microsoft.com/office/drawing/2014/main" id="{F3BF16FD-132B-409D-852A-3446707C1696}"/>
               </a:ext>
             </a:extLst>
           </p:cNvPr>
@@ -15108,8 +11329,8 @@
         </p:blipFill>
         <p:spPr>
           <a:xfrm>
-            <a:off x="2262187" y="2247900"/>
-            <a:ext cx="7667625" cy="2362200"/>
+            <a:off x="2228850" y="352425"/>
+            <a:ext cx="7734300" cy="6153150"/>
           </a:xfrm>
           <a:prstGeom prst="rect">
             <a:avLst/>
@@ -15119,7 +11340,7 @@
     </p:spTree>
     <p:extLst>
       <p:ext uri="{BB962C8B-B14F-4D97-AF65-F5344CB8AC3E}">
-        <p14:creationId xmlns:p14="http://schemas.microsoft.com/office/powerpoint/2010/main" val="37772558"/>
+        <p14:creationId xmlns:p14="http://schemas.microsoft.com/office/powerpoint/2010/main" val="489906737"/>
       </p:ext>
     </p:extLst>
   </p:cSld>
@@ -15249,10 +11470,10 @@
       </p:sp>
       <p:pic>
         <p:nvPicPr>
-          <p:cNvPr id="3" name="Picture 2">
-            <a:extLst>
-              <a:ext uri="{FF2B5EF4-FFF2-40B4-BE49-F238E27FC236}">
-                <a16:creationId xmlns:a16="http://schemas.microsoft.com/office/drawing/2014/main" id="{194657B9-F7E6-4B72-A020-BA5413D52102}"/>
+          <p:cNvPr id="6" name="Picture 5">
+            <a:extLst>
+              <a:ext uri="{FF2B5EF4-FFF2-40B4-BE49-F238E27FC236}">
+                <a16:creationId xmlns:a16="http://schemas.microsoft.com/office/drawing/2014/main" id="{E54A8C77-A380-4788-B634-031E7730D7C5}"/>
               </a:ext>
             </a:extLst>
           </p:cNvPr>
@@ -15269,38 +11490,8 @@
         </p:blipFill>
         <p:spPr>
           <a:xfrm>
-            <a:off x="942975" y="666750"/>
-            <a:ext cx="7667625" cy="2362200"/>
-          </a:xfrm>
-          <a:prstGeom prst="rect">
-            <a:avLst/>
-          </a:prstGeom>
-        </p:spPr>
-      </p:pic>
-      <p:pic>
-        <p:nvPicPr>
-          <p:cNvPr id="4" name="Picture 3">
-            <a:extLst>
-              <a:ext uri="{FF2B5EF4-FFF2-40B4-BE49-F238E27FC236}">
-                <a16:creationId xmlns:a16="http://schemas.microsoft.com/office/drawing/2014/main" id="{12635B1B-0647-4A12-A82E-D091C4133AC7}"/>
-              </a:ext>
-            </a:extLst>
-          </p:cNvPr>
-          <p:cNvPicPr>
-            <a:picLocks noChangeAspect="1"/>
-          </p:cNvPicPr>
-          <p:nvPr/>
-        </p:nvPicPr>
-        <p:blipFill>
-          <a:blip r:embed="rId3"/>
-          <a:stretch>
-            <a:fillRect/>
-          </a:stretch>
-        </p:blipFill>
-        <p:spPr>
-          <a:xfrm>
-            <a:off x="657225" y="3028950"/>
-            <a:ext cx="7639050" cy="3381375"/>
+            <a:off x="2143125" y="323850"/>
+            <a:ext cx="7905750" cy="6210300"/>
           </a:xfrm>
           <a:prstGeom prst="rect">
             <a:avLst/>
@@ -15310,7 +11501,7 @@
     </p:spTree>
     <p:extLst>
       <p:ext uri="{BB962C8B-B14F-4D97-AF65-F5344CB8AC3E}">
-        <p14:creationId xmlns:p14="http://schemas.microsoft.com/office/powerpoint/2010/main" val="926710350"/>
+        <p14:creationId xmlns:p14="http://schemas.microsoft.com/office/powerpoint/2010/main" val="1271883824"/>
       </p:ext>
     </p:extLst>
   </p:cSld>
@@ -15440,10 +11631,10 @@
       </p:sp>
       <p:pic>
         <p:nvPicPr>
-          <p:cNvPr id="4" name="Picture 3">
-            <a:extLst>
-              <a:ext uri="{FF2B5EF4-FFF2-40B4-BE49-F238E27FC236}">
-                <a16:creationId xmlns:a16="http://schemas.microsoft.com/office/drawing/2014/main" id="{5C6B9B26-C2D2-4F72-8658-75F78BD366E0}"/>
+          <p:cNvPr id="11" name="Picture 10">
+            <a:extLst>
+              <a:ext uri="{FF2B5EF4-FFF2-40B4-BE49-F238E27FC236}">
+                <a16:creationId xmlns:a16="http://schemas.microsoft.com/office/drawing/2014/main" id="{696D23F7-939E-4C00-AE10-DF3CAC622D00}"/>
               </a:ext>
             </a:extLst>
           </p:cNvPr>
@@ -15460,8 +11651,8 @@
         </p:blipFill>
         <p:spPr>
           <a:xfrm>
-            <a:off x="2266950" y="1533525"/>
-            <a:ext cx="7658100" cy="3790950"/>
+            <a:off x="2581275" y="1042987"/>
+            <a:ext cx="7029450" cy="4772025"/>
           </a:xfrm>
           <a:prstGeom prst="rect">
             <a:avLst/>
@@ -15471,7 +11662,7 @@
     </p:spTree>
     <p:extLst>
       <p:ext uri="{BB962C8B-B14F-4D97-AF65-F5344CB8AC3E}">
-        <p14:creationId xmlns:p14="http://schemas.microsoft.com/office/powerpoint/2010/main" val="489906737"/>
+        <p14:creationId xmlns:p14="http://schemas.microsoft.com/office/powerpoint/2010/main" val="2121983682"/>
       </p:ext>
     </p:extLst>
   </p:cSld>
@@ -15601,10 +11792,10 @@
       </p:sp>
       <p:pic>
         <p:nvPicPr>
-          <p:cNvPr id="4" name="Picture 3">
-            <a:extLst>
-              <a:ext uri="{FF2B5EF4-FFF2-40B4-BE49-F238E27FC236}">
-                <a16:creationId xmlns:a16="http://schemas.microsoft.com/office/drawing/2014/main" id="{6E705A6A-037A-4630-A844-0E570E57FDA5}"/>
+          <p:cNvPr id="6" name="Picture 5">
+            <a:extLst>
+              <a:ext uri="{FF2B5EF4-FFF2-40B4-BE49-F238E27FC236}">
+                <a16:creationId xmlns:a16="http://schemas.microsoft.com/office/drawing/2014/main" id="{8CC18FB9-FB2B-4BB7-9F0A-721EE4EC5238}"/>
               </a:ext>
             </a:extLst>
           </p:cNvPr>
@@ -15621,8 +11812,8 @@
         </p:blipFill>
         <p:spPr>
           <a:xfrm>
-            <a:off x="1949726" y="433387"/>
-            <a:ext cx="7696200" cy="5991225"/>
+            <a:off x="2641218" y="0"/>
+            <a:ext cx="6909564" cy="6858000"/>
           </a:xfrm>
           <a:prstGeom prst="rect">
             <a:avLst/>
@@ -15632,7 +11823,7 @@
     </p:spTree>
     <p:extLst>
       <p:ext uri="{BB962C8B-B14F-4D97-AF65-F5344CB8AC3E}">
-        <p14:creationId xmlns:p14="http://schemas.microsoft.com/office/powerpoint/2010/main" val="1271883824"/>
+        <p14:creationId xmlns:p14="http://schemas.microsoft.com/office/powerpoint/2010/main" val="3999596754"/>
       </p:ext>
     </p:extLst>
   </p:cSld>
@@ -15661,10 +11852,124 @@
       </p:grpSpPr>
       <p:sp>
         <p:nvSpPr>
+          <p:cNvPr id="2" name="Title 1">
+            <a:extLst>
+              <a:ext uri="{FF2B5EF4-FFF2-40B4-BE49-F238E27FC236}">
+                <a16:creationId xmlns:a16="http://schemas.microsoft.com/office/drawing/2014/main" id="{4183DBD4-E398-4AA3-AEC1-4BF03FC59886}"/>
+              </a:ext>
+            </a:extLst>
+          </p:cNvPr>
+          <p:cNvSpPr>
+            <a:spLocks noGrp="1"/>
+          </p:cNvSpPr>
+          <p:nvPr>
+            <p:ph type="title"/>
+          </p:nvPr>
+        </p:nvSpPr>
+        <p:spPr>
+          <a:xfrm>
+            <a:off x="841248" y="3893769"/>
+            <a:ext cx="5992550" cy="2319306"/>
+          </a:xfrm>
+        </p:spPr>
+        <p:txBody>
+          <a:bodyPr/>
+          <a:lstStyle/>
+          <a:p>
+            <a:r>
+              <a:rPr lang="en-US" dirty="0"/>
+              <a:t>Thank you</a:t>
+            </a:r>
+          </a:p>
+        </p:txBody>
+      </p:sp>
+      <p:pic>
+        <p:nvPicPr>
+          <p:cNvPr id="6" name="Picture Placeholder 5" descr="Photo of a bunch of clean artist paintbrushes">
+            <a:extLst>
+              <a:ext uri="{FF2B5EF4-FFF2-40B4-BE49-F238E27FC236}">
+                <a16:creationId xmlns:a16="http://schemas.microsoft.com/office/drawing/2014/main" id="{D7D1C07D-75DD-4A12-9C4C-A9C3E052A3D0}"/>
+              </a:ext>
+            </a:extLst>
+          </p:cNvPr>
+          <p:cNvPicPr>
+            <a:picLocks noGrp="1" noChangeAspect="1"/>
+          </p:cNvPicPr>
+          <p:nvPr>
+            <p:ph type="pic" sz="quarter" idx="13"/>
+          </p:nvPr>
+        </p:nvPicPr>
+        <p:blipFill rotWithShape="1">
+          <a:blip r:embed="rId2" cstate="screen">
+            <a:extLst>
+              <a:ext uri="{28A0092B-C50C-407E-A947-70E740481C1C}">
+                <a14:useLocalDpi xmlns:a14="http://schemas.microsoft.com/office/drawing/2010/main" val="0"/>
+              </a:ext>
+            </a:extLst>
+          </a:blip>
+          <a:srcRect/>
+          <a:stretch/>
+        </p:blipFill>
+        <p:spPr>
+          <a:xfrm>
+            <a:off x="493776" y="484632"/>
+            <a:ext cx="11210544" cy="3191256"/>
+          </a:xfrm>
+        </p:spPr>
+      </p:pic>
+      <p:sp>
+        <p:nvSpPr>
+          <p:cNvPr id="3" name="Content Placeholder 2">
+            <a:extLst>
+              <a:ext uri="{FF2B5EF4-FFF2-40B4-BE49-F238E27FC236}">
+                <a16:creationId xmlns:a16="http://schemas.microsoft.com/office/drawing/2014/main" id="{02F80182-DF99-445E-8055-837D597C38A5}"/>
+              </a:ext>
+            </a:extLst>
+          </p:cNvPr>
+          <p:cNvSpPr>
+            <a:spLocks noGrp="1"/>
+          </p:cNvSpPr>
+          <p:nvPr>
+            <p:ph idx="1"/>
+          </p:nvPr>
+        </p:nvSpPr>
+        <p:spPr>
+          <a:xfrm>
+            <a:off x="6979133" y="3893770"/>
+            <a:ext cx="4377714" cy="2319306"/>
+          </a:xfrm>
+        </p:spPr>
+        <p:txBody>
+          <a:bodyPr>
+            <a:normAutofit fontScale="92500"/>
+          </a:bodyPr>
+          <a:lstStyle/>
+          <a:p>
+            <a:r>
+              <a:rPr lang="en-US" dirty="0"/>
+              <a:t>Sreekanth Reddy Kotha</a:t>
+            </a:r>
+          </a:p>
+          <a:p>
+            <a:r>
+              <a:rPr lang="en-US" dirty="0"/>
+              <a:t>kothasreekanth2022@gmail.com</a:t>
+            </a:r>
+          </a:p>
+          <a:p>
+            <a:r>
+              <a:rPr lang="en-US" dirty="0"/>
+              <a:t>Futureappdevelopers.com</a:t>
+            </a:r>
+          </a:p>
+        </p:txBody>
+      </p:sp>
+      <p:sp>
+        <p:nvSpPr>
           <p:cNvPr id="7" name="Date Placeholder 6">
             <a:extLst>
               <a:ext uri="{FF2B5EF4-FFF2-40B4-BE49-F238E27FC236}">
-                <a16:creationId xmlns:a16="http://schemas.microsoft.com/office/drawing/2014/main" id="{CF9BF983-B96B-4610-9F94-9B626A8DFF69}"/>
+                <a16:creationId xmlns:a16="http://schemas.microsoft.com/office/drawing/2014/main" id="{3A354B2E-C37D-4B68-9B83-A941B747CCED}"/>
               </a:ext>
             </a:extLst>
           </p:cNvPr>
@@ -15677,7 +11982,7 @@
         </p:nvSpPr>
         <p:spPr>
           <a:xfrm>
-            <a:off x="838200" y="6429375"/>
+            <a:off x="838200" y="6418489"/>
             <a:ext cx="2743200" cy="365125"/>
           </a:xfrm>
         </p:spPr>
@@ -15697,7 +12002,7 @@
           <p:cNvPr id="8" name="Footer Placeholder 7">
             <a:extLst>
               <a:ext uri="{FF2B5EF4-FFF2-40B4-BE49-F238E27FC236}">
-                <a16:creationId xmlns:a16="http://schemas.microsoft.com/office/drawing/2014/main" id="{55267946-87E4-4FCD-85C7-87A978DD9637}"/>
+                <a16:creationId xmlns:a16="http://schemas.microsoft.com/office/drawing/2014/main" id="{F60FABF8-6F79-4985-A2FB-99DAD9E63042}"/>
               </a:ext>
             </a:extLst>
           </p:cNvPr>
@@ -15730,7 +12035,7 @@
           <p:cNvPr id="9" name="Slide Number Placeholder 8">
             <a:extLst>
               <a:ext uri="{FF2B5EF4-FFF2-40B4-BE49-F238E27FC236}">
-                <a16:creationId xmlns:a16="http://schemas.microsoft.com/office/drawing/2014/main" id="{ECDBD4D7-D985-4FC0-B4DA-EFF28F39E846}"/>
+                <a16:creationId xmlns:a16="http://schemas.microsoft.com/office/drawing/2014/main" id="{88A55AA7-3B73-477B-A886-58F8E99420E9}"/>
               </a:ext>
             </a:extLst>
           </p:cNvPr>
@@ -15760,201 +12065,10 @@
           </a:p>
         </p:txBody>
       </p:sp>
-      <p:pic>
-        <p:nvPicPr>
-          <p:cNvPr id="4" name="Picture 3">
-            <a:extLst>
-              <a:ext uri="{FF2B5EF4-FFF2-40B4-BE49-F238E27FC236}">
-                <a16:creationId xmlns:a16="http://schemas.microsoft.com/office/drawing/2014/main" id="{05ADE79F-7493-4D0C-836E-2C1B52298E0D}"/>
-              </a:ext>
-            </a:extLst>
-          </p:cNvPr>
-          <p:cNvPicPr>
-            <a:picLocks noChangeAspect="1"/>
-          </p:cNvPicPr>
-          <p:nvPr/>
-        </p:nvPicPr>
-        <p:blipFill>
-          <a:blip r:embed="rId2"/>
-          <a:stretch>
-            <a:fillRect/>
-          </a:stretch>
-        </p:blipFill>
-        <p:spPr>
-          <a:xfrm>
-            <a:off x="1495425" y="2257425"/>
-            <a:ext cx="7715250" cy="2114550"/>
-          </a:xfrm>
-          <a:prstGeom prst="rect">
-            <a:avLst/>
-          </a:prstGeom>
-        </p:spPr>
-      </p:pic>
     </p:spTree>
     <p:extLst>
       <p:ext uri="{BB962C8B-B14F-4D97-AF65-F5344CB8AC3E}">
-        <p14:creationId xmlns:p14="http://schemas.microsoft.com/office/powerpoint/2010/main" val="2121983682"/>
-      </p:ext>
-    </p:extLst>
-  </p:cSld>
-  <p:clrMapOvr>
-    <a:masterClrMapping/>
-  </p:clrMapOvr>
-</p:sld>
-</file>
-
-<file path=ppt/slides/slide29.xml><?xml version="1.0" encoding="utf-8"?>
-<p:sld xmlns:a="http://schemas.openxmlformats.org/drawingml/2006/main" xmlns:r="http://schemas.openxmlformats.org/officeDocument/2006/relationships" xmlns:p="http://schemas.openxmlformats.org/presentationml/2006/main">
-  <p:cSld>
-    <p:spTree>
-      <p:nvGrpSpPr>
-        <p:cNvPr id="1" name=""/>
-        <p:cNvGrpSpPr/>
-        <p:nvPr/>
-      </p:nvGrpSpPr>
-      <p:grpSpPr>
-        <a:xfrm>
-          <a:off x="0" y="0"/>
-          <a:ext cx="0" cy="0"/>
-          <a:chOff x="0" y="0"/>
-          <a:chExt cx="0" cy="0"/>
-        </a:xfrm>
-      </p:grpSpPr>
-      <p:sp>
-        <p:nvSpPr>
-          <p:cNvPr id="7" name="Date Placeholder 6">
-            <a:extLst>
-              <a:ext uri="{FF2B5EF4-FFF2-40B4-BE49-F238E27FC236}">
-                <a16:creationId xmlns:a16="http://schemas.microsoft.com/office/drawing/2014/main" id="{CF9BF983-B96B-4610-9F94-9B626A8DFF69}"/>
-              </a:ext>
-            </a:extLst>
-          </p:cNvPr>
-          <p:cNvSpPr>
-            <a:spLocks noGrp="1"/>
-          </p:cNvSpPr>
-          <p:nvPr>
-            <p:ph type="dt" sz="half" idx="10"/>
-          </p:nvPr>
-        </p:nvSpPr>
-        <p:spPr>
-          <a:xfrm>
-            <a:off x="838200" y="6429375"/>
-            <a:ext cx="2743200" cy="365125"/>
-          </a:xfrm>
-        </p:spPr>
-        <p:txBody>
-          <a:bodyPr/>
-          <a:lstStyle/>
-          <a:p>
-            <a:r>
-              <a:rPr lang="en-US"/>
-              <a:t>3/1/20XX</a:t>
-            </a:r>
-          </a:p>
-        </p:txBody>
-      </p:sp>
-      <p:sp>
-        <p:nvSpPr>
-          <p:cNvPr id="8" name="Footer Placeholder 7">
-            <a:extLst>
-              <a:ext uri="{FF2B5EF4-FFF2-40B4-BE49-F238E27FC236}">
-                <a16:creationId xmlns:a16="http://schemas.microsoft.com/office/drawing/2014/main" id="{55267946-87E4-4FCD-85C7-87A978DD9637}"/>
-              </a:ext>
-            </a:extLst>
-          </p:cNvPr>
-          <p:cNvSpPr>
-            <a:spLocks noGrp="1"/>
-          </p:cNvSpPr>
-          <p:nvPr>
-            <p:ph type="ftr" sz="quarter" idx="11"/>
-          </p:nvPr>
-        </p:nvSpPr>
-        <p:spPr>
-          <a:xfrm>
-            <a:off x="4038600" y="6429375"/>
-            <a:ext cx="4114800" cy="365125"/>
-          </a:xfrm>
-        </p:spPr>
-        <p:txBody>
-          <a:bodyPr/>
-          <a:lstStyle/>
-          <a:p>
-            <a:r>
-              <a:rPr lang="en-US"/>
-              <a:t>SAMPLE FOOTER TEXT</a:t>
-            </a:r>
-          </a:p>
-        </p:txBody>
-      </p:sp>
-      <p:sp>
-        <p:nvSpPr>
-          <p:cNvPr id="9" name="Slide Number Placeholder 8">
-            <a:extLst>
-              <a:ext uri="{FF2B5EF4-FFF2-40B4-BE49-F238E27FC236}">
-                <a16:creationId xmlns:a16="http://schemas.microsoft.com/office/drawing/2014/main" id="{ECDBD4D7-D985-4FC0-B4DA-EFF28F39E846}"/>
-              </a:ext>
-            </a:extLst>
-          </p:cNvPr>
-          <p:cNvSpPr>
-            <a:spLocks noGrp="1"/>
-          </p:cNvSpPr>
-          <p:nvPr>
-            <p:ph type="sldNum" sz="quarter" idx="12"/>
-          </p:nvPr>
-        </p:nvSpPr>
-        <p:spPr>
-          <a:xfrm>
-            <a:off x="8610600" y="6429375"/>
-            <a:ext cx="2743200" cy="365125"/>
-          </a:xfrm>
-        </p:spPr>
-        <p:txBody>
-          <a:bodyPr/>
-          <a:lstStyle/>
-          <a:p>
-            <a:fld id="{28844951-7827-47D4-8276-7DDE1FA7D85A}" type="slidenum">
-              <a:rPr lang="en-US" smtClean="0"/>
-              <a:pPr/>
-              <a:t>29</a:t>
-            </a:fld>
-            <a:endParaRPr lang="en-US"/>
-          </a:p>
-        </p:txBody>
-      </p:sp>
-      <p:pic>
-        <p:nvPicPr>
-          <p:cNvPr id="4" name="Picture 3">
-            <a:extLst>
-              <a:ext uri="{FF2B5EF4-FFF2-40B4-BE49-F238E27FC236}">
-                <a16:creationId xmlns:a16="http://schemas.microsoft.com/office/drawing/2014/main" id="{4FE18332-2B35-46D0-A217-80E6FC013533}"/>
-              </a:ext>
-            </a:extLst>
-          </p:cNvPr>
-          <p:cNvPicPr>
-            <a:picLocks noChangeAspect="1"/>
-          </p:cNvPicPr>
-          <p:nvPr/>
-        </p:nvPicPr>
-        <p:blipFill>
-          <a:blip r:embed="rId2"/>
-          <a:stretch>
-            <a:fillRect/>
-          </a:stretch>
-        </p:blipFill>
-        <p:spPr>
-          <a:xfrm>
-            <a:off x="2252662" y="1062037"/>
-            <a:ext cx="7686675" cy="4733925"/>
-          </a:xfrm>
-          <a:prstGeom prst="rect">
-            <a:avLst/>
-          </a:prstGeom>
-        </p:spPr>
-      </p:pic>
-    </p:spTree>
-    <p:extLst>
-      <p:ext uri="{BB962C8B-B14F-4D97-AF65-F5344CB8AC3E}">
-        <p14:creationId xmlns:p14="http://schemas.microsoft.com/office/powerpoint/2010/main" val="3999596754"/>
+        <p14:creationId xmlns:p14="http://schemas.microsoft.com/office/powerpoint/2010/main" val="1510143952"/>
       </p:ext>
     </p:extLst>
   </p:cSld>
@@ -15983,45 +12097,10 @@
       </p:grpSpPr>
       <p:sp>
         <p:nvSpPr>
-          <p:cNvPr id="2" name="Title 1">
-            <a:extLst>
-              <a:ext uri="{FF2B5EF4-FFF2-40B4-BE49-F238E27FC236}">
-                <a16:creationId xmlns:a16="http://schemas.microsoft.com/office/drawing/2014/main" id="{BFB49352-2AB0-4ADD-96B9-AB0FAECB557C}"/>
-              </a:ext>
-            </a:extLst>
-          </p:cNvPr>
-          <p:cNvSpPr>
-            <a:spLocks noGrp="1"/>
-          </p:cNvSpPr>
-          <p:nvPr>
-            <p:ph type="title"/>
-          </p:nvPr>
-        </p:nvSpPr>
-        <p:spPr>
-          <a:xfrm>
-            <a:off x="69724" y="161926"/>
-            <a:ext cx="5914937" cy="657224"/>
-          </a:xfrm>
-        </p:spPr>
-        <p:txBody>
-          <a:bodyPr>
-            <a:normAutofit fontScale="90000"/>
-          </a:bodyPr>
-          <a:lstStyle/>
-          <a:p>
-            <a:r>
-              <a:rPr lang="en-US" dirty="0"/>
-              <a:t>Introduction</a:t>
-            </a:r>
-          </a:p>
-        </p:txBody>
-      </p:sp>
-      <p:sp>
-        <p:nvSpPr>
-          <p:cNvPr id="81" name="Date Placeholder 80">
-            <a:extLst>
-              <a:ext uri="{FF2B5EF4-FFF2-40B4-BE49-F238E27FC236}">
-                <a16:creationId xmlns:a16="http://schemas.microsoft.com/office/drawing/2014/main" id="{82960077-7DAA-4543-8719-74137BCBB759}"/>
+          <p:cNvPr id="7" name="Date Placeholder 6">
+            <a:extLst>
+              <a:ext uri="{FF2B5EF4-FFF2-40B4-BE49-F238E27FC236}">
+                <a16:creationId xmlns:a16="http://schemas.microsoft.com/office/drawing/2014/main" id="{CF9BF983-B96B-4610-9F94-9B626A8DFF69}"/>
               </a:ext>
             </a:extLst>
           </p:cNvPr>
@@ -16051,10 +12130,10 @@
       </p:sp>
       <p:sp>
         <p:nvSpPr>
-          <p:cNvPr id="82" name="Footer Placeholder 81">
-            <a:extLst>
-              <a:ext uri="{FF2B5EF4-FFF2-40B4-BE49-F238E27FC236}">
-                <a16:creationId xmlns:a16="http://schemas.microsoft.com/office/drawing/2014/main" id="{503949B9-68A2-4ABE-91ED-37C05B246C8B}"/>
+          <p:cNvPr id="8" name="Footer Placeholder 7">
+            <a:extLst>
+              <a:ext uri="{FF2B5EF4-FFF2-40B4-BE49-F238E27FC236}">
+                <a16:creationId xmlns:a16="http://schemas.microsoft.com/office/drawing/2014/main" id="{55267946-87E4-4FCD-85C7-87A978DD9637}"/>
               </a:ext>
             </a:extLst>
           </p:cNvPr>
@@ -16076,7 +12155,7 @@
           <a:lstStyle/>
           <a:p>
             <a:r>
-              <a:rPr lang="en-US" dirty="0"/>
+              <a:rPr lang="en-US"/>
               <a:t>SAMPLE FOOTER TEXT</a:t>
             </a:r>
           </a:p>
@@ -16084,10 +12163,10 @@
       </p:sp>
       <p:sp>
         <p:nvSpPr>
-          <p:cNvPr id="18" name="Slide Number Placeholder 17">
-            <a:extLst>
-              <a:ext uri="{FF2B5EF4-FFF2-40B4-BE49-F238E27FC236}">
-                <a16:creationId xmlns:a16="http://schemas.microsoft.com/office/drawing/2014/main" id="{7CCCE07D-3B17-42EC-AE9C-222D13143DF6}"/>
+          <p:cNvPr id="9" name="Slide Number Placeholder 8">
+            <a:extLst>
+              <a:ext uri="{FF2B5EF4-FFF2-40B4-BE49-F238E27FC236}">
+                <a16:creationId xmlns:a16="http://schemas.microsoft.com/office/drawing/2014/main" id="{ECDBD4D7-D985-4FC0-B4DA-EFF28F39E846}"/>
               </a:ext>
             </a:extLst>
           </p:cNvPr>
@@ -16119,10 +12198,10 @@
       </p:sp>
       <p:pic>
         <p:nvPicPr>
-          <p:cNvPr id="16" name="Picture 15">
-            <a:extLst>
-              <a:ext uri="{FF2B5EF4-FFF2-40B4-BE49-F238E27FC236}">
-                <a16:creationId xmlns:a16="http://schemas.microsoft.com/office/drawing/2014/main" id="{04EB333F-27EF-40B5-A9D8-8F986A072261}"/>
+          <p:cNvPr id="14" name="Picture 13">
+            <a:extLst>
+              <a:ext uri="{FF2B5EF4-FFF2-40B4-BE49-F238E27FC236}">
+                <a16:creationId xmlns:a16="http://schemas.microsoft.com/office/drawing/2014/main" id="{B608F6CD-C1C7-43AC-8882-840B2C5A55C7}"/>
               </a:ext>
             </a:extLst>
           </p:cNvPr>
@@ -16139,151 +12218,20 @@
         </p:blipFill>
         <p:spPr>
           <a:xfrm>
-            <a:off x="1671637" y="1671637"/>
-            <a:ext cx="8848725" cy="3514725"/>
+            <a:off x="523875" y="619125"/>
+            <a:ext cx="7629525" cy="1885950"/>
           </a:xfrm>
           <a:prstGeom prst="rect">
             <a:avLst/>
           </a:prstGeom>
         </p:spPr>
       </p:pic>
-    </p:spTree>
-    <p:extLst>
-      <p:ext uri="{BB962C8B-B14F-4D97-AF65-F5344CB8AC3E}">
-        <p14:creationId xmlns:p14="http://schemas.microsoft.com/office/powerpoint/2010/main" val="1590342866"/>
-      </p:ext>
-    </p:extLst>
-  </p:cSld>
-  <p:clrMapOvr>
-    <a:masterClrMapping/>
-  </p:clrMapOvr>
-</p:sld>
-</file>
-
-<file path=ppt/slides/slide30.xml><?xml version="1.0" encoding="utf-8"?>
-<p:sld xmlns:a="http://schemas.openxmlformats.org/drawingml/2006/main" xmlns:r="http://schemas.openxmlformats.org/officeDocument/2006/relationships" xmlns:p="http://schemas.openxmlformats.org/presentationml/2006/main">
-  <p:cSld>
-    <p:spTree>
-      <p:nvGrpSpPr>
-        <p:cNvPr id="1" name=""/>
-        <p:cNvGrpSpPr/>
-        <p:nvPr/>
-      </p:nvGrpSpPr>
-      <p:grpSpPr>
-        <a:xfrm>
-          <a:off x="0" y="0"/>
-          <a:ext cx="0" cy="0"/>
-          <a:chOff x="0" y="0"/>
-          <a:chExt cx="0" cy="0"/>
-        </a:xfrm>
-      </p:grpSpPr>
-      <p:sp>
-        <p:nvSpPr>
-          <p:cNvPr id="7" name="Date Placeholder 6">
-            <a:extLst>
-              <a:ext uri="{FF2B5EF4-FFF2-40B4-BE49-F238E27FC236}">
-                <a16:creationId xmlns:a16="http://schemas.microsoft.com/office/drawing/2014/main" id="{CF9BF983-B96B-4610-9F94-9B626A8DFF69}"/>
-              </a:ext>
-            </a:extLst>
-          </p:cNvPr>
-          <p:cNvSpPr>
-            <a:spLocks noGrp="1"/>
-          </p:cNvSpPr>
-          <p:nvPr>
-            <p:ph type="dt" sz="half" idx="10"/>
-          </p:nvPr>
-        </p:nvSpPr>
-        <p:spPr>
-          <a:xfrm>
-            <a:off x="838200" y="6429375"/>
-            <a:ext cx="2743200" cy="365125"/>
-          </a:xfrm>
-        </p:spPr>
-        <p:txBody>
-          <a:bodyPr/>
-          <a:lstStyle/>
-          <a:p>
-            <a:r>
-              <a:rPr lang="en-US"/>
-              <a:t>3/1/20XX</a:t>
-            </a:r>
-          </a:p>
-        </p:txBody>
-      </p:sp>
-      <p:sp>
-        <p:nvSpPr>
-          <p:cNvPr id="8" name="Footer Placeholder 7">
-            <a:extLst>
-              <a:ext uri="{FF2B5EF4-FFF2-40B4-BE49-F238E27FC236}">
-                <a16:creationId xmlns:a16="http://schemas.microsoft.com/office/drawing/2014/main" id="{55267946-87E4-4FCD-85C7-87A978DD9637}"/>
-              </a:ext>
-            </a:extLst>
-          </p:cNvPr>
-          <p:cNvSpPr>
-            <a:spLocks noGrp="1"/>
-          </p:cNvSpPr>
-          <p:nvPr>
-            <p:ph type="ftr" sz="quarter" idx="11"/>
-          </p:nvPr>
-        </p:nvSpPr>
-        <p:spPr>
-          <a:xfrm>
-            <a:off x="4038600" y="6429375"/>
-            <a:ext cx="4114800" cy="365125"/>
-          </a:xfrm>
-        </p:spPr>
-        <p:txBody>
-          <a:bodyPr/>
-          <a:lstStyle/>
-          <a:p>
-            <a:r>
-              <a:rPr lang="en-US"/>
-              <a:t>SAMPLE FOOTER TEXT</a:t>
-            </a:r>
-          </a:p>
-        </p:txBody>
-      </p:sp>
-      <p:sp>
-        <p:nvSpPr>
-          <p:cNvPr id="9" name="Slide Number Placeholder 8">
-            <a:extLst>
-              <a:ext uri="{FF2B5EF4-FFF2-40B4-BE49-F238E27FC236}">
-                <a16:creationId xmlns:a16="http://schemas.microsoft.com/office/drawing/2014/main" id="{ECDBD4D7-D985-4FC0-B4DA-EFF28F39E846}"/>
-              </a:ext>
-            </a:extLst>
-          </p:cNvPr>
-          <p:cNvSpPr>
-            <a:spLocks noGrp="1"/>
-          </p:cNvSpPr>
-          <p:nvPr>
-            <p:ph type="sldNum" sz="quarter" idx="12"/>
-          </p:nvPr>
-        </p:nvSpPr>
-        <p:spPr>
-          <a:xfrm>
-            <a:off x="8610600" y="6429375"/>
-            <a:ext cx="2743200" cy="365125"/>
-          </a:xfrm>
-        </p:spPr>
-        <p:txBody>
-          <a:bodyPr/>
-          <a:lstStyle/>
-          <a:p>
-            <a:fld id="{28844951-7827-47D4-8276-7DDE1FA7D85A}" type="slidenum">
-              <a:rPr lang="en-US" smtClean="0"/>
-              <a:pPr/>
-              <a:t>30</a:t>
-            </a:fld>
-            <a:endParaRPr lang="en-US"/>
-          </a:p>
-        </p:txBody>
-      </p:sp>
       <p:pic>
         <p:nvPicPr>
-          <p:cNvPr id="3" name="Picture 2">
-            <a:extLst>
-              <a:ext uri="{FF2B5EF4-FFF2-40B4-BE49-F238E27FC236}">
-                <a16:creationId xmlns:a16="http://schemas.microsoft.com/office/drawing/2014/main" id="{BA06E0EA-C14B-47FC-8AC2-23F815F98061}"/>
+          <p:cNvPr id="16" name="Picture 15">
+            <a:extLst>
+              <a:ext uri="{FF2B5EF4-FFF2-40B4-BE49-F238E27FC236}">
+                <a16:creationId xmlns:a16="http://schemas.microsoft.com/office/drawing/2014/main" id="{52FB2042-423C-4E3B-974E-F2F6004A1FBA}"/>
               </a:ext>
             </a:extLst>
           </p:cNvPr>
@@ -16293,158 +12241,27 @@
           <p:nvPr/>
         </p:nvPicPr>
         <p:blipFill>
-          <a:blip r:embed="rId2"/>
+          <a:blip r:embed="rId3"/>
           <a:stretch>
             <a:fillRect/>
           </a:stretch>
         </p:blipFill>
         <p:spPr>
           <a:xfrm>
-            <a:off x="2105025" y="166687"/>
-            <a:ext cx="7877175" cy="6353175"/>
+            <a:off x="1295400" y="4062412"/>
+            <a:ext cx="3943350" cy="1571625"/>
           </a:xfrm>
           <a:prstGeom prst="rect">
             <a:avLst/>
           </a:prstGeom>
         </p:spPr>
       </p:pic>
-    </p:spTree>
-    <p:extLst>
-      <p:ext uri="{BB962C8B-B14F-4D97-AF65-F5344CB8AC3E}">
-        <p14:creationId xmlns:p14="http://schemas.microsoft.com/office/powerpoint/2010/main" val="3827786944"/>
-      </p:ext>
-    </p:extLst>
-  </p:cSld>
-  <p:clrMapOvr>
-    <a:masterClrMapping/>
-  </p:clrMapOvr>
-</p:sld>
-</file>
-
-<file path=ppt/slides/slide31.xml><?xml version="1.0" encoding="utf-8"?>
-<p:sld xmlns:a="http://schemas.openxmlformats.org/drawingml/2006/main" xmlns:r="http://schemas.openxmlformats.org/officeDocument/2006/relationships" xmlns:p="http://schemas.openxmlformats.org/presentationml/2006/main">
-  <p:cSld>
-    <p:spTree>
-      <p:nvGrpSpPr>
-        <p:cNvPr id="1" name=""/>
-        <p:cNvGrpSpPr/>
-        <p:nvPr/>
-      </p:nvGrpSpPr>
-      <p:grpSpPr>
-        <a:xfrm>
-          <a:off x="0" y="0"/>
-          <a:ext cx="0" cy="0"/>
-          <a:chOff x="0" y="0"/>
-          <a:chExt cx="0" cy="0"/>
-        </a:xfrm>
-      </p:grpSpPr>
-      <p:sp>
-        <p:nvSpPr>
-          <p:cNvPr id="7" name="Date Placeholder 6">
-            <a:extLst>
-              <a:ext uri="{FF2B5EF4-FFF2-40B4-BE49-F238E27FC236}">
-                <a16:creationId xmlns:a16="http://schemas.microsoft.com/office/drawing/2014/main" id="{CF9BF983-B96B-4610-9F94-9B626A8DFF69}"/>
-              </a:ext>
-            </a:extLst>
-          </p:cNvPr>
-          <p:cNvSpPr>
-            <a:spLocks noGrp="1"/>
-          </p:cNvSpPr>
-          <p:nvPr>
-            <p:ph type="dt" sz="half" idx="10"/>
-          </p:nvPr>
-        </p:nvSpPr>
-        <p:spPr>
-          <a:xfrm>
-            <a:off x="838200" y="6429375"/>
-            <a:ext cx="2743200" cy="365125"/>
-          </a:xfrm>
-        </p:spPr>
-        <p:txBody>
-          <a:bodyPr/>
-          <a:lstStyle/>
-          <a:p>
-            <a:r>
-              <a:rPr lang="en-US"/>
-              <a:t>3/1/20XX</a:t>
-            </a:r>
-          </a:p>
-        </p:txBody>
-      </p:sp>
-      <p:sp>
-        <p:nvSpPr>
-          <p:cNvPr id="8" name="Footer Placeholder 7">
-            <a:extLst>
-              <a:ext uri="{FF2B5EF4-FFF2-40B4-BE49-F238E27FC236}">
-                <a16:creationId xmlns:a16="http://schemas.microsoft.com/office/drawing/2014/main" id="{55267946-87E4-4FCD-85C7-87A978DD9637}"/>
-              </a:ext>
-            </a:extLst>
-          </p:cNvPr>
-          <p:cNvSpPr>
-            <a:spLocks noGrp="1"/>
-          </p:cNvSpPr>
-          <p:nvPr>
-            <p:ph type="ftr" sz="quarter" idx="11"/>
-          </p:nvPr>
-        </p:nvSpPr>
-        <p:spPr>
-          <a:xfrm>
-            <a:off x="4038600" y="6429375"/>
-            <a:ext cx="4114800" cy="365125"/>
-          </a:xfrm>
-        </p:spPr>
-        <p:txBody>
-          <a:bodyPr/>
-          <a:lstStyle/>
-          <a:p>
-            <a:r>
-              <a:rPr lang="en-US"/>
-              <a:t>SAMPLE FOOTER TEXT</a:t>
-            </a:r>
-          </a:p>
-        </p:txBody>
-      </p:sp>
-      <p:sp>
-        <p:nvSpPr>
-          <p:cNvPr id="9" name="Slide Number Placeholder 8">
-            <a:extLst>
-              <a:ext uri="{FF2B5EF4-FFF2-40B4-BE49-F238E27FC236}">
-                <a16:creationId xmlns:a16="http://schemas.microsoft.com/office/drawing/2014/main" id="{ECDBD4D7-D985-4FC0-B4DA-EFF28F39E846}"/>
-              </a:ext>
-            </a:extLst>
-          </p:cNvPr>
-          <p:cNvSpPr>
-            <a:spLocks noGrp="1"/>
-          </p:cNvSpPr>
-          <p:nvPr>
-            <p:ph type="sldNum" sz="quarter" idx="12"/>
-          </p:nvPr>
-        </p:nvSpPr>
-        <p:spPr>
-          <a:xfrm>
-            <a:off x="8610600" y="6429375"/>
-            <a:ext cx="2743200" cy="365125"/>
-          </a:xfrm>
-        </p:spPr>
-        <p:txBody>
-          <a:bodyPr/>
-          <a:lstStyle/>
-          <a:p>
-            <a:fld id="{28844951-7827-47D4-8276-7DDE1FA7D85A}" type="slidenum">
-              <a:rPr lang="en-US" smtClean="0"/>
-              <a:pPr/>
-              <a:t>31</a:t>
-            </a:fld>
-            <a:endParaRPr lang="en-US"/>
-          </a:p>
-        </p:txBody>
-      </p:sp>
       <p:pic>
         <p:nvPicPr>
-          <p:cNvPr id="3" name="Picture 2">
-            <a:extLst>
-              <a:ext uri="{FF2B5EF4-FFF2-40B4-BE49-F238E27FC236}">
-                <a16:creationId xmlns:a16="http://schemas.microsoft.com/office/drawing/2014/main" id="{C994E192-E7A8-4274-8F9A-CDF6B983C205}"/>
+          <p:cNvPr id="18" name="Picture 17">
+            <a:extLst>
+              <a:ext uri="{FF2B5EF4-FFF2-40B4-BE49-F238E27FC236}">
+                <a16:creationId xmlns:a16="http://schemas.microsoft.com/office/drawing/2014/main" id="{3C04CA2E-0EF4-4B0D-8844-C66C9B6231BD}"/>
               </a:ext>
             </a:extLst>
           </p:cNvPr>
@@ -16454,15 +12271,15 @@
           <p:nvPr/>
         </p:nvPicPr>
         <p:blipFill>
-          <a:blip r:embed="rId2"/>
+          <a:blip r:embed="rId4"/>
           <a:stretch>
             <a:fillRect/>
           </a:stretch>
         </p:blipFill>
         <p:spPr>
           <a:xfrm>
-            <a:off x="2271712" y="452437"/>
-            <a:ext cx="7648575" cy="5953125"/>
+            <a:off x="6743700" y="2286000"/>
+            <a:ext cx="2476500" cy="1219200"/>
           </a:xfrm>
           <a:prstGeom prst="rect">
             <a:avLst/>
@@ -16472,896 +12289,7 @@
     </p:spTree>
     <p:extLst>
       <p:ext uri="{BB962C8B-B14F-4D97-AF65-F5344CB8AC3E}">
-        <p14:creationId xmlns:p14="http://schemas.microsoft.com/office/powerpoint/2010/main" val="731303101"/>
-      </p:ext>
-    </p:extLst>
-  </p:cSld>
-  <p:clrMapOvr>
-    <a:masterClrMapping/>
-  </p:clrMapOvr>
-</p:sld>
-</file>
-
-<file path=ppt/slides/slide32.xml><?xml version="1.0" encoding="utf-8"?>
-<p:sld xmlns:a="http://schemas.openxmlformats.org/drawingml/2006/main" xmlns:r="http://schemas.openxmlformats.org/officeDocument/2006/relationships" xmlns:p="http://schemas.openxmlformats.org/presentationml/2006/main">
-  <p:cSld>
-    <p:spTree>
-      <p:nvGrpSpPr>
-        <p:cNvPr id="1" name=""/>
-        <p:cNvGrpSpPr/>
-        <p:nvPr/>
-      </p:nvGrpSpPr>
-      <p:grpSpPr>
-        <a:xfrm>
-          <a:off x="0" y="0"/>
-          <a:ext cx="0" cy="0"/>
-          <a:chOff x="0" y="0"/>
-          <a:chExt cx="0" cy="0"/>
-        </a:xfrm>
-      </p:grpSpPr>
-      <p:sp>
-        <p:nvSpPr>
-          <p:cNvPr id="7" name="Date Placeholder 6">
-            <a:extLst>
-              <a:ext uri="{FF2B5EF4-FFF2-40B4-BE49-F238E27FC236}">
-                <a16:creationId xmlns:a16="http://schemas.microsoft.com/office/drawing/2014/main" id="{CF9BF983-B96B-4610-9F94-9B626A8DFF69}"/>
-              </a:ext>
-            </a:extLst>
-          </p:cNvPr>
-          <p:cNvSpPr>
-            <a:spLocks noGrp="1"/>
-          </p:cNvSpPr>
-          <p:nvPr>
-            <p:ph type="dt" sz="half" idx="10"/>
-          </p:nvPr>
-        </p:nvSpPr>
-        <p:spPr>
-          <a:xfrm>
-            <a:off x="838200" y="6429375"/>
-            <a:ext cx="2743200" cy="365125"/>
-          </a:xfrm>
-        </p:spPr>
-        <p:txBody>
-          <a:bodyPr/>
-          <a:lstStyle/>
-          <a:p>
-            <a:r>
-              <a:rPr lang="en-US"/>
-              <a:t>3/1/20XX</a:t>
-            </a:r>
-          </a:p>
-        </p:txBody>
-      </p:sp>
-      <p:sp>
-        <p:nvSpPr>
-          <p:cNvPr id="8" name="Footer Placeholder 7">
-            <a:extLst>
-              <a:ext uri="{FF2B5EF4-FFF2-40B4-BE49-F238E27FC236}">
-                <a16:creationId xmlns:a16="http://schemas.microsoft.com/office/drawing/2014/main" id="{55267946-87E4-4FCD-85C7-87A978DD9637}"/>
-              </a:ext>
-            </a:extLst>
-          </p:cNvPr>
-          <p:cNvSpPr>
-            <a:spLocks noGrp="1"/>
-          </p:cNvSpPr>
-          <p:nvPr>
-            <p:ph type="ftr" sz="quarter" idx="11"/>
-          </p:nvPr>
-        </p:nvSpPr>
-        <p:spPr>
-          <a:xfrm>
-            <a:off x="4038600" y="6429375"/>
-            <a:ext cx="4114800" cy="365125"/>
-          </a:xfrm>
-        </p:spPr>
-        <p:txBody>
-          <a:bodyPr/>
-          <a:lstStyle/>
-          <a:p>
-            <a:r>
-              <a:rPr lang="en-US"/>
-              <a:t>SAMPLE FOOTER TEXT</a:t>
-            </a:r>
-          </a:p>
-        </p:txBody>
-      </p:sp>
-      <p:sp>
-        <p:nvSpPr>
-          <p:cNvPr id="9" name="Slide Number Placeholder 8">
-            <a:extLst>
-              <a:ext uri="{FF2B5EF4-FFF2-40B4-BE49-F238E27FC236}">
-                <a16:creationId xmlns:a16="http://schemas.microsoft.com/office/drawing/2014/main" id="{ECDBD4D7-D985-4FC0-B4DA-EFF28F39E846}"/>
-              </a:ext>
-            </a:extLst>
-          </p:cNvPr>
-          <p:cNvSpPr>
-            <a:spLocks noGrp="1"/>
-          </p:cNvSpPr>
-          <p:nvPr>
-            <p:ph type="sldNum" sz="quarter" idx="12"/>
-          </p:nvPr>
-        </p:nvSpPr>
-        <p:spPr>
-          <a:xfrm>
-            <a:off x="8610600" y="6429375"/>
-            <a:ext cx="2743200" cy="365125"/>
-          </a:xfrm>
-        </p:spPr>
-        <p:txBody>
-          <a:bodyPr/>
-          <a:lstStyle/>
-          <a:p>
-            <a:fld id="{28844951-7827-47D4-8276-7DDE1FA7D85A}" type="slidenum">
-              <a:rPr lang="en-US" smtClean="0"/>
-              <a:pPr/>
-              <a:t>32</a:t>
-            </a:fld>
-            <a:endParaRPr lang="en-US"/>
-          </a:p>
-        </p:txBody>
-      </p:sp>
-      <p:pic>
-        <p:nvPicPr>
-          <p:cNvPr id="3" name="Picture 2">
-            <a:extLst>
-              <a:ext uri="{FF2B5EF4-FFF2-40B4-BE49-F238E27FC236}">
-                <a16:creationId xmlns:a16="http://schemas.microsoft.com/office/drawing/2014/main" id="{52B476A7-A230-44B2-8C9A-9ED9A9E29952}"/>
-              </a:ext>
-            </a:extLst>
-          </p:cNvPr>
-          <p:cNvPicPr>
-            <a:picLocks noChangeAspect="1"/>
-          </p:cNvPicPr>
-          <p:nvPr/>
-        </p:nvPicPr>
-        <p:blipFill>
-          <a:blip r:embed="rId2"/>
-          <a:stretch>
-            <a:fillRect/>
-          </a:stretch>
-        </p:blipFill>
-        <p:spPr>
-          <a:xfrm>
-            <a:off x="2281237" y="1042987"/>
-            <a:ext cx="7629525" cy="4772025"/>
-          </a:xfrm>
-          <a:prstGeom prst="rect">
-            <a:avLst/>
-          </a:prstGeom>
-        </p:spPr>
-      </p:pic>
-    </p:spTree>
-    <p:extLst>
-      <p:ext uri="{BB962C8B-B14F-4D97-AF65-F5344CB8AC3E}">
-        <p14:creationId xmlns:p14="http://schemas.microsoft.com/office/powerpoint/2010/main" val="1314551746"/>
-      </p:ext>
-    </p:extLst>
-  </p:cSld>
-  <p:clrMapOvr>
-    <a:masterClrMapping/>
-  </p:clrMapOvr>
-</p:sld>
-</file>
-
-<file path=ppt/slides/slide33.xml><?xml version="1.0" encoding="utf-8"?>
-<p:sld xmlns:a="http://schemas.openxmlformats.org/drawingml/2006/main" xmlns:r="http://schemas.openxmlformats.org/officeDocument/2006/relationships" xmlns:p="http://schemas.openxmlformats.org/presentationml/2006/main">
-  <p:cSld>
-    <p:spTree>
-      <p:nvGrpSpPr>
-        <p:cNvPr id="1" name=""/>
-        <p:cNvGrpSpPr/>
-        <p:nvPr/>
-      </p:nvGrpSpPr>
-      <p:grpSpPr>
-        <a:xfrm>
-          <a:off x="0" y="0"/>
-          <a:ext cx="0" cy="0"/>
-          <a:chOff x="0" y="0"/>
-          <a:chExt cx="0" cy="0"/>
-        </a:xfrm>
-      </p:grpSpPr>
-      <p:sp>
-        <p:nvSpPr>
-          <p:cNvPr id="7" name="Date Placeholder 6">
-            <a:extLst>
-              <a:ext uri="{FF2B5EF4-FFF2-40B4-BE49-F238E27FC236}">
-                <a16:creationId xmlns:a16="http://schemas.microsoft.com/office/drawing/2014/main" id="{CF9BF983-B96B-4610-9F94-9B626A8DFF69}"/>
-              </a:ext>
-            </a:extLst>
-          </p:cNvPr>
-          <p:cNvSpPr>
-            <a:spLocks noGrp="1"/>
-          </p:cNvSpPr>
-          <p:nvPr>
-            <p:ph type="dt" sz="half" idx="10"/>
-          </p:nvPr>
-        </p:nvSpPr>
-        <p:spPr>
-          <a:xfrm>
-            <a:off x="838200" y="6429375"/>
-            <a:ext cx="2743200" cy="365125"/>
-          </a:xfrm>
-        </p:spPr>
-        <p:txBody>
-          <a:bodyPr/>
-          <a:lstStyle/>
-          <a:p>
-            <a:r>
-              <a:rPr lang="en-US"/>
-              <a:t>3/1/20XX</a:t>
-            </a:r>
-          </a:p>
-        </p:txBody>
-      </p:sp>
-      <p:sp>
-        <p:nvSpPr>
-          <p:cNvPr id="8" name="Footer Placeholder 7">
-            <a:extLst>
-              <a:ext uri="{FF2B5EF4-FFF2-40B4-BE49-F238E27FC236}">
-                <a16:creationId xmlns:a16="http://schemas.microsoft.com/office/drawing/2014/main" id="{55267946-87E4-4FCD-85C7-87A978DD9637}"/>
-              </a:ext>
-            </a:extLst>
-          </p:cNvPr>
-          <p:cNvSpPr>
-            <a:spLocks noGrp="1"/>
-          </p:cNvSpPr>
-          <p:nvPr>
-            <p:ph type="ftr" sz="quarter" idx="11"/>
-          </p:nvPr>
-        </p:nvSpPr>
-        <p:spPr>
-          <a:xfrm>
-            <a:off x="4038600" y="6429375"/>
-            <a:ext cx="4114800" cy="365125"/>
-          </a:xfrm>
-        </p:spPr>
-        <p:txBody>
-          <a:bodyPr/>
-          <a:lstStyle/>
-          <a:p>
-            <a:r>
-              <a:rPr lang="en-US"/>
-              <a:t>SAMPLE FOOTER TEXT</a:t>
-            </a:r>
-          </a:p>
-        </p:txBody>
-      </p:sp>
-      <p:sp>
-        <p:nvSpPr>
-          <p:cNvPr id="9" name="Slide Number Placeholder 8">
-            <a:extLst>
-              <a:ext uri="{FF2B5EF4-FFF2-40B4-BE49-F238E27FC236}">
-                <a16:creationId xmlns:a16="http://schemas.microsoft.com/office/drawing/2014/main" id="{ECDBD4D7-D985-4FC0-B4DA-EFF28F39E846}"/>
-              </a:ext>
-            </a:extLst>
-          </p:cNvPr>
-          <p:cNvSpPr>
-            <a:spLocks noGrp="1"/>
-          </p:cNvSpPr>
-          <p:nvPr>
-            <p:ph type="sldNum" sz="quarter" idx="12"/>
-          </p:nvPr>
-        </p:nvSpPr>
-        <p:spPr>
-          <a:xfrm>
-            <a:off x="8610600" y="6429375"/>
-            <a:ext cx="2743200" cy="365125"/>
-          </a:xfrm>
-        </p:spPr>
-        <p:txBody>
-          <a:bodyPr/>
-          <a:lstStyle/>
-          <a:p>
-            <a:fld id="{28844951-7827-47D4-8276-7DDE1FA7D85A}" type="slidenum">
-              <a:rPr lang="en-US" smtClean="0"/>
-              <a:pPr/>
-              <a:t>33</a:t>
-            </a:fld>
-            <a:endParaRPr lang="en-US"/>
-          </a:p>
-        </p:txBody>
-      </p:sp>
-      <p:pic>
-        <p:nvPicPr>
-          <p:cNvPr id="3" name="Picture 2">
-            <a:extLst>
-              <a:ext uri="{FF2B5EF4-FFF2-40B4-BE49-F238E27FC236}">
-                <a16:creationId xmlns:a16="http://schemas.microsoft.com/office/drawing/2014/main" id="{7F9AE127-E636-42CE-A75D-A41F0CCC9B09}"/>
-              </a:ext>
-            </a:extLst>
-          </p:cNvPr>
-          <p:cNvPicPr>
-            <a:picLocks noChangeAspect="1"/>
-          </p:cNvPicPr>
-          <p:nvPr/>
-        </p:nvPicPr>
-        <p:blipFill>
-          <a:blip r:embed="rId2"/>
-          <a:stretch>
-            <a:fillRect/>
-          </a:stretch>
-        </p:blipFill>
-        <p:spPr>
-          <a:xfrm>
-            <a:off x="3152775" y="642937"/>
-            <a:ext cx="5886450" cy="5572125"/>
-          </a:xfrm>
-          <a:prstGeom prst="rect">
-            <a:avLst/>
-          </a:prstGeom>
-        </p:spPr>
-      </p:pic>
-    </p:spTree>
-    <p:extLst>
-      <p:ext uri="{BB962C8B-B14F-4D97-AF65-F5344CB8AC3E}">
-        <p14:creationId xmlns:p14="http://schemas.microsoft.com/office/powerpoint/2010/main" val="3459263586"/>
-      </p:ext>
-    </p:extLst>
-  </p:cSld>
-  <p:clrMapOvr>
-    <a:masterClrMapping/>
-  </p:clrMapOvr>
-</p:sld>
-</file>
-
-<file path=ppt/slides/slide34.xml><?xml version="1.0" encoding="utf-8"?>
-<p:sld xmlns:a="http://schemas.openxmlformats.org/drawingml/2006/main" xmlns:r="http://schemas.openxmlformats.org/officeDocument/2006/relationships" xmlns:p="http://schemas.openxmlformats.org/presentationml/2006/main">
-  <p:cSld>
-    <p:spTree>
-      <p:nvGrpSpPr>
-        <p:cNvPr id="1" name=""/>
-        <p:cNvGrpSpPr/>
-        <p:nvPr/>
-      </p:nvGrpSpPr>
-      <p:grpSpPr>
-        <a:xfrm>
-          <a:off x="0" y="0"/>
-          <a:ext cx="0" cy="0"/>
-          <a:chOff x="0" y="0"/>
-          <a:chExt cx="0" cy="0"/>
-        </a:xfrm>
-      </p:grpSpPr>
-      <p:sp>
-        <p:nvSpPr>
-          <p:cNvPr id="7" name="Date Placeholder 6">
-            <a:extLst>
-              <a:ext uri="{FF2B5EF4-FFF2-40B4-BE49-F238E27FC236}">
-                <a16:creationId xmlns:a16="http://schemas.microsoft.com/office/drawing/2014/main" id="{CF9BF983-B96B-4610-9F94-9B626A8DFF69}"/>
-              </a:ext>
-            </a:extLst>
-          </p:cNvPr>
-          <p:cNvSpPr>
-            <a:spLocks noGrp="1"/>
-          </p:cNvSpPr>
-          <p:nvPr>
-            <p:ph type="dt" sz="half" idx="10"/>
-          </p:nvPr>
-        </p:nvSpPr>
-        <p:spPr>
-          <a:xfrm>
-            <a:off x="838200" y="6429375"/>
-            <a:ext cx="2743200" cy="365125"/>
-          </a:xfrm>
-        </p:spPr>
-        <p:txBody>
-          <a:bodyPr/>
-          <a:lstStyle/>
-          <a:p>
-            <a:r>
-              <a:rPr lang="en-US"/>
-              <a:t>3/1/20XX</a:t>
-            </a:r>
-          </a:p>
-        </p:txBody>
-      </p:sp>
-      <p:sp>
-        <p:nvSpPr>
-          <p:cNvPr id="8" name="Footer Placeholder 7">
-            <a:extLst>
-              <a:ext uri="{FF2B5EF4-FFF2-40B4-BE49-F238E27FC236}">
-                <a16:creationId xmlns:a16="http://schemas.microsoft.com/office/drawing/2014/main" id="{55267946-87E4-4FCD-85C7-87A978DD9637}"/>
-              </a:ext>
-            </a:extLst>
-          </p:cNvPr>
-          <p:cNvSpPr>
-            <a:spLocks noGrp="1"/>
-          </p:cNvSpPr>
-          <p:nvPr>
-            <p:ph type="ftr" sz="quarter" idx="11"/>
-          </p:nvPr>
-        </p:nvSpPr>
-        <p:spPr>
-          <a:xfrm>
-            <a:off x="4038600" y="6429375"/>
-            <a:ext cx="4114800" cy="365125"/>
-          </a:xfrm>
-        </p:spPr>
-        <p:txBody>
-          <a:bodyPr/>
-          <a:lstStyle/>
-          <a:p>
-            <a:r>
-              <a:rPr lang="en-US"/>
-              <a:t>SAMPLE FOOTER TEXT</a:t>
-            </a:r>
-          </a:p>
-        </p:txBody>
-      </p:sp>
-      <p:sp>
-        <p:nvSpPr>
-          <p:cNvPr id="9" name="Slide Number Placeholder 8">
-            <a:extLst>
-              <a:ext uri="{FF2B5EF4-FFF2-40B4-BE49-F238E27FC236}">
-                <a16:creationId xmlns:a16="http://schemas.microsoft.com/office/drawing/2014/main" id="{ECDBD4D7-D985-4FC0-B4DA-EFF28F39E846}"/>
-              </a:ext>
-            </a:extLst>
-          </p:cNvPr>
-          <p:cNvSpPr>
-            <a:spLocks noGrp="1"/>
-          </p:cNvSpPr>
-          <p:nvPr>
-            <p:ph type="sldNum" sz="quarter" idx="12"/>
-          </p:nvPr>
-        </p:nvSpPr>
-        <p:spPr>
-          <a:xfrm>
-            <a:off x="8610600" y="6429375"/>
-            <a:ext cx="2743200" cy="365125"/>
-          </a:xfrm>
-        </p:spPr>
-        <p:txBody>
-          <a:bodyPr/>
-          <a:lstStyle/>
-          <a:p>
-            <a:fld id="{28844951-7827-47D4-8276-7DDE1FA7D85A}" type="slidenum">
-              <a:rPr lang="en-US" smtClean="0"/>
-              <a:pPr/>
-              <a:t>34</a:t>
-            </a:fld>
-            <a:endParaRPr lang="en-US"/>
-          </a:p>
-        </p:txBody>
-      </p:sp>
-      <p:pic>
-        <p:nvPicPr>
-          <p:cNvPr id="4" name="Picture 3">
-            <a:extLst>
-              <a:ext uri="{FF2B5EF4-FFF2-40B4-BE49-F238E27FC236}">
-                <a16:creationId xmlns:a16="http://schemas.microsoft.com/office/drawing/2014/main" id="{F141C2BE-FF79-4B61-AE1D-2DF9BD484F41}"/>
-              </a:ext>
-            </a:extLst>
-          </p:cNvPr>
-          <p:cNvPicPr>
-            <a:picLocks noChangeAspect="1"/>
-          </p:cNvPicPr>
-          <p:nvPr/>
-        </p:nvPicPr>
-        <p:blipFill>
-          <a:blip r:embed="rId2"/>
-          <a:stretch>
-            <a:fillRect/>
-          </a:stretch>
-        </p:blipFill>
-        <p:spPr>
-          <a:xfrm>
-            <a:off x="1514157" y="298450"/>
-            <a:ext cx="8391525" cy="6130925"/>
-          </a:xfrm>
-          <a:prstGeom prst="rect">
-            <a:avLst/>
-          </a:prstGeom>
-        </p:spPr>
-      </p:pic>
-    </p:spTree>
-    <p:extLst>
-      <p:ext uri="{BB962C8B-B14F-4D97-AF65-F5344CB8AC3E}">
-        <p14:creationId xmlns:p14="http://schemas.microsoft.com/office/powerpoint/2010/main" val="64456972"/>
-      </p:ext>
-    </p:extLst>
-  </p:cSld>
-  <p:clrMapOvr>
-    <a:masterClrMapping/>
-  </p:clrMapOvr>
-</p:sld>
-</file>
-
-<file path=ppt/slides/slide35.xml><?xml version="1.0" encoding="utf-8"?>
-<p:sld xmlns:a="http://schemas.openxmlformats.org/drawingml/2006/main" xmlns:r="http://schemas.openxmlformats.org/officeDocument/2006/relationships" xmlns:p="http://schemas.openxmlformats.org/presentationml/2006/main">
-  <p:cSld>
-    <p:spTree>
-      <p:nvGrpSpPr>
-        <p:cNvPr id="1" name=""/>
-        <p:cNvGrpSpPr/>
-        <p:nvPr/>
-      </p:nvGrpSpPr>
-      <p:grpSpPr>
-        <a:xfrm>
-          <a:off x="0" y="0"/>
-          <a:ext cx="0" cy="0"/>
-          <a:chOff x="0" y="0"/>
-          <a:chExt cx="0" cy="0"/>
-        </a:xfrm>
-      </p:grpSpPr>
-      <p:sp>
-        <p:nvSpPr>
-          <p:cNvPr id="7" name="Date Placeholder 6">
-            <a:extLst>
-              <a:ext uri="{FF2B5EF4-FFF2-40B4-BE49-F238E27FC236}">
-                <a16:creationId xmlns:a16="http://schemas.microsoft.com/office/drawing/2014/main" id="{CF9BF983-B96B-4610-9F94-9B626A8DFF69}"/>
-              </a:ext>
-            </a:extLst>
-          </p:cNvPr>
-          <p:cNvSpPr>
-            <a:spLocks noGrp="1"/>
-          </p:cNvSpPr>
-          <p:nvPr>
-            <p:ph type="dt" sz="half" idx="10"/>
-          </p:nvPr>
-        </p:nvSpPr>
-        <p:spPr>
-          <a:xfrm>
-            <a:off x="838200" y="6429375"/>
-            <a:ext cx="2743200" cy="365125"/>
-          </a:xfrm>
-        </p:spPr>
-        <p:txBody>
-          <a:bodyPr/>
-          <a:lstStyle/>
-          <a:p>
-            <a:r>
-              <a:rPr lang="en-US"/>
-              <a:t>3/1/20XX</a:t>
-            </a:r>
-          </a:p>
-        </p:txBody>
-      </p:sp>
-      <p:sp>
-        <p:nvSpPr>
-          <p:cNvPr id="8" name="Footer Placeholder 7">
-            <a:extLst>
-              <a:ext uri="{FF2B5EF4-FFF2-40B4-BE49-F238E27FC236}">
-                <a16:creationId xmlns:a16="http://schemas.microsoft.com/office/drawing/2014/main" id="{55267946-87E4-4FCD-85C7-87A978DD9637}"/>
-              </a:ext>
-            </a:extLst>
-          </p:cNvPr>
-          <p:cNvSpPr>
-            <a:spLocks noGrp="1"/>
-          </p:cNvSpPr>
-          <p:nvPr>
-            <p:ph type="ftr" sz="quarter" idx="11"/>
-          </p:nvPr>
-        </p:nvSpPr>
-        <p:spPr>
-          <a:xfrm>
-            <a:off x="4038600" y="6429375"/>
-            <a:ext cx="4114800" cy="365125"/>
-          </a:xfrm>
-        </p:spPr>
-        <p:txBody>
-          <a:bodyPr/>
-          <a:lstStyle/>
-          <a:p>
-            <a:r>
-              <a:rPr lang="en-US"/>
-              <a:t>SAMPLE FOOTER TEXT</a:t>
-            </a:r>
-          </a:p>
-        </p:txBody>
-      </p:sp>
-      <p:sp>
-        <p:nvSpPr>
-          <p:cNvPr id="9" name="Slide Number Placeholder 8">
-            <a:extLst>
-              <a:ext uri="{FF2B5EF4-FFF2-40B4-BE49-F238E27FC236}">
-                <a16:creationId xmlns:a16="http://schemas.microsoft.com/office/drawing/2014/main" id="{ECDBD4D7-D985-4FC0-B4DA-EFF28F39E846}"/>
-              </a:ext>
-            </a:extLst>
-          </p:cNvPr>
-          <p:cNvSpPr>
-            <a:spLocks noGrp="1"/>
-          </p:cNvSpPr>
-          <p:nvPr>
-            <p:ph type="sldNum" sz="quarter" idx="12"/>
-          </p:nvPr>
-        </p:nvSpPr>
-        <p:spPr>
-          <a:xfrm>
-            <a:off x="8610600" y="6429375"/>
-            <a:ext cx="2743200" cy="365125"/>
-          </a:xfrm>
-        </p:spPr>
-        <p:txBody>
-          <a:bodyPr/>
-          <a:lstStyle/>
-          <a:p>
-            <a:fld id="{28844951-7827-47D4-8276-7DDE1FA7D85A}" type="slidenum">
-              <a:rPr lang="en-US" smtClean="0"/>
-              <a:pPr/>
-              <a:t>35</a:t>
-            </a:fld>
-            <a:endParaRPr lang="en-US"/>
-          </a:p>
-        </p:txBody>
-      </p:sp>
-      <p:pic>
-        <p:nvPicPr>
-          <p:cNvPr id="4" name="Picture 3">
-            <a:extLst>
-              <a:ext uri="{FF2B5EF4-FFF2-40B4-BE49-F238E27FC236}">
-                <a16:creationId xmlns:a16="http://schemas.microsoft.com/office/drawing/2014/main" id="{D403E173-4617-467E-9959-B96B15FFD938}"/>
-              </a:ext>
-            </a:extLst>
-          </p:cNvPr>
-          <p:cNvPicPr>
-            <a:picLocks noChangeAspect="1"/>
-          </p:cNvPicPr>
-          <p:nvPr/>
-        </p:nvPicPr>
-        <p:blipFill>
-          <a:blip r:embed="rId2"/>
-          <a:stretch>
-            <a:fillRect/>
-          </a:stretch>
-        </p:blipFill>
-        <p:spPr>
-          <a:xfrm>
-            <a:off x="1709737" y="2266950"/>
-            <a:ext cx="8772525" cy="2324100"/>
-          </a:xfrm>
-          <a:prstGeom prst="rect">
-            <a:avLst/>
-          </a:prstGeom>
-        </p:spPr>
-      </p:pic>
-    </p:spTree>
-    <p:extLst>
-      <p:ext uri="{BB962C8B-B14F-4D97-AF65-F5344CB8AC3E}">
-        <p14:creationId xmlns:p14="http://schemas.microsoft.com/office/powerpoint/2010/main" val="481248300"/>
-      </p:ext>
-    </p:extLst>
-  </p:cSld>
-  <p:clrMapOvr>
-    <a:masterClrMapping/>
-  </p:clrMapOvr>
-</p:sld>
-</file>
-
-<file path=ppt/slides/slide36.xml><?xml version="1.0" encoding="utf-8"?>
-<p:sld xmlns:a="http://schemas.openxmlformats.org/drawingml/2006/main" xmlns:r="http://schemas.openxmlformats.org/officeDocument/2006/relationships" xmlns:p="http://schemas.openxmlformats.org/presentationml/2006/main">
-  <p:cSld>
-    <p:spTree>
-      <p:nvGrpSpPr>
-        <p:cNvPr id="1" name=""/>
-        <p:cNvGrpSpPr/>
-        <p:nvPr/>
-      </p:nvGrpSpPr>
-      <p:grpSpPr>
-        <a:xfrm>
-          <a:off x="0" y="0"/>
-          <a:ext cx="0" cy="0"/>
-          <a:chOff x="0" y="0"/>
-          <a:chExt cx="0" cy="0"/>
-        </a:xfrm>
-      </p:grpSpPr>
-      <p:sp>
-        <p:nvSpPr>
-          <p:cNvPr id="2" name="Title 1">
-            <a:extLst>
-              <a:ext uri="{FF2B5EF4-FFF2-40B4-BE49-F238E27FC236}">
-                <a16:creationId xmlns:a16="http://schemas.microsoft.com/office/drawing/2014/main" id="{4183DBD4-E398-4AA3-AEC1-4BF03FC59886}"/>
-              </a:ext>
-            </a:extLst>
-          </p:cNvPr>
-          <p:cNvSpPr>
-            <a:spLocks noGrp="1"/>
-          </p:cNvSpPr>
-          <p:nvPr>
-            <p:ph type="title"/>
-          </p:nvPr>
-        </p:nvSpPr>
-        <p:spPr>
-          <a:xfrm>
-            <a:off x="841248" y="3893769"/>
-            <a:ext cx="5992550" cy="2319306"/>
-          </a:xfrm>
-        </p:spPr>
-        <p:txBody>
-          <a:bodyPr/>
-          <a:lstStyle/>
-          <a:p>
-            <a:r>
-              <a:rPr lang="en-US" dirty="0"/>
-              <a:t>Thank you</a:t>
-            </a:r>
-          </a:p>
-        </p:txBody>
-      </p:sp>
-      <p:pic>
-        <p:nvPicPr>
-          <p:cNvPr id="6" name="Picture Placeholder 5" descr="Photo of a bunch of clean artist paintbrushes">
-            <a:extLst>
-              <a:ext uri="{FF2B5EF4-FFF2-40B4-BE49-F238E27FC236}">
-                <a16:creationId xmlns:a16="http://schemas.microsoft.com/office/drawing/2014/main" id="{D7D1C07D-75DD-4A12-9C4C-A9C3E052A3D0}"/>
-              </a:ext>
-            </a:extLst>
-          </p:cNvPr>
-          <p:cNvPicPr>
-            <a:picLocks noGrp="1" noChangeAspect="1"/>
-          </p:cNvPicPr>
-          <p:nvPr>
-            <p:ph type="pic" sz="quarter" idx="13"/>
-          </p:nvPr>
-        </p:nvPicPr>
-        <p:blipFill rotWithShape="1">
-          <a:blip r:embed="rId2" cstate="screen">
-            <a:extLst>
-              <a:ext uri="{28A0092B-C50C-407E-A947-70E740481C1C}">
-                <a14:useLocalDpi xmlns:a14="http://schemas.microsoft.com/office/drawing/2010/main" val="0"/>
-              </a:ext>
-            </a:extLst>
-          </a:blip>
-          <a:srcRect/>
-          <a:stretch/>
-        </p:blipFill>
-        <p:spPr>
-          <a:xfrm>
-            <a:off x="493776" y="484632"/>
-            <a:ext cx="11210544" cy="3191256"/>
-          </a:xfrm>
-        </p:spPr>
-      </p:pic>
-      <p:sp>
-        <p:nvSpPr>
-          <p:cNvPr id="3" name="Content Placeholder 2">
-            <a:extLst>
-              <a:ext uri="{FF2B5EF4-FFF2-40B4-BE49-F238E27FC236}">
-                <a16:creationId xmlns:a16="http://schemas.microsoft.com/office/drawing/2014/main" id="{02F80182-DF99-445E-8055-837D597C38A5}"/>
-              </a:ext>
-            </a:extLst>
-          </p:cNvPr>
-          <p:cNvSpPr>
-            <a:spLocks noGrp="1"/>
-          </p:cNvSpPr>
-          <p:nvPr>
-            <p:ph idx="1"/>
-          </p:nvPr>
-        </p:nvSpPr>
-        <p:spPr>
-          <a:xfrm>
-            <a:off x="6979133" y="3893770"/>
-            <a:ext cx="4377714" cy="2319306"/>
-          </a:xfrm>
-        </p:spPr>
-        <p:txBody>
-          <a:bodyPr>
-            <a:normAutofit fontScale="92500"/>
-          </a:bodyPr>
-          <a:lstStyle/>
-          <a:p>
-            <a:r>
-              <a:rPr lang="en-US" dirty="0"/>
-              <a:t>Sreekanth Reddy Kotha</a:t>
-            </a:r>
-          </a:p>
-          <a:p>
-            <a:r>
-              <a:rPr lang="en-US" dirty="0"/>
-              <a:t>kothasreekanth2022@gmail.com</a:t>
-            </a:r>
-          </a:p>
-          <a:p>
-            <a:r>
-              <a:rPr lang="en-US" dirty="0"/>
-              <a:t>Futureappdevelopers.com</a:t>
-            </a:r>
-          </a:p>
-        </p:txBody>
-      </p:sp>
-      <p:sp>
-        <p:nvSpPr>
-          <p:cNvPr id="7" name="Date Placeholder 6">
-            <a:extLst>
-              <a:ext uri="{FF2B5EF4-FFF2-40B4-BE49-F238E27FC236}">
-                <a16:creationId xmlns:a16="http://schemas.microsoft.com/office/drawing/2014/main" id="{3A354B2E-C37D-4B68-9B83-A941B747CCED}"/>
-              </a:ext>
-            </a:extLst>
-          </p:cNvPr>
-          <p:cNvSpPr>
-            <a:spLocks noGrp="1"/>
-          </p:cNvSpPr>
-          <p:nvPr>
-            <p:ph type="dt" sz="half" idx="10"/>
-          </p:nvPr>
-        </p:nvSpPr>
-        <p:spPr>
-          <a:xfrm>
-            <a:off x="838200" y="6418489"/>
-            <a:ext cx="2743200" cy="365125"/>
-          </a:xfrm>
-        </p:spPr>
-        <p:txBody>
-          <a:bodyPr/>
-          <a:lstStyle/>
-          <a:p>
-            <a:r>
-              <a:rPr lang="en-US"/>
-              <a:t>3/1/20XX</a:t>
-            </a:r>
-          </a:p>
-        </p:txBody>
-      </p:sp>
-      <p:sp>
-        <p:nvSpPr>
-          <p:cNvPr id="8" name="Footer Placeholder 7">
-            <a:extLst>
-              <a:ext uri="{FF2B5EF4-FFF2-40B4-BE49-F238E27FC236}">
-                <a16:creationId xmlns:a16="http://schemas.microsoft.com/office/drawing/2014/main" id="{F60FABF8-6F79-4985-A2FB-99DAD9E63042}"/>
-              </a:ext>
-            </a:extLst>
-          </p:cNvPr>
-          <p:cNvSpPr>
-            <a:spLocks noGrp="1"/>
-          </p:cNvSpPr>
-          <p:nvPr>
-            <p:ph type="ftr" sz="quarter" idx="11"/>
-          </p:nvPr>
-        </p:nvSpPr>
-        <p:spPr>
-          <a:xfrm>
-            <a:off x="4038600" y="6429375"/>
-            <a:ext cx="4114800" cy="365125"/>
-          </a:xfrm>
-        </p:spPr>
-        <p:txBody>
-          <a:bodyPr/>
-          <a:lstStyle/>
-          <a:p>
-            <a:r>
-              <a:rPr lang="en-US"/>
-              <a:t>SAMPLE FOOTER TEXT</a:t>
-            </a:r>
-          </a:p>
-        </p:txBody>
-      </p:sp>
-      <p:sp>
-        <p:nvSpPr>
-          <p:cNvPr id="9" name="Slide Number Placeholder 8">
-            <a:extLst>
-              <a:ext uri="{FF2B5EF4-FFF2-40B4-BE49-F238E27FC236}">
-                <a16:creationId xmlns:a16="http://schemas.microsoft.com/office/drawing/2014/main" id="{88A55AA7-3B73-477B-A886-58F8E99420E9}"/>
-              </a:ext>
-            </a:extLst>
-          </p:cNvPr>
-          <p:cNvSpPr>
-            <a:spLocks noGrp="1"/>
-          </p:cNvSpPr>
-          <p:nvPr>
-            <p:ph type="sldNum" sz="quarter" idx="12"/>
-          </p:nvPr>
-        </p:nvSpPr>
-        <p:spPr>
-          <a:xfrm>
-            <a:off x="8610600" y="6429375"/>
-            <a:ext cx="2743200" cy="365125"/>
-          </a:xfrm>
-        </p:spPr>
-        <p:txBody>
-          <a:bodyPr/>
-          <a:lstStyle/>
-          <a:p>
-            <a:fld id="{28844951-7827-47D4-8276-7DDE1FA7D85A}" type="slidenum">
-              <a:rPr lang="en-US" smtClean="0"/>
-              <a:pPr/>
-              <a:t>36</a:t>
-            </a:fld>
-            <a:endParaRPr lang="en-US"/>
-          </a:p>
-        </p:txBody>
-      </p:sp>
-    </p:spTree>
-    <p:extLst>
-      <p:ext uri="{BB962C8B-B14F-4D97-AF65-F5344CB8AC3E}">
-        <p14:creationId xmlns:p14="http://schemas.microsoft.com/office/powerpoint/2010/main" val="1510143952"/>
+        <p14:creationId xmlns:p14="http://schemas.microsoft.com/office/powerpoint/2010/main" val="33020697"/>
       </p:ext>
     </p:extLst>
   </p:cSld>
@@ -17388,12 +12316,113 @@
           <a:chExt cx="0" cy="0"/>
         </a:xfrm>
       </p:grpSpPr>
+      <p:sp>
+        <p:nvSpPr>
+          <p:cNvPr id="7" name="Date Placeholder 6">
+            <a:extLst>
+              <a:ext uri="{FF2B5EF4-FFF2-40B4-BE49-F238E27FC236}">
+                <a16:creationId xmlns:a16="http://schemas.microsoft.com/office/drawing/2014/main" id="{CF9BF983-B96B-4610-9F94-9B626A8DFF69}"/>
+              </a:ext>
+            </a:extLst>
+          </p:cNvPr>
+          <p:cNvSpPr>
+            <a:spLocks noGrp="1"/>
+          </p:cNvSpPr>
+          <p:nvPr>
+            <p:ph type="dt" sz="half" idx="10"/>
+          </p:nvPr>
+        </p:nvSpPr>
+        <p:spPr>
+          <a:xfrm>
+            <a:off x="838200" y="6429375"/>
+            <a:ext cx="2743200" cy="365125"/>
+          </a:xfrm>
+        </p:spPr>
+        <p:txBody>
+          <a:bodyPr/>
+          <a:lstStyle/>
+          <a:p>
+            <a:r>
+              <a:rPr lang="en-US"/>
+              <a:t>3/1/20XX</a:t>
+            </a:r>
+          </a:p>
+        </p:txBody>
+      </p:sp>
+      <p:sp>
+        <p:nvSpPr>
+          <p:cNvPr id="8" name="Footer Placeholder 7">
+            <a:extLst>
+              <a:ext uri="{FF2B5EF4-FFF2-40B4-BE49-F238E27FC236}">
+                <a16:creationId xmlns:a16="http://schemas.microsoft.com/office/drawing/2014/main" id="{55267946-87E4-4FCD-85C7-87A978DD9637}"/>
+              </a:ext>
+            </a:extLst>
+          </p:cNvPr>
+          <p:cNvSpPr>
+            <a:spLocks noGrp="1"/>
+          </p:cNvSpPr>
+          <p:nvPr>
+            <p:ph type="ftr" sz="quarter" idx="11"/>
+          </p:nvPr>
+        </p:nvSpPr>
+        <p:spPr>
+          <a:xfrm>
+            <a:off x="4038600" y="6429375"/>
+            <a:ext cx="4114800" cy="365125"/>
+          </a:xfrm>
+        </p:spPr>
+        <p:txBody>
+          <a:bodyPr/>
+          <a:lstStyle/>
+          <a:p>
+            <a:r>
+              <a:rPr lang="en-US"/>
+              <a:t>SAMPLE FOOTER TEXT</a:t>
+            </a:r>
+          </a:p>
+        </p:txBody>
+      </p:sp>
+      <p:sp>
+        <p:nvSpPr>
+          <p:cNvPr id="9" name="Slide Number Placeholder 8">
+            <a:extLst>
+              <a:ext uri="{FF2B5EF4-FFF2-40B4-BE49-F238E27FC236}">
+                <a16:creationId xmlns:a16="http://schemas.microsoft.com/office/drawing/2014/main" id="{ECDBD4D7-D985-4FC0-B4DA-EFF28F39E846}"/>
+              </a:ext>
+            </a:extLst>
+          </p:cNvPr>
+          <p:cNvSpPr>
+            <a:spLocks noGrp="1"/>
+          </p:cNvSpPr>
+          <p:nvPr>
+            <p:ph type="sldNum" sz="quarter" idx="12"/>
+          </p:nvPr>
+        </p:nvSpPr>
+        <p:spPr>
+          <a:xfrm>
+            <a:off x="8610600" y="6429375"/>
+            <a:ext cx="2743200" cy="365125"/>
+          </a:xfrm>
+        </p:spPr>
+        <p:txBody>
+          <a:bodyPr/>
+          <a:lstStyle/>
+          <a:p>
+            <a:fld id="{28844951-7827-47D4-8276-7DDE1FA7D85A}" type="slidenum">
+              <a:rPr lang="en-US" smtClean="0"/>
+              <a:pPr/>
+              <a:t>4</a:t>
+            </a:fld>
+            <a:endParaRPr lang="en-US"/>
+          </a:p>
+        </p:txBody>
+      </p:sp>
       <p:pic>
         <p:nvPicPr>
-          <p:cNvPr id="15" name="Picture 14">
-            <a:extLst>
-              <a:ext uri="{FF2B5EF4-FFF2-40B4-BE49-F238E27FC236}">
-                <a16:creationId xmlns:a16="http://schemas.microsoft.com/office/drawing/2014/main" id="{D303171C-FFE9-4DF5-AD5E-757FE6D7F7A4}"/>
+          <p:cNvPr id="5" name="Picture 4">
+            <a:extLst>
+              <a:ext uri="{FF2B5EF4-FFF2-40B4-BE49-F238E27FC236}">
+                <a16:creationId xmlns:a16="http://schemas.microsoft.com/office/drawing/2014/main" id="{5FA4BE1B-F4DA-48D4-B880-4ACCD8EAE240}"/>
               </a:ext>
             </a:extLst>
           </p:cNvPr>
@@ -17410,8 +12439,68 @@
         </p:blipFill>
         <p:spPr>
           <a:xfrm>
-            <a:off x="1214755" y="638175"/>
-            <a:ext cx="8705850" cy="2790825"/>
+            <a:off x="590550" y="600075"/>
+            <a:ext cx="7639050" cy="1733550"/>
+          </a:xfrm>
+          <a:prstGeom prst="rect">
+            <a:avLst/>
+          </a:prstGeom>
+        </p:spPr>
+      </p:pic>
+      <p:pic>
+        <p:nvPicPr>
+          <p:cNvPr id="10" name="Picture 9">
+            <a:extLst>
+              <a:ext uri="{FF2B5EF4-FFF2-40B4-BE49-F238E27FC236}">
+                <a16:creationId xmlns:a16="http://schemas.microsoft.com/office/drawing/2014/main" id="{52F41A51-A126-463D-81CE-DBFADF225CF2}"/>
+              </a:ext>
+            </a:extLst>
+          </p:cNvPr>
+          <p:cNvPicPr>
+            <a:picLocks noChangeAspect="1"/>
+          </p:cNvPicPr>
+          <p:nvPr/>
+        </p:nvPicPr>
+        <p:blipFill>
+          <a:blip r:embed="rId3"/>
+          <a:stretch>
+            <a:fillRect/>
+          </a:stretch>
+        </p:blipFill>
+        <p:spPr>
+          <a:xfrm>
+            <a:off x="638175" y="3709987"/>
+            <a:ext cx="4610100" cy="2162175"/>
+          </a:xfrm>
+          <a:prstGeom prst="rect">
+            <a:avLst/>
+          </a:prstGeom>
+        </p:spPr>
+      </p:pic>
+      <p:pic>
+        <p:nvPicPr>
+          <p:cNvPr id="13" name="Picture 12">
+            <a:extLst>
+              <a:ext uri="{FF2B5EF4-FFF2-40B4-BE49-F238E27FC236}">
+                <a16:creationId xmlns:a16="http://schemas.microsoft.com/office/drawing/2014/main" id="{18C63E07-B3B1-4BA2-87CA-780C08CF98FD}"/>
+              </a:ext>
+            </a:extLst>
+          </p:cNvPr>
+          <p:cNvPicPr>
+            <a:picLocks noChangeAspect="1"/>
+          </p:cNvPicPr>
+          <p:nvPr/>
+        </p:nvPicPr>
+        <p:blipFill>
+          <a:blip r:embed="rId4"/>
+          <a:stretch>
+            <a:fillRect/>
+          </a:stretch>
+        </p:blipFill>
+        <p:spPr>
+          <a:xfrm>
+            <a:off x="6310312" y="3119437"/>
+            <a:ext cx="4371975" cy="2524125"/>
           </a:xfrm>
           <a:prstGeom prst="rect">
             <a:avLst/>
@@ -17421,7 +12510,7 @@
     </p:spTree>
     <p:extLst>
       <p:ext uri="{BB962C8B-B14F-4D97-AF65-F5344CB8AC3E}">
-        <p14:creationId xmlns:p14="http://schemas.microsoft.com/office/powerpoint/2010/main" val="2693196608"/>
+        <p14:creationId xmlns:p14="http://schemas.microsoft.com/office/powerpoint/2010/main" val="4154513027"/>
       </p:ext>
     </p:extLst>
   </p:cSld>
@@ -17551,10 +12640,10 @@
       </p:sp>
       <p:pic>
         <p:nvPicPr>
-          <p:cNvPr id="12" name="Picture 11">
-            <a:extLst>
-              <a:ext uri="{FF2B5EF4-FFF2-40B4-BE49-F238E27FC236}">
-                <a16:creationId xmlns:a16="http://schemas.microsoft.com/office/drawing/2014/main" id="{C149772F-9D13-42BE-82F4-96BAF4F6F4CC}"/>
+          <p:cNvPr id="5" name="Picture 4">
+            <a:extLst>
+              <a:ext uri="{FF2B5EF4-FFF2-40B4-BE49-F238E27FC236}">
+                <a16:creationId xmlns:a16="http://schemas.microsoft.com/office/drawing/2014/main" id="{CDAC8279-D2F1-4206-BC93-7078A42094CC}"/>
               </a:ext>
             </a:extLst>
           </p:cNvPr>
@@ -17571,8 +12660,38 @@
         </p:blipFill>
         <p:spPr>
           <a:xfrm>
-            <a:off x="1666875" y="576262"/>
-            <a:ext cx="8858250" cy="5705475"/>
+            <a:off x="490537" y="390525"/>
+            <a:ext cx="7267575" cy="1400175"/>
+          </a:xfrm>
+          <a:prstGeom prst="rect">
+            <a:avLst/>
+          </a:prstGeom>
+        </p:spPr>
+      </p:pic>
+      <p:pic>
+        <p:nvPicPr>
+          <p:cNvPr id="10" name="Picture 9">
+            <a:extLst>
+              <a:ext uri="{FF2B5EF4-FFF2-40B4-BE49-F238E27FC236}">
+                <a16:creationId xmlns:a16="http://schemas.microsoft.com/office/drawing/2014/main" id="{257AD1E9-83AF-4059-9474-7A2E066DF0BE}"/>
+              </a:ext>
+            </a:extLst>
+          </p:cNvPr>
+          <p:cNvPicPr>
+            <a:picLocks noChangeAspect="1"/>
+          </p:cNvPicPr>
+          <p:nvPr/>
+        </p:nvPicPr>
+        <p:blipFill>
+          <a:blip r:embed="rId3"/>
+          <a:stretch>
+            <a:fillRect/>
+          </a:stretch>
+        </p:blipFill>
+        <p:spPr>
+          <a:xfrm>
+            <a:off x="590550" y="1508125"/>
+            <a:ext cx="4914900" cy="4826000"/>
           </a:xfrm>
           <a:prstGeom prst="rect">
             <a:avLst/>
@@ -17582,7 +12701,7 @@
     </p:spTree>
     <p:extLst>
       <p:ext uri="{BB962C8B-B14F-4D97-AF65-F5344CB8AC3E}">
-        <p14:creationId xmlns:p14="http://schemas.microsoft.com/office/powerpoint/2010/main" val="33020697"/>
+        <p14:creationId xmlns:p14="http://schemas.microsoft.com/office/powerpoint/2010/main" val="2794260063"/>
       </p:ext>
     </p:extLst>
   </p:cSld>
@@ -17712,10 +12831,10 @@
       </p:sp>
       <p:pic>
         <p:nvPicPr>
-          <p:cNvPr id="3" name="Picture 2">
-            <a:extLst>
-              <a:ext uri="{FF2B5EF4-FFF2-40B4-BE49-F238E27FC236}">
-                <a16:creationId xmlns:a16="http://schemas.microsoft.com/office/drawing/2014/main" id="{4E04F1C7-23AB-4DCE-ACA3-57D803B64B23}"/>
+          <p:cNvPr id="10" name="Picture 9">
+            <a:extLst>
+              <a:ext uri="{FF2B5EF4-FFF2-40B4-BE49-F238E27FC236}">
+                <a16:creationId xmlns:a16="http://schemas.microsoft.com/office/drawing/2014/main" id="{291EA907-E7D5-4D8C-86BB-24A0C99C3A35}"/>
               </a:ext>
             </a:extLst>
           </p:cNvPr>
@@ -17732,8 +12851,8 @@
         </p:blipFill>
         <p:spPr>
           <a:xfrm>
-            <a:off x="1676400" y="962025"/>
-            <a:ext cx="8839200" cy="4933950"/>
+            <a:off x="2019300" y="438150"/>
+            <a:ext cx="7962900" cy="5991225"/>
           </a:xfrm>
           <a:prstGeom prst="rect">
             <a:avLst/>
@@ -17743,7 +12862,7 @@
     </p:spTree>
     <p:extLst>
       <p:ext uri="{BB962C8B-B14F-4D97-AF65-F5344CB8AC3E}">
-        <p14:creationId xmlns:p14="http://schemas.microsoft.com/office/powerpoint/2010/main" val="4154513027"/>
+        <p14:creationId xmlns:p14="http://schemas.microsoft.com/office/powerpoint/2010/main" val="1009469117"/>
       </p:ext>
     </p:extLst>
   </p:cSld>
@@ -17873,10 +12992,10 @@
       </p:sp>
       <p:pic>
         <p:nvPicPr>
-          <p:cNvPr id="3" name="Picture 2">
-            <a:extLst>
-              <a:ext uri="{FF2B5EF4-FFF2-40B4-BE49-F238E27FC236}">
-                <a16:creationId xmlns:a16="http://schemas.microsoft.com/office/drawing/2014/main" id="{D65ED9C6-D13A-48B5-9AA9-4CBDF19C5708}"/>
+          <p:cNvPr id="5" name="Picture 4">
+            <a:extLst>
+              <a:ext uri="{FF2B5EF4-FFF2-40B4-BE49-F238E27FC236}">
+                <a16:creationId xmlns:a16="http://schemas.microsoft.com/office/drawing/2014/main" id="{C23C7B96-8C81-46EE-A141-4B2359D2B26C}"/>
               </a:ext>
             </a:extLst>
           </p:cNvPr>
@@ -17893,8 +13012,8 @@
         </p:blipFill>
         <p:spPr>
           <a:xfrm>
-            <a:off x="1647825" y="1104900"/>
-            <a:ext cx="8896350" cy="4648200"/>
+            <a:off x="2386012" y="719137"/>
+            <a:ext cx="7419975" cy="5419725"/>
           </a:xfrm>
           <a:prstGeom prst="rect">
             <a:avLst/>
@@ -17904,7 +13023,7 @@
     </p:spTree>
     <p:extLst>
       <p:ext uri="{BB962C8B-B14F-4D97-AF65-F5344CB8AC3E}">
-        <p14:creationId xmlns:p14="http://schemas.microsoft.com/office/powerpoint/2010/main" val="2794260063"/>
+        <p14:creationId xmlns:p14="http://schemas.microsoft.com/office/powerpoint/2010/main" val="487296549"/>
       </p:ext>
     </p:extLst>
   </p:cSld>
@@ -18034,10 +13153,10 @@
       </p:sp>
       <p:pic>
         <p:nvPicPr>
-          <p:cNvPr id="3" name="Picture 2">
-            <a:extLst>
-              <a:ext uri="{FF2B5EF4-FFF2-40B4-BE49-F238E27FC236}">
-                <a16:creationId xmlns:a16="http://schemas.microsoft.com/office/drawing/2014/main" id="{19663720-56B4-4C88-9E14-EB1F9C3DFA27}"/>
+          <p:cNvPr id="4" name="Picture 3">
+            <a:extLst>
+              <a:ext uri="{FF2B5EF4-FFF2-40B4-BE49-F238E27FC236}">
+                <a16:creationId xmlns:a16="http://schemas.microsoft.com/office/drawing/2014/main" id="{26086E2A-08DD-4182-906A-09ED37C843D0}"/>
               </a:ext>
             </a:extLst>
           </p:cNvPr>
@@ -18054,38 +13173,8 @@
         </p:blipFill>
         <p:spPr>
           <a:xfrm>
-            <a:off x="3126740" y="849947"/>
-            <a:ext cx="8153400" cy="3248025"/>
-          </a:xfrm>
-          <a:prstGeom prst="rect">
-            <a:avLst/>
-          </a:prstGeom>
-        </p:spPr>
-      </p:pic>
-      <p:pic>
-        <p:nvPicPr>
-          <p:cNvPr id="5" name="Picture 4">
-            <a:extLst>
-              <a:ext uri="{FF2B5EF4-FFF2-40B4-BE49-F238E27FC236}">
-                <a16:creationId xmlns:a16="http://schemas.microsoft.com/office/drawing/2014/main" id="{5838E5F1-A203-4F39-A9F3-A6E4561F97CA}"/>
-              </a:ext>
-            </a:extLst>
-          </p:cNvPr>
-          <p:cNvPicPr>
-            <a:picLocks noChangeAspect="1"/>
-          </p:cNvPicPr>
-          <p:nvPr/>
-        </p:nvPicPr>
-        <p:blipFill>
-          <a:blip r:embed="rId3"/>
-          <a:stretch>
-            <a:fillRect/>
-          </a:stretch>
-        </p:blipFill>
-        <p:spPr>
-          <a:xfrm>
-            <a:off x="3376295" y="4596923"/>
-            <a:ext cx="1924050" cy="666750"/>
+            <a:off x="2166937" y="476250"/>
+            <a:ext cx="7858125" cy="5905500"/>
           </a:xfrm>
           <a:prstGeom prst="rect">
             <a:avLst/>
@@ -18095,7 +13184,7 @@
     </p:spTree>
     <p:extLst>
       <p:ext uri="{BB962C8B-B14F-4D97-AF65-F5344CB8AC3E}">
-        <p14:creationId xmlns:p14="http://schemas.microsoft.com/office/powerpoint/2010/main" val="1009469117"/>
+        <p14:creationId xmlns:p14="http://schemas.microsoft.com/office/powerpoint/2010/main" val="1361617540"/>
       </p:ext>
     </p:extLst>
   </p:cSld>
@@ -18225,10 +13314,10 @@
       </p:sp>
       <p:pic>
         <p:nvPicPr>
-          <p:cNvPr id="3" name="Picture 2">
-            <a:extLst>
-              <a:ext uri="{FF2B5EF4-FFF2-40B4-BE49-F238E27FC236}">
-                <a16:creationId xmlns:a16="http://schemas.microsoft.com/office/drawing/2014/main" id="{D1DAAF91-9C73-4BC0-B2BD-0C01BB187A91}"/>
+          <p:cNvPr id="10" name="Picture 9">
+            <a:extLst>
+              <a:ext uri="{FF2B5EF4-FFF2-40B4-BE49-F238E27FC236}">
+                <a16:creationId xmlns:a16="http://schemas.microsoft.com/office/drawing/2014/main" id="{890413DC-E79E-4555-9CDE-58208AD5689A}"/>
               </a:ext>
             </a:extLst>
           </p:cNvPr>
@@ -18245,8 +13334,8 @@
         </p:blipFill>
         <p:spPr>
           <a:xfrm>
-            <a:off x="1738312" y="650241"/>
-            <a:ext cx="8715375" cy="5577840"/>
+            <a:off x="2309812" y="966787"/>
+            <a:ext cx="7572375" cy="4924425"/>
           </a:xfrm>
           <a:prstGeom prst="rect">
             <a:avLst/>
@@ -18256,7 +13345,7 @@
     </p:spTree>
     <p:extLst>
       <p:ext uri="{BB962C8B-B14F-4D97-AF65-F5344CB8AC3E}">
-        <p14:creationId xmlns:p14="http://schemas.microsoft.com/office/powerpoint/2010/main" val="487296549"/>
+        <p14:creationId xmlns:p14="http://schemas.microsoft.com/office/powerpoint/2010/main" val="787715708"/>
       </p:ext>
     </p:extLst>
   </p:cSld>
